--- a/Draft 1.pptx
+++ b/Draft 1.pptx
@@ -24,12 +24,12 @@
     <p:sldId id="269" r:id="rId18"/>
     <p:sldId id="273" r:id="rId19"/>
     <p:sldId id="263" r:id="rId20"/>
-    <p:sldId id="280" r:id="rId21"/>
-    <p:sldId id="294" r:id="rId22"/>
+    <p:sldId id="304" r:id="rId21"/>
+    <p:sldId id="303" r:id="rId22"/>
     <p:sldId id="295" r:id="rId23"/>
-    <p:sldId id="296" r:id="rId24"/>
-    <p:sldId id="297" r:id="rId25"/>
-    <p:sldId id="298" r:id="rId26"/>
+    <p:sldId id="300" r:id="rId24"/>
+    <p:sldId id="301" r:id="rId25"/>
+    <p:sldId id="302" r:id="rId26"/>
     <p:sldId id="299" r:id="rId27"/>
     <p:sldId id="267" r:id="rId28"/>
     <p:sldId id="275" r:id="rId29"/>
@@ -147,7 +147,7 @@
 <file path=ppt/revisionInfo.xml><?xml version="1.0" encoding="utf-8"?>
 <p1510:revInfo xmlns:a="http://schemas.openxmlformats.org/drawingml/2006/main" xmlns:r="http://schemas.openxmlformats.org/officeDocument/2006/relationships" xmlns:p1510="http://schemas.microsoft.com/office/powerpoint/2015/10/main">
   <p1510:revLst>
-    <p1510:client id="{62ABD55E-F78F-4D84-A966-EEADE5A02CCB}" v="89" dt="2025-03-21T14:22:02.281"/>
+    <p1510:client id="{62ABD55E-F78F-4D84-A966-EEADE5A02CCB}" v="134" dt="2025-03-24T21:51:30.442"/>
   </p1510:revLst>
 </p1510:revInfo>
 </file>
@@ -157,18 +157,18 @@
   <pc:docChgLst>
     <pc:chgData name="Louis Weimer" userId="d11a7edd0da3a07d" providerId="LiveId" clId="{62ABD55E-F78F-4D84-A966-EEADE5A02CCB}"/>
     <pc:docChg chg="undo custSel addSld delSld modSld sldOrd">
-      <pc:chgData name="Louis Weimer" userId="d11a7edd0da3a07d" providerId="LiveId" clId="{62ABD55E-F78F-4D84-A966-EEADE5A02CCB}" dt="2025-03-21T14:22:22.071" v="7148" actId="1035"/>
+      <pc:chgData name="Louis Weimer" userId="d11a7edd0da3a07d" providerId="LiveId" clId="{62ABD55E-F78F-4D84-A966-EEADE5A02CCB}" dt="2025-03-24T21:51:43.338" v="7707" actId="47"/>
       <pc:docMkLst>
         <pc:docMk/>
       </pc:docMkLst>
-      <pc:sldChg chg="modSp mod">
-        <pc:chgData name="Louis Weimer" userId="d11a7edd0da3a07d" providerId="LiveId" clId="{62ABD55E-F78F-4D84-A966-EEADE5A02CCB}" dt="2025-02-09T23:42:35.514" v="65" actId="1076"/>
+      <pc:sldChg chg="addSp modSp mod">
+        <pc:chgData name="Louis Weimer" userId="d11a7edd0da3a07d" providerId="LiveId" clId="{62ABD55E-F78F-4D84-A966-EEADE5A02CCB}" dt="2025-03-24T21:47:46.585" v="7651" actId="207"/>
         <pc:sldMkLst>
           <pc:docMk/>
           <pc:sldMk cId="2851280124" sldId="256"/>
         </pc:sldMkLst>
         <pc:spChg chg="mod">
-          <ac:chgData name="Louis Weimer" userId="d11a7edd0da3a07d" providerId="LiveId" clId="{62ABD55E-F78F-4D84-A966-EEADE5A02CCB}" dt="2025-02-09T23:42:35.514" v="65" actId="1076"/>
+          <ac:chgData name="Louis Weimer" userId="d11a7edd0da3a07d" providerId="LiveId" clId="{62ABD55E-F78F-4D84-A966-EEADE5A02CCB}" dt="2025-03-24T21:47:46.585" v="7651" actId="207"/>
           <ac:spMkLst>
             <pc:docMk/>
             <pc:sldMk cId="2851280124" sldId="256"/>
@@ -176,20 +176,36 @@
           </ac:spMkLst>
         </pc:spChg>
         <pc:spChg chg="mod">
-          <ac:chgData name="Louis Weimer" userId="d11a7edd0da3a07d" providerId="LiveId" clId="{62ABD55E-F78F-4D84-A966-EEADE5A02CCB}" dt="2025-02-09T23:42:30.928" v="64" actId="1076"/>
+          <ac:chgData name="Louis Weimer" userId="d11a7edd0da3a07d" providerId="LiveId" clId="{62ABD55E-F78F-4D84-A966-EEADE5A02CCB}" dt="2025-03-24T21:47:28.280" v="7648" actId="1076"/>
           <ac:spMkLst>
             <pc:docMk/>
             <pc:sldMk cId="2851280124" sldId="256"/>
             <ac:spMk id="3" creationId="{3EA0159B-D11F-B172-EE37-C58D0053792D}"/>
           </ac:spMkLst>
         </pc:spChg>
+        <pc:spChg chg="add mod ord">
+          <ac:chgData name="Louis Weimer" userId="d11a7edd0da3a07d" providerId="LiveId" clId="{62ABD55E-F78F-4D84-A966-EEADE5A02CCB}" dt="2025-03-24T21:47:42.318" v="7650" actId="167"/>
+          <ac:spMkLst>
+            <pc:docMk/>
+            <pc:sldMk cId="2851280124" sldId="256"/>
+            <ac:spMk id="4" creationId="{0947CC09-87EC-D697-82FE-3C7BDAA6DCD3}"/>
+          </ac:spMkLst>
+        </pc:spChg>
       </pc:sldChg>
-      <pc:sldChg chg="modSp mod ord">
-        <pc:chgData name="Louis Weimer" userId="d11a7edd0da3a07d" providerId="LiveId" clId="{62ABD55E-F78F-4D84-A966-EEADE5A02CCB}" dt="2025-03-12T00:22:12.380" v="5539" actId="20577"/>
+      <pc:sldChg chg="addSp modSp mod ord">
+        <pc:chgData name="Louis Weimer" userId="d11a7edd0da3a07d" providerId="LiveId" clId="{62ABD55E-F78F-4D84-A966-EEADE5A02CCB}" dt="2025-03-24T18:42:44.909" v="7158" actId="207"/>
         <pc:sldMkLst>
           <pc:docMk/>
           <pc:sldMk cId="157763894" sldId="257"/>
         </pc:sldMkLst>
+        <pc:spChg chg="mod">
+          <ac:chgData name="Louis Weimer" userId="d11a7edd0da3a07d" providerId="LiveId" clId="{62ABD55E-F78F-4D84-A966-EEADE5A02CCB}" dt="2025-03-24T18:42:44.909" v="7158" actId="207"/>
+          <ac:spMkLst>
+            <pc:docMk/>
+            <pc:sldMk cId="157763894" sldId="257"/>
+            <ac:spMk id="2" creationId="{0FE8D42C-5C3E-259B-09C1-F958EA8982C4}"/>
+          </ac:spMkLst>
+        </pc:spChg>
         <pc:spChg chg="mod">
           <ac:chgData name="Louis Weimer" userId="d11a7edd0da3a07d" providerId="LiveId" clId="{62ABD55E-F78F-4D84-A966-EEADE5A02CCB}" dt="2025-03-12T00:22:12.380" v="5539" actId="20577"/>
           <ac:spMkLst>
@@ -198,13 +214,29 @@
             <ac:spMk id="3" creationId="{C6846B60-E3E8-F6F7-29C0-9A52197638B4}"/>
           </ac:spMkLst>
         </pc:spChg>
+        <pc:spChg chg="add mod ord">
+          <ac:chgData name="Louis Weimer" userId="d11a7edd0da3a07d" providerId="LiveId" clId="{62ABD55E-F78F-4D84-A966-EEADE5A02CCB}" dt="2025-03-24T18:42:40.766" v="7157" actId="171"/>
+          <ac:spMkLst>
+            <pc:docMk/>
+            <pc:sldMk cId="157763894" sldId="257"/>
+            <ac:spMk id="4" creationId="{0DEC56BD-5F8D-8FB6-8E97-695788F17344}"/>
+          </ac:spMkLst>
+        </pc:spChg>
       </pc:sldChg>
-      <pc:sldChg chg="modSp mod">
-        <pc:chgData name="Louis Weimer" userId="d11a7edd0da3a07d" providerId="LiveId" clId="{62ABD55E-F78F-4D84-A966-EEADE5A02CCB}" dt="2025-03-21T14:15:58.573" v="7042" actId="27636"/>
+      <pc:sldChg chg="addSp modSp mod">
+        <pc:chgData name="Louis Weimer" userId="d11a7edd0da3a07d" providerId="LiveId" clId="{62ABD55E-F78F-4D84-A966-EEADE5A02CCB}" dt="2025-03-24T18:43:16.654" v="7166" actId="207"/>
         <pc:sldMkLst>
           <pc:docMk/>
           <pc:sldMk cId="1261409668" sldId="258"/>
         </pc:sldMkLst>
+        <pc:spChg chg="mod">
+          <ac:chgData name="Louis Weimer" userId="d11a7edd0da3a07d" providerId="LiveId" clId="{62ABD55E-F78F-4D84-A966-EEADE5A02CCB}" dt="2025-03-24T18:43:16.654" v="7166" actId="207"/>
+          <ac:spMkLst>
+            <pc:docMk/>
+            <pc:sldMk cId="1261409668" sldId="258"/>
+            <ac:spMk id="2" creationId="{0FE8D42C-5C3E-259B-09C1-F958EA8982C4}"/>
+          </ac:spMkLst>
+        </pc:spChg>
         <pc:spChg chg="mod">
           <ac:chgData name="Louis Weimer" userId="d11a7edd0da3a07d" providerId="LiveId" clId="{62ABD55E-F78F-4D84-A966-EEADE5A02CCB}" dt="2025-03-21T14:15:58.573" v="7042" actId="27636"/>
           <ac:spMkLst>
@@ -213,13 +245,29 @@
             <ac:spMk id="3" creationId="{C6846B60-E3E8-F6F7-29C0-9A52197638B4}"/>
           </ac:spMkLst>
         </pc:spChg>
+        <pc:spChg chg="add mod ord">
+          <ac:chgData name="Louis Weimer" userId="d11a7edd0da3a07d" providerId="LiveId" clId="{62ABD55E-F78F-4D84-A966-EEADE5A02CCB}" dt="2025-03-24T18:43:10.033" v="7165" actId="171"/>
+          <ac:spMkLst>
+            <pc:docMk/>
+            <pc:sldMk cId="1261409668" sldId="258"/>
+            <ac:spMk id="4" creationId="{5D982943-2436-F685-4AA6-60FFEF399B10}"/>
+          </ac:spMkLst>
+        </pc:spChg>
       </pc:sldChg>
-      <pc:sldChg chg="modSp mod ord">
-        <pc:chgData name="Louis Weimer" userId="d11a7edd0da3a07d" providerId="LiveId" clId="{62ABD55E-F78F-4D84-A966-EEADE5A02CCB}" dt="2025-02-23T02:50:52.915" v="2805" actId="20577"/>
+      <pc:sldChg chg="addSp modSp mod ord">
+        <pc:chgData name="Louis Weimer" userId="d11a7edd0da3a07d" providerId="LiveId" clId="{62ABD55E-F78F-4D84-A966-EEADE5A02CCB}" dt="2025-03-24T18:43:02.514" v="7162" actId="207"/>
         <pc:sldMkLst>
           <pc:docMk/>
           <pc:sldMk cId="2645402934" sldId="259"/>
         </pc:sldMkLst>
+        <pc:spChg chg="mod">
+          <ac:chgData name="Louis Weimer" userId="d11a7edd0da3a07d" providerId="LiveId" clId="{62ABD55E-F78F-4D84-A966-EEADE5A02CCB}" dt="2025-03-24T18:43:02.514" v="7162" actId="207"/>
+          <ac:spMkLst>
+            <pc:docMk/>
+            <pc:sldMk cId="2645402934" sldId="259"/>
+            <ac:spMk id="2" creationId="{0FE8D42C-5C3E-259B-09C1-F958EA8982C4}"/>
+          </ac:spMkLst>
+        </pc:spChg>
         <pc:spChg chg="mod">
           <ac:chgData name="Louis Weimer" userId="d11a7edd0da3a07d" providerId="LiveId" clId="{62ABD55E-F78F-4D84-A966-EEADE5A02CCB}" dt="2025-02-23T02:50:52.915" v="2805" actId="20577"/>
           <ac:spMkLst>
@@ -228,13 +276,29 @@
             <ac:spMk id="3" creationId="{C6846B60-E3E8-F6F7-29C0-9A52197638B4}"/>
           </ac:spMkLst>
         </pc:spChg>
+        <pc:spChg chg="add mod ord">
+          <ac:chgData name="Louis Weimer" userId="d11a7edd0da3a07d" providerId="LiveId" clId="{62ABD55E-F78F-4D84-A966-EEADE5A02CCB}" dt="2025-03-24T18:42:55.196" v="7161" actId="171"/>
+          <ac:spMkLst>
+            <pc:docMk/>
+            <pc:sldMk cId="2645402934" sldId="259"/>
+            <ac:spMk id="4" creationId="{2E6A15EA-AE3A-55DE-C4BB-59627A6BE010}"/>
+          </ac:spMkLst>
+        </pc:spChg>
       </pc:sldChg>
-      <pc:sldChg chg="modSp mod">
-        <pc:chgData name="Louis Weimer" userId="d11a7edd0da3a07d" providerId="LiveId" clId="{62ABD55E-F78F-4D84-A966-EEADE5A02CCB}" dt="2025-03-11T23:50:40.508" v="4500" actId="20577"/>
+      <pc:sldChg chg="addSp modSp mod">
+        <pc:chgData name="Louis Weimer" userId="d11a7edd0da3a07d" providerId="LiveId" clId="{62ABD55E-F78F-4D84-A966-EEADE5A02CCB}" dt="2025-03-24T18:44:34.583" v="7176" actId="207"/>
         <pc:sldMkLst>
           <pc:docMk/>
           <pc:sldMk cId="2242535287" sldId="260"/>
         </pc:sldMkLst>
+        <pc:spChg chg="mod">
+          <ac:chgData name="Louis Weimer" userId="d11a7edd0da3a07d" providerId="LiveId" clId="{62ABD55E-F78F-4D84-A966-EEADE5A02CCB}" dt="2025-03-24T18:44:34.583" v="7176" actId="207"/>
+          <ac:spMkLst>
+            <pc:docMk/>
+            <pc:sldMk cId="2242535287" sldId="260"/>
+            <ac:spMk id="2" creationId="{08258756-71B6-07AA-0D22-E403FE2740A8}"/>
+          </ac:spMkLst>
+        </pc:spChg>
         <pc:spChg chg="mod">
           <ac:chgData name="Louis Weimer" userId="d11a7edd0da3a07d" providerId="LiveId" clId="{62ABD55E-F78F-4D84-A966-EEADE5A02CCB}" dt="2025-03-11T23:50:40.508" v="4500" actId="20577"/>
           <ac:spMkLst>
@@ -243,13 +307,29 @@
             <ac:spMk id="3" creationId="{1D029277-C7AE-D560-8F03-F36974974815}"/>
           </ac:spMkLst>
         </pc:spChg>
+        <pc:spChg chg="add mod ord">
+          <ac:chgData name="Louis Weimer" userId="d11a7edd0da3a07d" providerId="LiveId" clId="{62ABD55E-F78F-4D84-A966-EEADE5A02CCB}" dt="2025-03-24T18:44:28.141" v="7175" actId="171"/>
+          <ac:spMkLst>
+            <pc:docMk/>
+            <pc:sldMk cId="2242535287" sldId="260"/>
+            <ac:spMk id="4" creationId="{32EBA965-ABEA-79AF-F0BC-0A18B8A49648}"/>
+          </ac:spMkLst>
+        </pc:spChg>
       </pc:sldChg>
-      <pc:sldChg chg="modSp mod">
-        <pc:chgData name="Louis Weimer" userId="d11a7edd0da3a07d" providerId="LiveId" clId="{62ABD55E-F78F-4D84-A966-EEADE5A02CCB}" dt="2025-03-06T21:15:07.992" v="2963" actId="20577"/>
+      <pc:sldChg chg="addSp modSp mod">
+        <pc:chgData name="Louis Weimer" userId="d11a7edd0da3a07d" providerId="LiveId" clId="{62ABD55E-F78F-4D84-A966-EEADE5A02CCB}" dt="2025-03-24T18:44:48.773" v="7180" actId="207"/>
         <pc:sldMkLst>
           <pc:docMk/>
           <pc:sldMk cId="1320705807" sldId="261"/>
         </pc:sldMkLst>
+        <pc:spChg chg="mod">
+          <ac:chgData name="Louis Weimer" userId="d11a7edd0da3a07d" providerId="LiveId" clId="{62ABD55E-F78F-4D84-A966-EEADE5A02CCB}" dt="2025-03-24T18:44:48.773" v="7180" actId="207"/>
+          <ac:spMkLst>
+            <pc:docMk/>
+            <pc:sldMk cId="1320705807" sldId="261"/>
+            <ac:spMk id="2" creationId="{FF52AE41-32CB-A41C-2289-DE1E37E8370A}"/>
+          </ac:spMkLst>
+        </pc:spChg>
         <pc:spChg chg="mod">
           <ac:chgData name="Louis Weimer" userId="d11a7edd0da3a07d" providerId="LiveId" clId="{62ABD55E-F78F-4D84-A966-EEADE5A02CCB}" dt="2025-03-06T21:15:07.992" v="2963" actId="20577"/>
           <ac:spMkLst>
@@ -258,19 +338,43 @@
             <ac:spMk id="3" creationId="{AF235904-E29C-16AE-7BFA-78E57C6B4AC8}"/>
           </ac:spMkLst>
         </pc:spChg>
+        <pc:spChg chg="add mod ord">
+          <ac:chgData name="Louis Weimer" userId="d11a7edd0da3a07d" providerId="LiveId" clId="{62ABD55E-F78F-4D84-A966-EEADE5A02CCB}" dt="2025-03-24T18:44:43.279" v="7179" actId="171"/>
+          <ac:spMkLst>
+            <pc:docMk/>
+            <pc:sldMk cId="1320705807" sldId="261"/>
+            <ac:spMk id="4" creationId="{05EFFCE0-C01E-1891-D2CD-AF38B4156308}"/>
+          </ac:spMkLst>
+        </pc:spChg>
       </pc:sldChg>
-      <pc:sldChg chg="modSp mod ord">
-        <pc:chgData name="Louis Weimer" userId="d11a7edd0da3a07d" providerId="LiveId" clId="{62ABD55E-F78F-4D84-A966-EEADE5A02CCB}" dt="2025-03-09T00:13:44.795" v="3882" actId="20577"/>
+      <pc:sldChg chg="addSp modSp mod ord">
+        <pc:chgData name="Louis Weimer" userId="d11a7edd0da3a07d" providerId="LiveId" clId="{62ABD55E-F78F-4D84-A966-EEADE5A02CCB}" dt="2025-03-24T18:50:12.953" v="7225" actId="207"/>
         <pc:sldMkLst>
           <pc:docMk/>
           <pc:sldMk cId="548895010" sldId="263"/>
         </pc:sldMkLst>
+        <pc:spChg chg="mod">
+          <ac:chgData name="Louis Weimer" userId="d11a7edd0da3a07d" providerId="LiveId" clId="{62ABD55E-F78F-4D84-A966-EEADE5A02CCB}" dt="2025-03-24T18:50:12.953" v="7225" actId="207"/>
+          <ac:spMkLst>
+            <pc:docMk/>
+            <pc:sldMk cId="548895010" sldId="263"/>
+            <ac:spMk id="2" creationId="{5BECC46A-E368-F1CD-5546-77C9F5467CF5}"/>
+          </ac:spMkLst>
+        </pc:spChg>
         <pc:spChg chg="mod">
           <ac:chgData name="Louis Weimer" userId="d11a7edd0da3a07d" providerId="LiveId" clId="{62ABD55E-F78F-4D84-A966-EEADE5A02CCB}" dt="2025-03-09T00:13:44.795" v="3882" actId="20577"/>
           <ac:spMkLst>
             <pc:docMk/>
             <pc:sldMk cId="548895010" sldId="263"/>
             <ac:spMk id="3" creationId="{599F9E4A-42D0-5760-C73A-70AD5194FE6D}"/>
+          </ac:spMkLst>
+        </pc:spChg>
+        <pc:spChg chg="add mod ord">
+          <ac:chgData name="Louis Weimer" userId="d11a7edd0da3a07d" providerId="LiveId" clId="{62ABD55E-F78F-4D84-A966-EEADE5A02CCB}" dt="2025-03-24T18:50:08.837" v="7224" actId="167"/>
+          <ac:spMkLst>
+            <pc:docMk/>
+            <pc:sldMk cId="548895010" sldId="263"/>
+            <ac:spMk id="4" creationId="{97240288-309C-09EF-21C8-7DBF30E3E129}"/>
           </ac:spMkLst>
         </pc:spChg>
       </pc:sldChg>
@@ -295,18 +399,34 @@
           <pc:sldMk cId="1852826448" sldId="266"/>
         </pc:sldMkLst>
       </pc:sldChg>
-      <pc:sldChg chg="modSp mod">
-        <pc:chgData name="Louis Weimer" userId="d11a7edd0da3a07d" providerId="LiveId" clId="{62ABD55E-F78F-4D84-A966-EEADE5A02CCB}" dt="2025-03-09T00:14:26.629" v="3884" actId="20577"/>
+      <pc:sldChg chg="addSp modSp mod">
+        <pc:chgData name="Louis Weimer" userId="d11a7edd0da3a07d" providerId="LiveId" clId="{62ABD55E-F78F-4D84-A966-EEADE5A02CCB}" dt="2025-03-24T18:53:30.458" v="7257" actId="207"/>
         <pc:sldMkLst>
           <pc:docMk/>
           <pc:sldMk cId="536531375" sldId="267"/>
         </pc:sldMkLst>
+        <pc:spChg chg="mod">
+          <ac:chgData name="Louis Weimer" userId="d11a7edd0da3a07d" providerId="LiveId" clId="{62ABD55E-F78F-4D84-A966-EEADE5A02CCB}" dt="2025-03-24T18:53:30.458" v="7257" actId="207"/>
+          <ac:spMkLst>
+            <pc:docMk/>
+            <pc:sldMk cId="536531375" sldId="267"/>
+            <ac:spMk id="2" creationId="{5BECC46A-E368-F1CD-5546-77C9F5467CF5}"/>
+          </ac:spMkLst>
+        </pc:spChg>
         <pc:spChg chg="mod">
           <ac:chgData name="Louis Weimer" userId="d11a7edd0da3a07d" providerId="LiveId" clId="{62ABD55E-F78F-4D84-A966-EEADE5A02CCB}" dt="2025-03-09T00:14:26.629" v="3884" actId="20577"/>
           <ac:spMkLst>
             <pc:docMk/>
             <pc:sldMk cId="536531375" sldId="267"/>
             <ac:spMk id="3" creationId="{599F9E4A-42D0-5760-C73A-70AD5194FE6D}"/>
+          </ac:spMkLst>
+        </pc:spChg>
+        <pc:spChg chg="add mod ord">
+          <ac:chgData name="Louis Weimer" userId="d11a7edd0da3a07d" providerId="LiveId" clId="{62ABD55E-F78F-4D84-A966-EEADE5A02CCB}" dt="2025-03-24T18:53:25.803" v="7256" actId="167"/>
+          <ac:spMkLst>
+            <pc:docMk/>
+            <pc:sldMk cId="536531375" sldId="267"/>
+            <ac:spMk id="4" creationId="{70C1C217-6EFD-80A6-5B4F-BF9B6527C900}"/>
           </ac:spMkLst>
         </pc:spChg>
       </pc:sldChg>
@@ -317,19 +437,43 @@
           <pc:sldMk cId="1878254234" sldId="268"/>
         </pc:sldMkLst>
       </pc:sldChg>
-      <pc:sldChg chg="ord">
-        <pc:chgData name="Louis Weimer" userId="d11a7edd0da3a07d" providerId="LiveId" clId="{62ABD55E-F78F-4D84-A966-EEADE5A02CCB}" dt="2025-03-08T22:04:14.426" v="3531"/>
+      <pc:sldChg chg="addSp modSp mod ord">
+        <pc:chgData name="Louis Weimer" userId="d11a7edd0da3a07d" providerId="LiveId" clId="{62ABD55E-F78F-4D84-A966-EEADE5A02CCB}" dt="2025-03-24T18:49:44.138" v="7219" actId="207"/>
         <pc:sldMkLst>
           <pc:docMk/>
           <pc:sldMk cId="232267357" sldId="269"/>
         </pc:sldMkLst>
+        <pc:spChg chg="mod">
+          <ac:chgData name="Louis Weimer" userId="d11a7edd0da3a07d" providerId="LiveId" clId="{62ABD55E-F78F-4D84-A966-EEADE5A02CCB}" dt="2025-03-24T18:49:44.138" v="7219" actId="207"/>
+          <ac:spMkLst>
+            <pc:docMk/>
+            <pc:sldMk cId="232267357" sldId="269"/>
+            <ac:spMk id="2" creationId="{642332C1-22DF-DFB0-D9CC-CC9F7F85A269}"/>
+          </ac:spMkLst>
+        </pc:spChg>
+        <pc:spChg chg="add mod ord">
+          <ac:chgData name="Louis Weimer" userId="d11a7edd0da3a07d" providerId="LiveId" clId="{62ABD55E-F78F-4D84-A966-EEADE5A02CCB}" dt="2025-03-24T18:49:39.740" v="7218" actId="167"/>
+          <ac:spMkLst>
+            <pc:docMk/>
+            <pc:sldMk cId="232267357" sldId="269"/>
+            <ac:spMk id="4" creationId="{0E2B3FA3-4797-61DC-E2BA-2AB3B2573454}"/>
+          </ac:spMkLst>
+        </pc:spChg>
       </pc:sldChg>
-      <pc:sldChg chg="modSp mod ord">
-        <pc:chgData name="Louis Weimer" userId="d11a7edd0da3a07d" providerId="LiveId" clId="{62ABD55E-F78F-4D84-A966-EEADE5A02CCB}" dt="2025-02-10T19:59:58.048" v="1197" actId="20577"/>
+      <pc:sldChg chg="addSp modSp mod ord">
+        <pc:chgData name="Louis Weimer" userId="d11a7edd0da3a07d" providerId="LiveId" clId="{62ABD55E-F78F-4D84-A966-EEADE5A02CCB}" dt="2025-03-24T18:48:25.877" v="7204" actId="207"/>
         <pc:sldMkLst>
           <pc:docMk/>
           <pc:sldMk cId="2525193674" sldId="270"/>
         </pc:sldMkLst>
+        <pc:spChg chg="mod">
+          <ac:chgData name="Louis Weimer" userId="d11a7edd0da3a07d" providerId="LiveId" clId="{62ABD55E-F78F-4D84-A966-EEADE5A02CCB}" dt="2025-03-24T18:48:25.877" v="7204" actId="207"/>
+          <ac:spMkLst>
+            <pc:docMk/>
+            <pc:sldMk cId="2525193674" sldId="270"/>
+            <ac:spMk id="2" creationId="{CAE7FE64-58AE-314C-6A95-82449DD561FF}"/>
+          </ac:spMkLst>
+        </pc:spChg>
         <pc:spChg chg="mod">
           <ac:chgData name="Louis Weimer" userId="d11a7edd0da3a07d" providerId="LiveId" clId="{62ABD55E-F78F-4D84-A966-EEADE5A02CCB}" dt="2025-02-10T19:59:58.048" v="1197" actId="20577"/>
           <ac:spMkLst>
@@ -338,19 +482,43 @@
             <ac:spMk id="3" creationId="{FC76285D-E3F6-0F88-C0CA-B3869ABC88B8}"/>
           </ac:spMkLst>
         </pc:spChg>
+        <pc:spChg chg="add mod ord">
+          <ac:chgData name="Louis Weimer" userId="d11a7edd0da3a07d" providerId="LiveId" clId="{62ABD55E-F78F-4D84-A966-EEADE5A02CCB}" dt="2025-03-24T18:48:20.760" v="7203" actId="167"/>
+          <ac:spMkLst>
+            <pc:docMk/>
+            <pc:sldMk cId="2525193674" sldId="270"/>
+            <ac:spMk id="4" creationId="{F5A726DA-2C99-6066-20CC-AED3E9B07026}"/>
+          </ac:spMkLst>
+        </pc:spChg>
       </pc:sldChg>
-      <pc:sldChg chg="modSp mod ord">
-        <pc:chgData name="Louis Weimer" userId="d11a7edd0da3a07d" providerId="LiveId" clId="{62ABD55E-F78F-4D84-A966-EEADE5A02CCB}" dt="2025-03-08T22:02:31.888" v="3526"/>
+      <pc:sldChg chg="addSp modSp mod ord">
+        <pc:chgData name="Louis Weimer" userId="d11a7edd0da3a07d" providerId="LiveId" clId="{62ABD55E-F78F-4D84-A966-EEADE5A02CCB}" dt="2025-03-24T18:49:32.835" v="7216" actId="207"/>
         <pc:sldMkLst>
           <pc:docMk/>
           <pc:sldMk cId="3033587548" sldId="271"/>
         </pc:sldMkLst>
+        <pc:spChg chg="mod">
+          <ac:chgData name="Louis Weimer" userId="d11a7edd0da3a07d" providerId="LiveId" clId="{62ABD55E-F78F-4D84-A966-EEADE5A02CCB}" dt="2025-03-24T18:49:32.835" v="7216" actId="207"/>
+          <ac:spMkLst>
+            <pc:docMk/>
+            <pc:sldMk cId="3033587548" sldId="271"/>
+            <ac:spMk id="2" creationId="{DD67CEA4-5EF6-A981-D6F5-72CA3D295030}"/>
+          </ac:spMkLst>
+        </pc:spChg>
         <pc:spChg chg="mod">
           <ac:chgData name="Louis Weimer" userId="d11a7edd0da3a07d" providerId="LiveId" clId="{62ABD55E-F78F-4D84-A966-EEADE5A02CCB}" dt="2025-02-09T23:48:48.123" v="438" actId="20577"/>
           <ac:spMkLst>
             <pc:docMk/>
             <pc:sldMk cId="3033587548" sldId="271"/>
             <ac:spMk id="3" creationId="{E87FB06F-D63A-9A6D-6919-CD728F3E203D}"/>
+          </ac:spMkLst>
+        </pc:spChg>
+        <pc:spChg chg="add mod ord">
+          <ac:chgData name="Louis Weimer" userId="d11a7edd0da3a07d" providerId="LiveId" clId="{62ABD55E-F78F-4D84-A966-EEADE5A02CCB}" dt="2025-03-24T18:49:28.771" v="7215" actId="167"/>
+          <ac:spMkLst>
+            <pc:docMk/>
+            <pc:sldMk cId="3033587548" sldId="271"/>
+            <ac:spMk id="4" creationId="{B2682F44-84F6-5A94-DA60-E3D4A1B7D104}"/>
           </ac:spMkLst>
         </pc:spChg>
       </pc:sldChg>
@@ -361,12 +529,28 @@
           <pc:sldMk cId="1458013403" sldId="272"/>
         </pc:sldMkLst>
       </pc:sldChg>
-      <pc:sldChg chg="ord">
-        <pc:chgData name="Louis Weimer" userId="d11a7edd0da3a07d" providerId="LiveId" clId="{62ABD55E-F78F-4D84-A966-EEADE5A02CCB}" dt="2025-03-08T22:04:26.077" v="3534"/>
+      <pc:sldChg chg="addSp modSp mod ord">
+        <pc:chgData name="Louis Weimer" userId="d11a7edd0da3a07d" providerId="LiveId" clId="{62ABD55E-F78F-4D84-A966-EEADE5A02CCB}" dt="2025-03-24T18:50:00.119" v="7222" actId="207"/>
         <pc:sldMkLst>
           <pc:docMk/>
           <pc:sldMk cId="43372535" sldId="273"/>
         </pc:sldMkLst>
+        <pc:spChg chg="mod">
+          <ac:chgData name="Louis Weimer" userId="d11a7edd0da3a07d" providerId="LiveId" clId="{62ABD55E-F78F-4D84-A966-EEADE5A02CCB}" dt="2025-03-24T18:50:00.119" v="7222" actId="207"/>
+          <ac:spMkLst>
+            <pc:docMk/>
+            <pc:sldMk cId="43372535" sldId="273"/>
+            <ac:spMk id="2" creationId="{D95886D3-3F2C-1E63-437A-683168241370}"/>
+          </ac:spMkLst>
+        </pc:spChg>
+        <pc:spChg chg="add mod ord">
+          <ac:chgData name="Louis Weimer" userId="d11a7edd0da3a07d" providerId="LiveId" clId="{62ABD55E-F78F-4D84-A966-EEADE5A02CCB}" dt="2025-03-24T18:49:54.253" v="7221" actId="167"/>
+          <ac:spMkLst>
+            <pc:docMk/>
+            <pc:sldMk cId="43372535" sldId="273"/>
+            <ac:spMk id="4" creationId="{1BFD13F7-8A53-2351-DF27-8A1171995EA9}"/>
+          </ac:spMkLst>
+        </pc:spChg>
       </pc:sldChg>
       <pc:sldChg chg="del">
         <pc:chgData name="Louis Weimer" userId="d11a7edd0da3a07d" providerId="LiveId" clId="{62ABD55E-F78F-4D84-A966-EEADE5A02CCB}" dt="2025-03-08T22:04:36.457" v="3535" actId="47"/>
@@ -375,12 +559,43 @@
           <pc:sldMk cId="868473287" sldId="274"/>
         </pc:sldMkLst>
       </pc:sldChg>
-      <pc:sldChg chg="modSp mod">
-        <pc:chgData name="Louis Weimer" userId="d11a7edd0da3a07d" providerId="LiveId" clId="{62ABD55E-F78F-4D84-A966-EEADE5A02CCB}" dt="2025-03-08T22:04:57.808" v="3537" actId="20577"/>
+      <pc:sldChg chg="addSp modSp mod">
+        <pc:chgData name="Louis Weimer" userId="d11a7edd0da3a07d" providerId="LiveId" clId="{62ABD55E-F78F-4D84-A966-EEADE5A02CCB}" dt="2025-03-24T18:53:46.628" v="7260" actId="207"/>
+        <pc:sldMkLst>
+          <pc:docMk/>
+          <pc:sldMk cId="989615544" sldId="275"/>
+        </pc:sldMkLst>
+        <pc:spChg chg="mod">
+          <ac:chgData name="Louis Weimer" userId="d11a7edd0da3a07d" providerId="LiveId" clId="{62ABD55E-F78F-4D84-A966-EEADE5A02CCB}" dt="2025-03-24T18:53:46.628" v="7260" actId="207"/>
+          <ac:spMkLst>
+            <pc:docMk/>
+            <pc:sldMk cId="989615544" sldId="275"/>
+            <ac:spMk id="2" creationId="{DCD68D08-2F24-076E-6E64-DE8964B42A03}"/>
+          </ac:spMkLst>
+        </pc:spChg>
+        <pc:spChg chg="add mod ord">
+          <ac:chgData name="Louis Weimer" userId="d11a7edd0da3a07d" providerId="LiveId" clId="{62ABD55E-F78F-4D84-A966-EEADE5A02CCB}" dt="2025-03-24T18:53:42.489" v="7259" actId="167"/>
+          <ac:spMkLst>
+            <pc:docMk/>
+            <pc:sldMk cId="989615544" sldId="275"/>
+            <ac:spMk id="4" creationId="{F69946AB-C597-3332-2D28-46D850C32BA0}"/>
+          </ac:spMkLst>
+        </pc:spChg>
+      </pc:sldChg>
+      <pc:sldChg chg="addSp modSp mod">
+        <pc:chgData name="Louis Weimer" userId="d11a7edd0da3a07d" providerId="LiveId" clId="{62ABD55E-F78F-4D84-A966-EEADE5A02CCB}" dt="2025-03-24T18:54:03.308" v="7263" actId="207"/>
         <pc:sldMkLst>
           <pc:docMk/>
           <pc:sldMk cId="788066240" sldId="276"/>
         </pc:sldMkLst>
+        <pc:spChg chg="mod">
+          <ac:chgData name="Louis Weimer" userId="d11a7edd0da3a07d" providerId="LiveId" clId="{62ABD55E-F78F-4D84-A966-EEADE5A02CCB}" dt="2025-03-24T18:54:03.308" v="7263" actId="207"/>
+          <ac:spMkLst>
+            <pc:docMk/>
+            <pc:sldMk cId="788066240" sldId="276"/>
+            <ac:spMk id="2" creationId="{55310A17-8C32-D672-9FCF-28E11FEF5A41}"/>
+          </ac:spMkLst>
+        </pc:spChg>
         <pc:spChg chg="mod">
           <ac:chgData name="Louis Weimer" userId="d11a7edd0da3a07d" providerId="LiveId" clId="{62ABD55E-F78F-4D84-A966-EEADE5A02CCB}" dt="2025-03-08T22:04:57.808" v="3537" actId="20577"/>
           <ac:spMkLst>
@@ -389,13 +604,29 @@
             <ac:spMk id="3" creationId="{EC7A65DA-88A8-1690-78FE-FC7B04F125DB}"/>
           </ac:spMkLst>
         </pc:spChg>
+        <pc:spChg chg="add mod ord">
+          <ac:chgData name="Louis Weimer" userId="d11a7edd0da3a07d" providerId="LiveId" clId="{62ABD55E-F78F-4D84-A966-EEADE5A02CCB}" dt="2025-03-24T18:53:58.759" v="7262" actId="167"/>
+          <ac:spMkLst>
+            <pc:docMk/>
+            <pc:sldMk cId="788066240" sldId="276"/>
+            <ac:spMk id="4" creationId="{317E8CBD-5F2F-B1E0-2451-8FD899FE9B3E}"/>
+          </ac:spMkLst>
+        </pc:spChg>
       </pc:sldChg>
-      <pc:sldChg chg="modSp mod">
-        <pc:chgData name="Louis Weimer" userId="d11a7edd0da3a07d" providerId="LiveId" clId="{62ABD55E-F78F-4D84-A966-EEADE5A02CCB}" dt="2025-03-20T14:42:05.462" v="7036" actId="20577"/>
+      <pc:sldChg chg="addSp modSp mod">
+        <pc:chgData name="Louis Weimer" userId="d11a7edd0da3a07d" providerId="LiveId" clId="{62ABD55E-F78F-4D84-A966-EEADE5A02CCB}" dt="2025-03-24T18:55:09.982" v="7274" actId="207"/>
         <pc:sldMkLst>
           <pc:docMk/>
           <pc:sldMk cId="3118710438" sldId="277"/>
         </pc:sldMkLst>
+        <pc:spChg chg="mod">
+          <ac:chgData name="Louis Weimer" userId="d11a7edd0da3a07d" providerId="LiveId" clId="{62ABD55E-F78F-4D84-A966-EEADE5A02CCB}" dt="2025-03-24T18:55:09.982" v="7274" actId="207"/>
+          <ac:spMkLst>
+            <pc:docMk/>
+            <pc:sldMk cId="3118710438" sldId="277"/>
+            <ac:spMk id="2" creationId="{518CDB98-9028-EBA8-2671-9823F51C37AF}"/>
+          </ac:spMkLst>
+        </pc:spChg>
         <pc:spChg chg="mod">
           <ac:chgData name="Louis Weimer" userId="d11a7edd0da3a07d" providerId="LiveId" clId="{62ABD55E-F78F-4D84-A966-EEADE5A02CCB}" dt="2025-03-20T14:42:05.462" v="7036" actId="20577"/>
           <ac:spMkLst>
@@ -404,13 +635,52 @@
             <ac:spMk id="3" creationId="{868BF524-D427-480A-42FA-908F3302BB1B}"/>
           </ac:spMkLst>
         </pc:spChg>
+        <pc:spChg chg="add mod ord">
+          <ac:chgData name="Louis Weimer" userId="d11a7edd0da3a07d" providerId="LiveId" clId="{62ABD55E-F78F-4D84-A966-EEADE5A02CCB}" dt="2025-03-24T18:55:06.248" v="7273" actId="167"/>
+          <ac:spMkLst>
+            <pc:docMk/>
+            <pc:sldMk cId="3118710438" sldId="277"/>
+            <ac:spMk id="4" creationId="{BEC6B48D-7981-7C99-06B0-B116C1B3ABE3}"/>
+          </ac:spMkLst>
+        </pc:spChg>
       </pc:sldChg>
-      <pc:sldChg chg="modSp add mod">
-        <pc:chgData name="Louis Weimer" userId="d11a7edd0da3a07d" providerId="LiveId" clId="{62ABD55E-F78F-4D84-A966-EEADE5A02CCB}" dt="2025-03-12T00:43:57.083" v="5843" actId="20577"/>
+      <pc:sldChg chg="addSp modSp mod">
+        <pc:chgData name="Louis Weimer" userId="d11a7edd0da3a07d" providerId="LiveId" clId="{62ABD55E-F78F-4D84-A966-EEADE5A02CCB}" dt="2025-03-24T18:55:27.892" v="7277" actId="207"/>
+        <pc:sldMkLst>
+          <pc:docMk/>
+          <pc:sldMk cId="392842290" sldId="278"/>
+        </pc:sldMkLst>
+        <pc:spChg chg="mod">
+          <ac:chgData name="Louis Weimer" userId="d11a7edd0da3a07d" providerId="LiveId" clId="{62ABD55E-F78F-4D84-A966-EEADE5A02CCB}" dt="2025-03-24T18:55:27.892" v="7277" actId="207"/>
+          <ac:spMkLst>
+            <pc:docMk/>
+            <pc:sldMk cId="392842290" sldId="278"/>
+            <ac:spMk id="2" creationId="{F769AE93-CCD2-6A42-D3F8-C386FCC1574F}"/>
+          </ac:spMkLst>
+        </pc:spChg>
+        <pc:spChg chg="add mod ord">
+          <ac:chgData name="Louis Weimer" userId="d11a7edd0da3a07d" providerId="LiveId" clId="{62ABD55E-F78F-4D84-A966-EEADE5A02CCB}" dt="2025-03-24T18:55:20.510" v="7276" actId="167"/>
+          <ac:spMkLst>
+            <pc:docMk/>
+            <pc:sldMk cId="392842290" sldId="278"/>
+            <ac:spMk id="4" creationId="{60B719D6-60CE-44C7-3101-91C624A33EED}"/>
+          </ac:spMkLst>
+        </pc:spChg>
+      </pc:sldChg>
+      <pc:sldChg chg="addSp modSp add mod">
+        <pc:chgData name="Louis Weimer" userId="d11a7edd0da3a07d" providerId="LiveId" clId="{62ABD55E-F78F-4D84-A966-EEADE5A02CCB}" dt="2025-03-24T18:49:19.255" v="7213" actId="207"/>
         <pc:sldMkLst>
           <pc:docMk/>
           <pc:sldMk cId="1566190816" sldId="279"/>
         </pc:sldMkLst>
+        <pc:spChg chg="mod">
+          <ac:chgData name="Louis Weimer" userId="d11a7edd0da3a07d" providerId="LiveId" clId="{62ABD55E-F78F-4D84-A966-EEADE5A02CCB}" dt="2025-03-24T18:49:19.255" v="7213" actId="207"/>
+          <ac:spMkLst>
+            <pc:docMk/>
+            <pc:sldMk cId="1566190816" sldId="279"/>
+            <ac:spMk id="2" creationId="{418AD973-FEF5-C4C8-5139-7D071D6ECD7E}"/>
+          </ac:spMkLst>
+        </pc:spChg>
         <pc:spChg chg="mod">
           <ac:chgData name="Louis Weimer" userId="d11a7edd0da3a07d" providerId="LiveId" clId="{62ABD55E-F78F-4D84-A966-EEADE5A02CCB}" dt="2025-03-12T00:43:57.083" v="5843" actId="20577"/>
           <ac:spMkLst>
@@ -419,15 +689,23 @@
             <ac:spMk id="3" creationId="{08025E3E-B783-6F77-434F-1BCE59DE03DA}"/>
           </ac:spMkLst>
         </pc:spChg>
+        <pc:spChg chg="add mod ord">
+          <ac:chgData name="Louis Weimer" userId="d11a7edd0da3a07d" providerId="LiveId" clId="{62ABD55E-F78F-4D84-A966-EEADE5A02CCB}" dt="2025-03-24T18:49:14.259" v="7212" actId="167"/>
+          <ac:spMkLst>
+            <pc:docMk/>
+            <pc:sldMk cId="1566190816" sldId="279"/>
+            <ac:spMk id="4" creationId="{6B217F20-06DE-29B6-922A-43A2D194E7AE}"/>
+          </ac:spMkLst>
+        </pc:spChg>
       </pc:sldChg>
-      <pc:sldChg chg="addSp delSp modSp add mod">
-        <pc:chgData name="Louis Weimer" userId="d11a7edd0da3a07d" providerId="LiveId" clId="{62ABD55E-F78F-4D84-A966-EEADE5A02CCB}" dt="2025-03-09T00:59:13.873" v="4313" actId="1076"/>
+      <pc:sldChg chg="addSp delSp modSp add del mod">
+        <pc:chgData name="Louis Weimer" userId="d11a7edd0da3a07d" providerId="LiveId" clId="{62ABD55E-F78F-4D84-A966-EEADE5A02CCB}" dt="2025-03-24T21:51:43.338" v="7707" actId="47"/>
         <pc:sldMkLst>
           <pc:docMk/>
           <pc:sldMk cId="806753495" sldId="280"/>
         </pc:sldMkLst>
         <pc:spChg chg="mod">
-          <ac:chgData name="Louis Weimer" userId="d11a7edd0da3a07d" providerId="LiveId" clId="{62ABD55E-F78F-4D84-A966-EEADE5A02CCB}" dt="2025-03-08T22:06:57.073" v="3624" actId="1076"/>
+          <ac:chgData name="Louis Weimer" userId="d11a7edd0da3a07d" providerId="LiveId" clId="{62ABD55E-F78F-4D84-A966-EEADE5A02CCB}" dt="2025-03-24T21:38:05.016" v="7438" actId="1035"/>
           <ac:spMkLst>
             <pc:docMk/>
             <pc:sldMk cId="806753495" sldId="280"/>
@@ -435,7 +713,7 @@
           </ac:spMkLst>
         </pc:spChg>
         <pc:spChg chg="add mod">
-          <ac:chgData name="Louis Weimer" userId="d11a7edd0da3a07d" providerId="LiveId" clId="{62ABD55E-F78F-4D84-A966-EEADE5A02CCB}" dt="2025-03-09T00:15:55.061" v="4042" actId="20577"/>
+          <ac:chgData name="Louis Weimer" userId="d11a7edd0da3a07d" providerId="LiveId" clId="{62ABD55E-F78F-4D84-A966-EEADE5A02CCB}" dt="2025-03-24T18:50:26.865" v="7226" actId="1076"/>
           <ac:spMkLst>
             <pc:docMk/>
             <pc:sldMk cId="806753495" sldId="280"/>
@@ -466,15 +744,23 @@
             <ac:spMk id="6" creationId="{E501F9D8-2DA2-7973-87C5-EF28003EEBF2}"/>
           </ac:spMkLst>
         </pc:spChg>
+        <pc:spChg chg="add mod ord">
+          <ac:chgData name="Louis Weimer" userId="d11a7edd0da3a07d" providerId="LiveId" clId="{62ABD55E-F78F-4D84-A966-EEADE5A02CCB}" dt="2025-03-24T18:50:41.631" v="7229" actId="167"/>
+          <ac:spMkLst>
+            <pc:docMk/>
+            <pc:sldMk cId="806753495" sldId="280"/>
+            <ac:spMk id="7" creationId="{CA180DF8-F404-D7B0-0429-0A146324FBAC}"/>
+          </ac:spMkLst>
+        </pc:spChg>
       </pc:sldChg>
-      <pc:sldChg chg="modSp new mod">
-        <pc:chgData name="Louis Weimer" userId="d11a7edd0da3a07d" providerId="LiveId" clId="{62ABD55E-F78F-4D84-A966-EEADE5A02CCB}" dt="2025-02-10T19:24:50.315" v="1189"/>
+      <pc:sldChg chg="addSp modSp new mod">
+        <pc:chgData name="Louis Weimer" userId="d11a7edd0da3a07d" providerId="LiveId" clId="{62ABD55E-F78F-4D84-A966-EEADE5A02CCB}" dt="2025-03-24T18:55:41.381" v="7280" actId="207"/>
         <pc:sldMkLst>
           <pc:docMk/>
           <pc:sldMk cId="2573210573" sldId="281"/>
         </pc:sldMkLst>
         <pc:spChg chg="mod">
-          <ac:chgData name="Louis Weimer" userId="d11a7edd0da3a07d" providerId="LiveId" clId="{62ABD55E-F78F-4D84-A966-EEADE5A02CCB}" dt="2025-02-10T19:19:33.748" v="1124" actId="20577"/>
+          <ac:chgData name="Louis Weimer" userId="d11a7edd0da3a07d" providerId="LiveId" clId="{62ABD55E-F78F-4D84-A966-EEADE5A02CCB}" dt="2025-03-24T18:55:41.381" v="7280" actId="207"/>
           <ac:spMkLst>
             <pc:docMk/>
             <pc:sldMk cId="2573210573" sldId="281"/>
@@ -489,19 +775,43 @@
             <ac:spMk id="3" creationId="{A86FD3F9-543B-9651-8092-B009DD656454}"/>
           </ac:spMkLst>
         </pc:spChg>
+        <pc:spChg chg="add mod ord">
+          <ac:chgData name="Louis Weimer" userId="d11a7edd0da3a07d" providerId="LiveId" clId="{62ABD55E-F78F-4D84-A966-EEADE5A02CCB}" dt="2025-03-24T18:55:36.731" v="7279" actId="167"/>
+          <ac:spMkLst>
+            <pc:docMk/>
+            <pc:sldMk cId="2573210573" sldId="281"/>
+            <ac:spMk id="4" creationId="{69508551-80CB-578D-198A-BF3AB3F0EEE5}"/>
+          </ac:spMkLst>
+        </pc:spChg>
       </pc:sldChg>
       <pc:sldChg chg="addSp modSp add mod">
-        <pc:chgData name="Louis Weimer" userId="d11a7edd0da3a07d" providerId="LiveId" clId="{62ABD55E-F78F-4D84-A966-EEADE5A02CCB}" dt="2025-03-12T00:47:37.425" v="5989" actId="14100"/>
+        <pc:chgData name="Louis Weimer" userId="d11a7edd0da3a07d" providerId="LiveId" clId="{62ABD55E-F78F-4D84-A966-EEADE5A02CCB}" dt="2025-03-24T18:48:46.042" v="7207" actId="207"/>
         <pc:sldMkLst>
           <pc:docMk/>
           <pc:sldMk cId="3105961298" sldId="282"/>
         </pc:sldMkLst>
+        <pc:spChg chg="mod">
+          <ac:chgData name="Louis Weimer" userId="d11a7edd0da3a07d" providerId="LiveId" clId="{62ABD55E-F78F-4D84-A966-EEADE5A02CCB}" dt="2025-03-24T18:48:46.042" v="7207" actId="207"/>
+          <ac:spMkLst>
+            <pc:docMk/>
+            <pc:sldMk cId="3105961298" sldId="282"/>
+            <ac:spMk id="2" creationId="{074415F5-301E-458E-BE06-4AC003A61D75}"/>
+          </ac:spMkLst>
+        </pc:spChg>
         <pc:spChg chg="mod">
           <ac:chgData name="Louis Weimer" userId="d11a7edd0da3a07d" providerId="LiveId" clId="{62ABD55E-F78F-4D84-A966-EEADE5A02CCB}" dt="2025-03-12T00:47:29.668" v="5988" actId="12"/>
           <ac:spMkLst>
             <pc:docMk/>
             <pc:sldMk cId="3105961298" sldId="282"/>
             <ac:spMk id="3" creationId="{AA38E8CA-49FC-5045-297E-E81E1DDE4CD2}"/>
+          </ac:spMkLst>
+        </pc:spChg>
+        <pc:spChg chg="add mod ord">
+          <ac:chgData name="Louis Weimer" userId="d11a7edd0da3a07d" providerId="LiveId" clId="{62ABD55E-F78F-4D84-A966-EEADE5A02CCB}" dt="2025-03-24T18:48:40.843" v="7206" actId="167"/>
+          <ac:spMkLst>
+            <pc:docMk/>
+            <pc:sldMk cId="3105961298" sldId="282"/>
+            <ac:spMk id="4" creationId="{A14010E0-6B9A-7A93-7949-8954AA6D0B30}"/>
           </ac:spMkLst>
         </pc:spChg>
         <pc:spChg chg="add mod">
@@ -522,17 +832,33 @@
         </pc:picChg>
       </pc:sldChg>
       <pc:sldChg chg="addSp delSp modSp add mod">
-        <pc:chgData name="Louis Weimer" userId="d11a7edd0da3a07d" providerId="LiveId" clId="{62ABD55E-F78F-4D84-A966-EEADE5A02CCB}" dt="2025-03-12T00:53:21.553" v="6093" actId="12"/>
+        <pc:chgData name="Louis Weimer" userId="d11a7edd0da3a07d" providerId="LiveId" clId="{62ABD55E-F78F-4D84-A966-EEADE5A02CCB}" dt="2025-03-24T18:49:00.671" v="7210" actId="207"/>
         <pc:sldMkLst>
           <pc:docMk/>
           <pc:sldMk cId="1654114865" sldId="283"/>
         </pc:sldMkLst>
+        <pc:spChg chg="mod">
+          <ac:chgData name="Louis Weimer" userId="d11a7edd0da3a07d" providerId="LiveId" clId="{62ABD55E-F78F-4D84-A966-EEADE5A02CCB}" dt="2025-03-24T18:49:00.671" v="7210" actId="207"/>
+          <ac:spMkLst>
+            <pc:docMk/>
+            <pc:sldMk cId="1654114865" sldId="283"/>
+            <ac:spMk id="2" creationId="{CE97FA2D-A7DB-4C8C-4113-5BDC7F83455D}"/>
+          </ac:spMkLst>
+        </pc:spChg>
         <pc:spChg chg="mod">
           <ac:chgData name="Louis Weimer" userId="d11a7edd0da3a07d" providerId="LiveId" clId="{62ABD55E-F78F-4D84-A966-EEADE5A02CCB}" dt="2025-03-12T00:53:21.553" v="6093" actId="12"/>
           <ac:spMkLst>
             <pc:docMk/>
             <pc:sldMk cId="1654114865" sldId="283"/>
             <ac:spMk id="3" creationId="{A216C2DA-4DC4-1CC4-C49F-9397091E4B8C}"/>
+          </ac:spMkLst>
+        </pc:spChg>
+        <pc:spChg chg="add mod ord">
+          <ac:chgData name="Louis Weimer" userId="d11a7edd0da3a07d" providerId="LiveId" clId="{62ABD55E-F78F-4D84-A966-EEADE5A02CCB}" dt="2025-03-24T18:48:56.511" v="7209" actId="167"/>
+          <ac:spMkLst>
+            <pc:docMk/>
+            <pc:sldMk cId="1654114865" sldId="283"/>
+            <ac:spMk id="4" creationId="{F7CEA782-3918-5DBC-E751-1600286DBE94}"/>
           </ac:spMkLst>
         </pc:spChg>
         <pc:spChg chg="add mod">
@@ -574,11 +900,19 @@
         </pc:sldMkLst>
       </pc:sldChg>
       <pc:sldChg chg="addSp modSp add mod">
-        <pc:chgData name="Louis Weimer" userId="d11a7edd0da3a07d" providerId="LiveId" clId="{62ABD55E-F78F-4D84-A966-EEADE5A02CCB}" dt="2025-03-09T01:13:59.646" v="4493" actId="20577"/>
+        <pc:chgData name="Louis Weimer" userId="d11a7edd0da3a07d" providerId="LiveId" clId="{62ABD55E-F78F-4D84-A966-EEADE5A02CCB}" dt="2025-03-24T18:54:57.815" v="7271" actId="1076"/>
         <pc:sldMkLst>
           <pc:docMk/>
           <pc:sldMk cId="2699537895" sldId="285"/>
         </pc:sldMkLst>
+        <pc:spChg chg="mod">
+          <ac:chgData name="Louis Weimer" userId="d11a7edd0da3a07d" providerId="LiveId" clId="{62ABD55E-F78F-4D84-A966-EEADE5A02CCB}" dt="2025-03-24T18:54:19.457" v="7266" actId="207"/>
+          <ac:spMkLst>
+            <pc:docMk/>
+            <pc:sldMk cId="2699537895" sldId="285"/>
+            <ac:spMk id="2" creationId="{80FEBDB4-33EA-1C37-36E2-716D410E3E6D}"/>
+          </ac:spMkLst>
+        </pc:spChg>
         <pc:spChg chg="mod">
           <ac:chgData name="Louis Weimer" userId="d11a7edd0da3a07d" providerId="LiveId" clId="{62ABD55E-F78F-4D84-A966-EEADE5A02CCB}" dt="2025-03-09T01:13:59.646" v="4493" actId="20577"/>
           <ac:spMkLst>
@@ -587,8 +921,16 @@
             <ac:spMk id="3" creationId="{39E00FBD-829F-D961-8F7B-C2713AD34281}"/>
           </ac:spMkLst>
         </pc:spChg>
+        <pc:spChg chg="add mod ord">
+          <ac:chgData name="Louis Weimer" userId="d11a7edd0da3a07d" providerId="LiveId" clId="{62ABD55E-F78F-4D84-A966-EEADE5A02CCB}" dt="2025-03-24T18:54:15.332" v="7265" actId="167"/>
+          <ac:spMkLst>
+            <pc:docMk/>
+            <pc:sldMk cId="2699537895" sldId="285"/>
+            <ac:spMk id="4" creationId="{FC312E43-7FE1-F08D-836A-FE3530089FDA}"/>
+          </ac:spMkLst>
+        </pc:spChg>
         <pc:spChg chg="add mod">
-          <ac:chgData name="Louis Weimer" userId="d11a7edd0da3a07d" providerId="LiveId" clId="{62ABD55E-F78F-4D84-A966-EEADE5A02CCB}" dt="2025-02-10T21:07:41.443" v="1605" actId="20577"/>
+          <ac:chgData name="Louis Weimer" userId="d11a7edd0da3a07d" providerId="LiveId" clId="{62ABD55E-F78F-4D84-A966-EEADE5A02CCB}" dt="2025-03-24T18:54:57.815" v="7271" actId="1076"/>
           <ac:spMkLst>
             <pc:docMk/>
             <pc:sldMk cId="2699537895" sldId="285"/>
@@ -596,7 +938,7 @@
           </ac:spMkLst>
         </pc:spChg>
         <pc:picChg chg="add mod">
-          <ac:chgData name="Louis Weimer" userId="d11a7edd0da3a07d" providerId="LiveId" clId="{62ABD55E-F78F-4D84-A966-EEADE5A02CCB}" dt="2025-02-10T21:07:11.660" v="1551" actId="1076"/>
+          <ac:chgData name="Louis Weimer" userId="d11a7edd0da3a07d" providerId="LiveId" clId="{62ABD55E-F78F-4D84-A966-EEADE5A02CCB}" dt="2025-03-24T18:54:47.976" v="7270" actId="1076"/>
           <ac:picMkLst>
             <pc:docMk/>
             <pc:sldMk cId="2699537895" sldId="285"/>
@@ -618,14 +960,14 @@
           <pc:sldMk cId="797300720" sldId="286"/>
         </pc:sldMkLst>
       </pc:sldChg>
-      <pc:sldChg chg="modSp add mod">
-        <pc:chgData name="Louis Weimer" userId="d11a7edd0da3a07d" providerId="LiveId" clId="{62ABD55E-F78F-4D84-A966-EEADE5A02CCB}" dt="2025-02-23T02:28:54.294" v="2210" actId="20577"/>
+      <pc:sldChg chg="addSp modSp add mod">
+        <pc:chgData name="Louis Weimer" userId="d11a7edd0da3a07d" providerId="LiveId" clId="{62ABD55E-F78F-4D84-A966-EEADE5A02CCB}" dt="2025-03-24T18:39:54.340" v="7154" actId="207"/>
         <pc:sldMkLst>
           <pc:docMk/>
           <pc:sldMk cId="3077342255" sldId="287"/>
         </pc:sldMkLst>
         <pc:spChg chg="mod">
-          <ac:chgData name="Louis Weimer" userId="d11a7edd0da3a07d" providerId="LiveId" clId="{62ABD55E-F78F-4D84-A966-EEADE5A02CCB}" dt="2025-02-23T02:24:27.387" v="2049" actId="20577"/>
+          <ac:chgData name="Louis Weimer" userId="d11a7edd0da3a07d" providerId="LiveId" clId="{62ABD55E-F78F-4D84-A966-EEADE5A02CCB}" dt="2025-03-24T18:39:54.340" v="7154" actId="207"/>
           <ac:spMkLst>
             <pc:docMk/>
             <pc:sldMk cId="3077342255" sldId="287"/>
@@ -640,15 +982,23 @@
             <ac:spMk id="3" creationId="{D580FC86-88C4-512D-89D4-BEE18E6C2032}"/>
           </ac:spMkLst>
         </pc:spChg>
+        <pc:spChg chg="add mod ord">
+          <ac:chgData name="Louis Weimer" userId="d11a7edd0da3a07d" providerId="LiveId" clId="{62ABD55E-F78F-4D84-A966-EEADE5A02CCB}" dt="2025-03-24T18:39:44.893" v="7153" actId="171"/>
+          <ac:spMkLst>
+            <pc:docMk/>
+            <pc:sldMk cId="3077342255" sldId="287"/>
+            <ac:spMk id="4" creationId="{74C03209-3EDF-A1E4-4089-1D691720F7CF}"/>
+          </ac:spMkLst>
+        </pc:spChg>
       </pc:sldChg>
-      <pc:sldChg chg="modSp add mod">
-        <pc:chgData name="Louis Weimer" userId="d11a7edd0da3a07d" providerId="LiveId" clId="{62ABD55E-F78F-4D84-A966-EEADE5A02CCB}" dt="2025-03-12T00:21:17.095" v="5537" actId="1076"/>
+      <pc:sldChg chg="addSp modSp add mod">
+        <pc:chgData name="Louis Weimer" userId="d11a7edd0da3a07d" providerId="LiveId" clId="{62ABD55E-F78F-4D84-A966-EEADE5A02CCB}" dt="2025-03-24T18:44:19.358" v="7172" actId="1076"/>
         <pc:sldMkLst>
           <pc:docMk/>
           <pc:sldMk cId="2125206455" sldId="288"/>
         </pc:sldMkLst>
         <pc:spChg chg="mod">
-          <ac:chgData name="Louis Weimer" userId="d11a7edd0da3a07d" providerId="LiveId" clId="{62ABD55E-F78F-4D84-A966-EEADE5A02CCB}" dt="2025-02-23T02:30:33.480" v="2235" actId="20577"/>
+          <ac:chgData name="Louis Weimer" userId="d11a7edd0da3a07d" providerId="LiveId" clId="{62ABD55E-F78F-4D84-A966-EEADE5A02CCB}" dt="2025-03-24T18:43:56.772" v="7171" actId="207"/>
           <ac:spMkLst>
             <pc:docMk/>
             <pc:sldMk cId="2125206455" sldId="288"/>
@@ -656,22 +1006,30 @@
           </ac:spMkLst>
         </pc:spChg>
         <pc:spChg chg="mod">
-          <ac:chgData name="Louis Weimer" userId="d11a7edd0da3a07d" providerId="LiveId" clId="{62ABD55E-F78F-4D84-A966-EEADE5A02CCB}" dt="2025-03-12T00:21:17.095" v="5537" actId="1076"/>
+          <ac:chgData name="Louis Weimer" userId="d11a7edd0da3a07d" providerId="LiveId" clId="{62ABD55E-F78F-4D84-A966-EEADE5A02CCB}" dt="2025-03-24T18:44:19.358" v="7172" actId="1076"/>
           <ac:spMkLst>
             <pc:docMk/>
             <pc:sldMk cId="2125206455" sldId="288"/>
             <ac:spMk id="3" creationId="{00FBC51F-DA5A-1DEB-EF45-2652C3C23834}"/>
           </ac:spMkLst>
         </pc:spChg>
+        <pc:spChg chg="add mod ord">
+          <ac:chgData name="Louis Weimer" userId="d11a7edd0da3a07d" providerId="LiveId" clId="{62ABD55E-F78F-4D84-A966-EEADE5A02CCB}" dt="2025-03-24T18:43:28.233" v="7169" actId="171"/>
+          <ac:spMkLst>
+            <pc:docMk/>
+            <pc:sldMk cId="2125206455" sldId="288"/>
+            <ac:spMk id="4" creationId="{B6B6C0F5-B35D-F355-F9DA-DD256C078100}"/>
+          </ac:spMkLst>
+        </pc:spChg>
       </pc:sldChg>
       <pc:sldChg chg="addSp delSp modSp add mod">
-        <pc:chgData name="Louis Weimer" userId="d11a7edd0da3a07d" providerId="LiveId" clId="{62ABD55E-F78F-4D84-A966-EEADE5A02CCB}" dt="2025-03-14T21:35:28.489" v="6197" actId="478"/>
+        <pc:chgData name="Louis Weimer" userId="d11a7edd0da3a07d" providerId="LiveId" clId="{62ABD55E-F78F-4D84-A966-EEADE5A02CCB}" dt="2025-03-24T18:48:10.437" v="7201" actId="207"/>
         <pc:sldMkLst>
           <pc:docMk/>
           <pc:sldMk cId="234194325" sldId="289"/>
         </pc:sldMkLst>
         <pc:spChg chg="mod">
-          <ac:chgData name="Louis Weimer" userId="d11a7edd0da3a07d" providerId="LiveId" clId="{62ABD55E-F78F-4D84-A966-EEADE5A02CCB}" dt="2025-03-06T21:42:10.919" v="3286" actId="27636"/>
+          <ac:chgData name="Louis Weimer" userId="d11a7edd0da3a07d" providerId="LiveId" clId="{62ABD55E-F78F-4D84-A966-EEADE5A02CCB}" dt="2025-03-24T18:48:10.437" v="7201" actId="207"/>
           <ac:spMkLst>
             <pc:docMk/>
             <pc:sldMk cId="234194325" sldId="289"/>
@@ -692,6 +1050,14 @@
             <pc:docMk/>
             <pc:sldMk cId="234194325" sldId="289"/>
             <ac:spMk id="4" creationId="{CA42CB0C-B212-E648-70E9-1124D66F8005}"/>
+          </ac:spMkLst>
+        </pc:spChg>
+        <pc:spChg chg="add mod ord">
+          <ac:chgData name="Louis Weimer" userId="d11a7edd0da3a07d" providerId="LiveId" clId="{62ABD55E-F78F-4D84-A966-EEADE5A02CCB}" dt="2025-03-24T18:47:58.774" v="7200" actId="167"/>
+          <ac:spMkLst>
+            <pc:docMk/>
+            <pc:sldMk cId="234194325" sldId="289"/>
+            <ac:spMk id="6" creationId="{A28D9C68-8FF3-6F1A-B685-04D248BDE5AB}"/>
           </ac:spMkLst>
         </pc:spChg>
         <pc:spChg chg="add mod">
@@ -727,21 +1093,37 @@
         </pc:sldMkLst>
       </pc:sldChg>
       <pc:sldChg chg="addSp delSp modSp add mod">
-        <pc:chgData name="Louis Weimer" userId="d11a7edd0da3a07d" providerId="LiveId" clId="{62ABD55E-F78F-4D84-A966-EEADE5A02CCB}" dt="2025-03-14T21:59:54.553" v="6393" actId="113"/>
+        <pc:chgData name="Louis Weimer" userId="d11a7edd0da3a07d" providerId="LiveId" clId="{62ABD55E-F78F-4D84-A966-EEADE5A02CCB}" dt="2025-03-24T21:48:47.452" v="7698" actId="20577"/>
         <pc:sldMkLst>
           <pc:docMk/>
           <pc:sldMk cId="119605145" sldId="291"/>
         </pc:sldMkLst>
         <pc:spChg chg="mod">
-          <ac:chgData name="Louis Weimer" userId="d11a7edd0da3a07d" providerId="LiveId" clId="{62ABD55E-F78F-4D84-A966-EEADE5A02CCB}" dt="2025-03-14T21:47:33.244" v="6212" actId="1076"/>
+          <ac:chgData name="Louis Weimer" userId="d11a7edd0da3a07d" providerId="LiveId" clId="{62ABD55E-F78F-4D84-A966-EEADE5A02CCB}" dt="2025-03-24T18:45:18.745" v="7186" actId="1076"/>
           <ac:spMkLst>
             <pc:docMk/>
             <pc:sldMk cId="119605145" sldId="291"/>
             <ac:spMk id="2" creationId="{0A23A8B2-C832-9693-B9B5-0ECF30890088}"/>
           </ac:spMkLst>
         </pc:spChg>
+        <pc:spChg chg="add mod ord">
+          <ac:chgData name="Louis Weimer" userId="d11a7edd0da3a07d" providerId="LiveId" clId="{62ABD55E-F78F-4D84-A966-EEADE5A02CCB}" dt="2025-03-24T18:45:04.420" v="7184" actId="167"/>
+          <ac:spMkLst>
+            <pc:docMk/>
+            <pc:sldMk cId="119605145" sldId="291"/>
+            <ac:spMk id="3" creationId="{74311A9C-F927-04EC-6B24-35AA2221DA4B}"/>
+          </ac:spMkLst>
+        </pc:spChg>
         <pc:spChg chg="add mod">
-          <ac:chgData name="Louis Weimer" userId="d11a7edd0da3a07d" providerId="LiveId" clId="{62ABD55E-F78F-4D84-A966-EEADE5A02CCB}" dt="2025-03-14T21:59:49.507" v="6392" actId="113"/>
+          <ac:chgData name="Louis Weimer" userId="d11a7edd0da3a07d" providerId="LiveId" clId="{62ABD55E-F78F-4D84-A966-EEADE5A02CCB}" dt="2025-03-24T21:48:47.452" v="7698" actId="20577"/>
+          <ac:spMkLst>
+            <pc:docMk/>
+            <pc:sldMk cId="119605145" sldId="291"/>
+            <ac:spMk id="4" creationId="{2CCE30DA-6AA2-FD93-2BDA-C5771A011340}"/>
+          </ac:spMkLst>
+        </pc:spChg>
+        <pc:spChg chg="add mod">
+          <ac:chgData name="Louis Weimer" userId="d11a7edd0da3a07d" providerId="LiveId" clId="{62ABD55E-F78F-4D84-A966-EEADE5A02CCB}" dt="2025-03-24T18:56:51.132" v="7284" actId="1076"/>
           <ac:spMkLst>
             <pc:docMk/>
             <pc:sldMk cId="119605145" sldId="291"/>
@@ -749,7 +1131,7 @@
           </ac:spMkLst>
         </pc:spChg>
         <pc:spChg chg="add mod">
-          <ac:chgData name="Louis Weimer" userId="d11a7edd0da3a07d" providerId="LiveId" clId="{62ABD55E-F78F-4D84-A966-EEADE5A02CCB}" dt="2025-03-14T21:59:54.553" v="6393" actId="113"/>
+          <ac:chgData name="Louis Weimer" userId="d11a7edd0da3a07d" providerId="LiveId" clId="{62ABD55E-F78F-4D84-A966-EEADE5A02CCB}" dt="2025-03-24T18:56:30.647" v="7282" actId="1076"/>
           <ac:spMkLst>
             <pc:docMk/>
             <pc:sldMk cId="119605145" sldId="291"/>
@@ -757,7 +1139,7 @@
           </ac:spMkLst>
         </pc:spChg>
         <pc:graphicFrameChg chg="add mod modGraphic">
-          <ac:chgData name="Louis Weimer" userId="d11a7edd0da3a07d" providerId="LiveId" clId="{62ABD55E-F78F-4D84-A966-EEADE5A02CCB}" dt="2025-03-14T21:47:28.978" v="6211" actId="1076"/>
+          <ac:chgData name="Louis Weimer" userId="d11a7edd0da3a07d" providerId="LiveId" clId="{62ABD55E-F78F-4D84-A966-EEADE5A02CCB}" dt="2025-03-24T18:56:23.132" v="7281" actId="1076"/>
           <ac:graphicFrameMkLst>
             <pc:docMk/>
             <pc:sldMk cId="119605145" sldId="291"/>
@@ -765,7 +1147,7 @@
           </ac:graphicFrameMkLst>
         </pc:graphicFrameChg>
         <pc:graphicFrameChg chg="add mod modGraphic">
-          <ac:chgData name="Louis Weimer" userId="d11a7edd0da3a07d" providerId="LiveId" clId="{62ABD55E-F78F-4D84-A966-EEADE5A02CCB}" dt="2025-03-14T21:49:51.781" v="6300" actId="14100"/>
+          <ac:chgData name="Louis Weimer" userId="d11a7edd0da3a07d" providerId="LiveId" clId="{62ABD55E-F78F-4D84-A966-EEADE5A02CCB}" dt="2025-03-24T18:56:41.160" v="7283" actId="1076"/>
           <ac:graphicFrameMkLst>
             <pc:docMk/>
             <pc:sldMk cId="119605145" sldId="291"/>
@@ -774,53 +1156,37 @@
         </pc:graphicFrameChg>
       </pc:sldChg>
       <pc:sldChg chg="addSp delSp modSp add mod">
-        <pc:chgData name="Louis Weimer" userId="d11a7edd0da3a07d" providerId="LiveId" clId="{62ABD55E-F78F-4D84-A966-EEADE5A02CCB}" dt="2025-03-21T14:22:22.071" v="7148" actId="1035"/>
+        <pc:chgData name="Louis Weimer" userId="d11a7edd0da3a07d" providerId="LiveId" clId="{62ABD55E-F78F-4D84-A966-EEADE5A02CCB}" dt="2025-03-24T18:57:44.036" v="7291" actId="1076"/>
         <pc:sldMkLst>
           <pc:docMk/>
           <pc:sldMk cId="2195281710" sldId="292"/>
         </pc:sldMkLst>
         <pc:spChg chg="mod">
-          <ac:chgData name="Louis Weimer" userId="d11a7edd0da3a07d" providerId="LiveId" clId="{62ABD55E-F78F-4D84-A966-EEADE5A02CCB}" dt="2025-03-06T21:24:23.506" v="3087" actId="20577"/>
+          <ac:chgData name="Louis Weimer" userId="d11a7edd0da3a07d" providerId="LiveId" clId="{62ABD55E-F78F-4D84-A966-EEADE5A02CCB}" dt="2025-03-24T18:45:42.981" v="7193" actId="207"/>
           <ac:spMkLst>
             <pc:docMk/>
             <pc:sldMk cId="2195281710" sldId="292"/>
             <ac:spMk id="2" creationId="{B7D9150E-4C37-FEEF-03B6-F428BEA85E40}"/>
           </ac:spMkLst>
         </pc:spChg>
+        <pc:spChg chg="add mod ord">
+          <ac:chgData name="Louis Weimer" userId="d11a7edd0da3a07d" providerId="LiveId" clId="{62ABD55E-F78F-4D84-A966-EEADE5A02CCB}" dt="2025-03-24T18:45:37.882" v="7192" actId="167"/>
+          <ac:spMkLst>
+            <pc:docMk/>
+            <pc:sldMk cId="2195281710" sldId="292"/>
+            <ac:spMk id="3" creationId="{937F0014-BC64-FCF4-9BC3-728A9F348F4E}"/>
+          </ac:spMkLst>
+        </pc:spChg>
         <pc:spChg chg="add mod">
-          <ac:chgData name="Louis Weimer" userId="d11a7edd0da3a07d" providerId="LiveId" clId="{62ABD55E-F78F-4D84-A966-EEADE5A02CCB}" dt="2025-03-19T04:05:05.202" v="6569" actId="14100"/>
+          <ac:chgData name="Louis Weimer" userId="d11a7edd0da3a07d" providerId="LiveId" clId="{62ABD55E-F78F-4D84-A966-EEADE5A02CCB}" dt="2025-03-24T18:57:44.036" v="7291" actId="1076"/>
           <ac:spMkLst>
             <pc:docMk/>
             <pc:sldMk cId="2195281710" sldId="292"/>
             <ac:spMk id="7" creationId="{B550C8F5-D14C-3240-9F81-E0C53A4D322E}"/>
           </ac:spMkLst>
         </pc:spChg>
-        <pc:graphicFrameChg chg="add mod">
-          <ac:chgData name="Louis Weimer" userId="d11a7edd0da3a07d" providerId="LiveId" clId="{62ABD55E-F78F-4D84-A966-EEADE5A02CCB}" dt="2025-03-21T14:20:48.259" v="7045"/>
-          <ac:graphicFrameMkLst>
-            <pc:docMk/>
-            <pc:sldMk cId="2195281710" sldId="292"/>
-            <ac:graphicFrameMk id="3" creationId="{2C7C4687-324A-6A80-739D-337D8B686EDD}"/>
-          </ac:graphicFrameMkLst>
-        </pc:graphicFrameChg>
-        <pc:graphicFrameChg chg="add del mod modGraphic">
-          <ac:chgData name="Louis Weimer" userId="d11a7edd0da3a07d" providerId="LiveId" clId="{62ABD55E-F78F-4D84-A966-EEADE5A02CCB}" dt="2025-03-21T14:20:46.649" v="7044" actId="21"/>
-          <ac:graphicFrameMkLst>
-            <pc:docMk/>
-            <pc:sldMk cId="2195281710" sldId="292"/>
-            <ac:graphicFrameMk id="4" creationId="{2C7C4687-324A-6A80-739D-337D8B686EDD}"/>
-          </ac:graphicFrameMkLst>
-        </pc:graphicFrameChg>
-        <pc:graphicFrameChg chg="add mod">
-          <ac:chgData name="Louis Weimer" userId="d11a7edd0da3a07d" providerId="LiveId" clId="{62ABD55E-F78F-4D84-A966-EEADE5A02CCB}" dt="2025-03-21T14:20:58.838" v="7046"/>
-          <ac:graphicFrameMkLst>
-            <pc:docMk/>
-            <pc:sldMk cId="2195281710" sldId="292"/>
-            <ac:graphicFrameMk id="5" creationId="{87252C0C-519C-2EAA-0101-8A89DDFAE315}"/>
-          </ac:graphicFrameMkLst>
-        </pc:graphicFrameChg>
         <pc:graphicFrameChg chg="add mod modGraphic">
-          <ac:chgData name="Louis Weimer" userId="d11a7edd0da3a07d" providerId="LiveId" clId="{62ABD55E-F78F-4D84-A966-EEADE5A02CCB}" dt="2025-03-21T14:21:14.345" v="7049" actId="1076"/>
+          <ac:chgData name="Louis Weimer" userId="d11a7edd0da3a07d" providerId="LiveId" clId="{62ABD55E-F78F-4D84-A966-EEADE5A02CCB}" dt="2025-03-24T18:57:36.984" v="7290" actId="1076"/>
           <ac:graphicFrameMkLst>
             <pc:docMk/>
             <pc:sldMk cId="2195281710" sldId="292"/>
@@ -828,7 +1194,7 @@
           </ac:graphicFrameMkLst>
         </pc:graphicFrameChg>
         <pc:graphicFrameChg chg="add mod modGraphic">
-          <ac:chgData name="Louis Weimer" userId="d11a7edd0da3a07d" providerId="LiveId" clId="{62ABD55E-F78F-4D84-A966-EEADE5A02CCB}" dt="2025-03-21T14:21:46.340" v="7052" actId="1076"/>
+          <ac:chgData name="Louis Weimer" userId="d11a7edd0da3a07d" providerId="LiveId" clId="{62ABD55E-F78F-4D84-A966-EEADE5A02CCB}" dt="2025-03-24T18:57:26.350" v="7289" actId="1076"/>
           <ac:graphicFrameMkLst>
             <pc:docMk/>
             <pc:sldMk cId="2195281710" sldId="292"/>
@@ -836,7 +1202,7 @@
           </ac:graphicFrameMkLst>
         </pc:graphicFrameChg>
         <pc:graphicFrameChg chg="add mod modGraphic">
-          <ac:chgData name="Louis Weimer" userId="d11a7edd0da3a07d" providerId="LiveId" clId="{62ABD55E-F78F-4D84-A966-EEADE5A02CCB}" dt="2025-03-21T14:22:22.071" v="7148" actId="1035"/>
+          <ac:chgData name="Louis Weimer" userId="d11a7edd0da3a07d" providerId="LiveId" clId="{62ABD55E-F78F-4D84-A966-EEADE5A02CCB}" dt="2025-03-24T18:57:18.807" v="7288" actId="1076"/>
           <ac:graphicFrameMkLst>
             <pc:docMk/>
             <pc:sldMk cId="2195281710" sldId="292"/>
@@ -858,14 +1224,22 @@
           <pc:sldMk cId="3534733920" sldId="294"/>
         </pc:sldMkLst>
       </pc:sldChg>
-      <pc:sldChg chg="addSp modSp add mod">
-        <pc:chgData name="Louis Weimer" userId="d11a7edd0da3a07d" providerId="LiveId" clId="{62ABD55E-F78F-4D84-A966-EEADE5A02CCB}" dt="2025-03-11T23:58:06.927" v="4537" actId="1076"/>
+      <pc:sldChg chg="addSp modSp add del mod">
+        <pc:chgData name="Louis Weimer" userId="d11a7edd0da3a07d" providerId="LiveId" clId="{62ABD55E-F78F-4D84-A966-EEADE5A02CCB}" dt="2025-03-24T21:51:19.371" v="7704" actId="47"/>
         <pc:sldMkLst>
           <pc:docMk/>
           <pc:sldMk cId="4134740117" sldId="294"/>
         </pc:sldMkLst>
         <pc:spChg chg="mod">
-          <ac:chgData name="Louis Weimer" userId="d11a7edd0da3a07d" providerId="LiveId" clId="{62ABD55E-F78F-4D84-A966-EEADE5A02CCB}" dt="2025-03-09T01:00:11.137" v="4318" actId="1076"/>
+          <ac:chgData name="Louis Weimer" userId="d11a7edd0da3a07d" providerId="LiveId" clId="{62ABD55E-F78F-4D84-A966-EEADE5A02CCB}" dt="2025-03-24T21:37:10.294" v="7397" actId="1035"/>
+          <ac:spMkLst>
+            <pc:docMk/>
+            <pc:sldMk cId="4134740117" sldId="294"/>
+            <ac:spMk id="2" creationId="{87AF22DA-991B-A3D8-0273-BDA6D977335F}"/>
+          </ac:spMkLst>
+        </pc:spChg>
+        <pc:spChg chg="mod">
+          <ac:chgData name="Louis Weimer" userId="d11a7edd0da3a07d" providerId="LiveId" clId="{62ABD55E-F78F-4D84-A966-EEADE5A02CCB}" dt="2025-03-24T18:51:05.582" v="7233" actId="1076"/>
           <ac:spMkLst>
             <pc:docMk/>
             <pc:sldMk cId="4134740117" sldId="294"/>
@@ -873,7 +1247,7 @@
           </ac:spMkLst>
         </pc:spChg>
         <pc:spChg chg="mod">
-          <ac:chgData name="Louis Weimer" userId="d11a7edd0da3a07d" providerId="LiveId" clId="{62ABD55E-F78F-4D84-A966-EEADE5A02CCB}" dt="2025-03-11T23:57:52.973" v="4535" actId="1076"/>
+          <ac:chgData name="Louis Weimer" userId="d11a7edd0da3a07d" providerId="LiveId" clId="{62ABD55E-F78F-4D84-A966-EEADE5A02CCB}" dt="2025-03-24T21:39:20.512" v="7439" actId="1076"/>
           <ac:spMkLst>
             <pc:docMk/>
             <pc:sldMk cId="4134740117" sldId="294"/>
@@ -881,7 +1255,7 @@
           </ac:spMkLst>
         </pc:spChg>
         <pc:spChg chg="mod">
-          <ac:chgData name="Louis Weimer" userId="d11a7edd0da3a07d" providerId="LiveId" clId="{62ABD55E-F78F-4D84-A966-EEADE5A02CCB}" dt="2025-03-11T23:58:00.086" v="4536" actId="1076"/>
+          <ac:chgData name="Louis Weimer" userId="d11a7edd0da3a07d" providerId="LiveId" clId="{62ABD55E-F78F-4D84-A966-EEADE5A02CCB}" dt="2025-03-24T21:39:25.766" v="7440" actId="1076"/>
           <ac:spMkLst>
             <pc:docMk/>
             <pc:sldMk cId="4134740117" sldId="294"/>
@@ -889,7 +1263,7 @@
           </ac:spMkLst>
         </pc:spChg>
         <pc:spChg chg="mod">
-          <ac:chgData name="Louis Weimer" userId="d11a7edd0da3a07d" providerId="LiveId" clId="{62ABD55E-F78F-4D84-A966-EEADE5A02CCB}" dt="2025-03-11T23:58:06.927" v="4537" actId="1076"/>
+          <ac:chgData name="Louis Weimer" userId="d11a7edd0da3a07d" providerId="LiveId" clId="{62ABD55E-F78F-4D84-A966-EEADE5A02CCB}" dt="2025-03-24T21:39:29.951" v="7441" actId="1076"/>
           <ac:spMkLst>
             <pc:docMk/>
             <pc:sldMk cId="4134740117" sldId="294"/>
@@ -904,13 +1278,69 @@
             <ac:spMk id="7" creationId="{93015838-6F15-493E-AADC-C3E60B783192}"/>
           </ac:spMkLst>
         </pc:spChg>
+        <pc:spChg chg="add mod ord">
+          <ac:chgData name="Louis Weimer" userId="d11a7edd0da3a07d" providerId="LiveId" clId="{62ABD55E-F78F-4D84-A966-EEADE5A02CCB}" dt="2025-03-24T18:51:30.172" v="7237" actId="167"/>
+          <ac:spMkLst>
+            <pc:docMk/>
+            <pc:sldMk cId="4134740117" sldId="294"/>
+            <ac:spMk id="8" creationId="{F342EF1B-340C-6701-058C-42E47B09BE59}"/>
+          </ac:spMkLst>
+        </pc:spChg>
+        <pc:spChg chg="add mod">
+          <ac:chgData name="Louis Weimer" userId="d11a7edd0da3a07d" providerId="LiveId" clId="{62ABD55E-F78F-4D84-A966-EEADE5A02CCB}" dt="2025-03-24T21:50:56.023" v="7699"/>
+          <ac:spMkLst>
+            <pc:docMk/>
+            <pc:sldMk cId="4134740117" sldId="294"/>
+            <ac:spMk id="9" creationId="{9B0634BF-0537-C521-AAFB-A4BD95EC28BE}"/>
+          </ac:spMkLst>
+        </pc:spChg>
       </pc:sldChg>
-      <pc:sldChg chg="modSp add mod">
-        <pc:chgData name="Louis Weimer" userId="d11a7edd0da3a07d" providerId="LiveId" clId="{62ABD55E-F78F-4D84-A966-EEADE5A02CCB}" dt="2025-03-12T00:16:12.853" v="5356" actId="114"/>
+      <pc:sldChg chg="addSp delSp modSp add mod">
+        <pc:chgData name="Louis Weimer" userId="d11a7edd0da3a07d" providerId="LiveId" clId="{62ABD55E-F78F-4D84-A966-EEADE5A02CCB}" dt="2025-03-24T21:44:21.402" v="7504" actId="1038"/>
         <pc:sldMkLst>
           <pc:docMk/>
           <pc:sldMk cId="2170308669" sldId="295"/>
         </pc:sldMkLst>
+        <pc:spChg chg="mod">
+          <ac:chgData name="Louis Weimer" userId="d11a7edd0da3a07d" providerId="LiveId" clId="{62ABD55E-F78F-4D84-A966-EEADE5A02CCB}" dt="2025-03-24T21:36:31.226" v="7350" actId="1036"/>
+          <ac:spMkLst>
+            <pc:docMk/>
+            <pc:sldMk cId="2170308669" sldId="295"/>
+            <ac:spMk id="2" creationId="{C1F4A86C-3D32-8232-22EF-653CDA8E8CE8}"/>
+          </ac:spMkLst>
+        </pc:spChg>
+        <pc:spChg chg="mod">
+          <ac:chgData name="Louis Weimer" userId="d11a7edd0da3a07d" providerId="LiveId" clId="{62ABD55E-F78F-4D84-A966-EEADE5A02CCB}" dt="2025-03-24T18:51:44.678" v="7240" actId="1076"/>
+          <ac:spMkLst>
+            <pc:docMk/>
+            <pc:sldMk cId="2170308669" sldId="295"/>
+            <ac:spMk id="3" creationId="{1CA61E1D-74F9-40C5-B4E2-1EE40C3189E6}"/>
+          </ac:spMkLst>
+        </pc:spChg>
+        <pc:spChg chg="del mod">
+          <ac:chgData name="Louis Weimer" userId="d11a7edd0da3a07d" providerId="LiveId" clId="{62ABD55E-F78F-4D84-A966-EEADE5A02CCB}" dt="2025-03-24T21:44:08.117" v="7442" actId="478"/>
+          <ac:spMkLst>
+            <pc:docMk/>
+            <pc:sldMk cId="2170308669" sldId="295"/>
+            <ac:spMk id="4" creationId="{C448F934-3D47-25A1-DEF8-EFC4D606E2DC}"/>
+          </ac:spMkLst>
+        </pc:spChg>
+        <pc:spChg chg="del mod">
+          <ac:chgData name="Louis Weimer" userId="d11a7edd0da3a07d" providerId="LiveId" clId="{62ABD55E-F78F-4D84-A966-EEADE5A02CCB}" dt="2025-03-24T21:44:11.104" v="7443" actId="478"/>
+          <ac:spMkLst>
+            <pc:docMk/>
+            <pc:sldMk cId="2170308669" sldId="295"/>
+            <ac:spMk id="5" creationId="{9A05F708-4AFA-2F06-BD96-93D043C96DB9}"/>
+          </ac:spMkLst>
+        </pc:spChg>
+        <pc:spChg chg="del mod">
+          <ac:chgData name="Louis Weimer" userId="d11a7edd0da3a07d" providerId="LiveId" clId="{62ABD55E-F78F-4D84-A966-EEADE5A02CCB}" dt="2025-03-24T21:44:13.388" v="7444" actId="478"/>
+          <ac:spMkLst>
+            <pc:docMk/>
+            <pc:sldMk cId="2170308669" sldId="295"/>
+            <ac:spMk id="6" creationId="{CDD492FB-9BF3-BCEC-3A89-B09956A3340A}"/>
+          </ac:spMkLst>
+        </pc:spChg>
         <pc:spChg chg="mod">
           <ac:chgData name="Louis Weimer" userId="d11a7edd0da3a07d" providerId="LiveId" clId="{62ABD55E-F78F-4D84-A966-EEADE5A02CCB}" dt="2025-03-12T00:16:12.853" v="5356" actId="114"/>
           <ac:spMkLst>
@@ -919,6 +1349,22 @@
             <ac:spMk id="7" creationId="{2ED79BB0-E56C-1115-8B05-3778C1B9220B}"/>
           </ac:spMkLst>
         </pc:spChg>
+        <pc:spChg chg="add mod ord">
+          <ac:chgData name="Louis Weimer" userId="d11a7edd0da3a07d" providerId="LiveId" clId="{62ABD55E-F78F-4D84-A966-EEADE5A02CCB}" dt="2025-03-24T18:52:07.099" v="7244" actId="167"/>
+          <ac:spMkLst>
+            <pc:docMk/>
+            <pc:sldMk cId="2170308669" sldId="295"/>
+            <ac:spMk id="8" creationId="{BE451504-A0A6-876D-F448-339F2AFCE41F}"/>
+          </ac:spMkLst>
+        </pc:spChg>
+        <pc:picChg chg="add mod">
+          <ac:chgData name="Louis Weimer" userId="d11a7edd0da3a07d" providerId="LiveId" clId="{62ABD55E-F78F-4D84-A966-EEADE5A02CCB}" dt="2025-03-24T21:44:21.402" v="7504" actId="1038"/>
+          <ac:picMkLst>
+            <pc:docMk/>
+            <pc:sldMk cId="2170308669" sldId="295"/>
+            <ac:picMk id="10" creationId="{070EEDF0-181B-2BFD-E063-6F684D9B4496}"/>
+          </ac:picMkLst>
+        </pc:picChg>
       </pc:sldChg>
       <pc:sldChg chg="modSp add del mod">
         <pc:chgData name="Louis Weimer" userId="d11a7edd0da3a07d" providerId="LiveId" clId="{62ABD55E-F78F-4D84-A966-EEADE5A02CCB}" dt="2025-03-09T00:59:53.663" v="4315" actId="47"/>
@@ -927,20 +1373,68 @@
           <pc:sldMk cId="2780905788" sldId="295"/>
         </pc:sldMkLst>
       </pc:sldChg>
-      <pc:sldChg chg="modSp add mod">
-        <pc:chgData name="Louis Weimer" userId="d11a7edd0da3a07d" providerId="LiveId" clId="{62ABD55E-F78F-4D84-A966-EEADE5A02CCB}" dt="2025-03-11T23:59:45.795" v="4693" actId="114"/>
+      <pc:sldChg chg="addSp delSp modSp add del mod">
+        <pc:chgData name="Louis Weimer" userId="d11a7edd0da3a07d" providerId="LiveId" clId="{62ABD55E-F78F-4D84-A966-EEADE5A02CCB}" dt="2025-03-24T21:45:17.928" v="7574" actId="47"/>
         <pc:sldMkLst>
           <pc:docMk/>
           <pc:sldMk cId="899690560" sldId="296"/>
         </pc:sldMkLst>
         <pc:spChg chg="mod">
-          <ac:chgData name="Louis Weimer" userId="d11a7edd0da3a07d" providerId="LiveId" clId="{62ABD55E-F78F-4D84-A966-EEADE5A02CCB}" dt="2025-03-11T23:59:45.795" v="4693" actId="114"/>
+          <ac:chgData name="Louis Weimer" userId="d11a7edd0da3a07d" providerId="LiveId" clId="{62ABD55E-F78F-4D84-A966-EEADE5A02CCB}" dt="2025-03-24T21:35:54.352" v="7327" actId="1035"/>
           <ac:spMkLst>
             <pc:docMk/>
             <pc:sldMk cId="899690560" sldId="296"/>
-            <ac:spMk id="7" creationId="{F1E281D6-ED05-8E17-A10D-2D997B781564}"/>
+            <ac:spMk id="2" creationId="{FA0A0D18-C029-7559-E02B-FDD2A521B3C1}"/>
           </ac:spMkLst>
         </pc:spChg>
+        <pc:spChg chg="mod">
+          <ac:chgData name="Louis Weimer" userId="d11a7edd0da3a07d" providerId="LiveId" clId="{62ABD55E-F78F-4D84-A966-EEADE5A02CCB}" dt="2025-03-24T18:52:40.107" v="7250" actId="1076"/>
+          <ac:spMkLst>
+            <pc:docMk/>
+            <pc:sldMk cId="899690560" sldId="296"/>
+            <ac:spMk id="3" creationId="{CC30CF72-7574-29B0-035F-B131824861E2}"/>
+          </ac:spMkLst>
+        </pc:spChg>
+        <pc:spChg chg="del mod">
+          <ac:chgData name="Louis Weimer" userId="d11a7edd0da3a07d" providerId="LiveId" clId="{62ABD55E-F78F-4D84-A966-EEADE5A02CCB}" dt="2025-03-24T21:44:27.380" v="7505" actId="478"/>
+          <ac:spMkLst>
+            <pc:docMk/>
+            <pc:sldMk cId="899690560" sldId="296"/>
+            <ac:spMk id="4" creationId="{1004C934-1EE0-A672-A286-D3ADE4FA8AAF}"/>
+          </ac:spMkLst>
+        </pc:spChg>
+        <pc:spChg chg="del mod">
+          <ac:chgData name="Louis Weimer" userId="d11a7edd0da3a07d" providerId="LiveId" clId="{62ABD55E-F78F-4D84-A966-EEADE5A02CCB}" dt="2025-03-24T21:44:33.724" v="7507" actId="478"/>
+          <ac:spMkLst>
+            <pc:docMk/>
+            <pc:sldMk cId="899690560" sldId="296"/>
+            <ac:spMk id="5" creationId="{D49DA191-FCFB-6FA0-8E1F-BB4BFC3DF806}"/>
+          </ac:spMkLst>
+        </pc:spChg>
+        <pc:spChg chg="del mod">
+          <ac:chgData name="Louis Weimer" userId="d11a7edd0da3a07d" providerId="LiveId" clId="{62ABD55E-F78F-4D84-A966-EEADE5A02CCB}" dt="2025-03-24T21:44:29.422" v="7506" actId="478"/>
+          <ac:spMkLst>
+            <pc:docMk/>
+            <pc:sldMk cId="899690560" sldId="296"/>
+            <ac:spMk id="6" creationId="{58DB9199-32D8-659D-1298-33A0AF0989DC}"/>
+          </ac:spMkLst>
+        </pc:spChg>
+        <pc:spChg chg="add mod ord">
+          <ac:chgData name="Louis Weimer" userId="d11a7edd0da3a07d" providerId="LiveId" clId="{62ABD55E-F78F-4D84-A966-EEADE5A02CCB}" dt="2025-03-24T18:52:50.407" v="7253" actId="167"/>
+          <ac:spMkLst>
+            <pc:docMk/>
+            <pc:sldMk cId="899690560" sldId="296"/>
+            <ac:spMk id="8" creationId="{AFAC6034-290C-506A-00B1-3AB9FD9FA560}"/>
+          </ac:spMkLst>
+        </pc:spChg>
+        <pc:picChg chg="add mod">
+          <ac:chgData name="Louis Weimer" userId="d11a7edd0da3a07d" providerId="LiveId" clId="{62ABD55E-F78F-4D84-A966-EEADE5A02CCB}" dt="2025-03-24T21:44:49.102" v="7571" actId="1035"/>
+          <ac:picMkLst>
+            <pc:docMk/>
+            <pc:sldMk cId="899690560" sldId="296"/>
+            <ac:picMk id="10" creationId="{25077618-B47F-9779-E636-108C1299A801}"/>
+          </ac:picMkLst>
+        </pc:picChg>
       </pc:sldChg>
       <pc:sldChg chg="add del">
         <pc:chgData name="Louis Weimer" userId="d11a7edd0da3a07d" providerId="LiveId" clId="{62ABD55E-F78F-4D84-A966-EEADE5A02CCB}" dt="2025-03-09T00:59:58.319" v="4316" actId="47"/>
@@ -949,96 +1443,195 @@
           <pc:sldMk cId="3939287357" sldId="296"/>
         </pc:sldMkLst>
       </pc:sldChg>
-      <pc:sldChg chg="modSp add mod">
-        <pc:chgData name="Louis Weimer" userId="d11a7edd0da3a07d" providerId="LiveId" clId="{62ABD55E-F78F-4D84-A966-EEADE5A02CCB}" dt="2025-03-12T00:04:44.073" v="5272" actId="114"/>
+      <pc:sldChg chg="addSp modSp add del mod">
+        <pc:chgData name="Louis Weimer" userId="d11a7edd0da3a07d" providerId="LiveId" clId="{62ABD55E-F78F-4D84-A966-EEADE5A02CCB}" dt="2025-03-24T21:45:48.318" v="7577" actId="47"/>
         <pc:sldMkLst>
           <pc:docMk/>
           <pc:sldMk cId="191561861" sldId="297"/>
         </pc:sldMkLst>
         <pc:spChg chg="mod">
-          <ac:chgData name="Louis Weimer" userId="d11a7edd0da3a07d" providerId="LiveId" clId="{62ABD55E-F78F-4D84-A966-EEADE5A02CCB}" dt="2025-03-12T00:04:44.073" v="5272" actId="114"/>
+          <ac:chgData name="Louis Weimer" userId="d11a7edd0da3a07d" providerId="LiveId" clId="{62ABD55E-F78F-4D84-A966-EEADE5A02CCB}" dt="2025-03-24T19:03:16.637" v="7296" actId="207"/>
           <ac:spMkLst>
             <pc:docMk/>
             <pc:sldMk cId="191561861" sldId="297"/>
-            <ac:spMk id="7" creationId="{C33ECEEA-811D-CFF2-6349-4EDFF1314F2A}"/>
+            <ac:spMk id="2" creationId="{2C7E1945-A06C-BE98-A1BD-5C4D9869C161}"/>
+          </ac:spMkLst>
+        </pc:spChg>
+        <pc:spChg chg="mod">
+          <ac:chgData name="Louis Weimer" userId="d11a7edd0da3a07d" providerId="LiveId" clId="{62ABD55E-F78F-4D84-A966-EEADE5A02CCB}" dt="2025-03-24T19:03:12.055" v="7295" actId="1076"/>
+          <ac:spMkLst>
+            <pc:docMk/>
+            <pc:sldMk cId="191561861" sldId="297"/>
+            <ac:spMk id="3" creationId="{5C57E6ED-626E-ED3D-B02C-38937E375023}"/>
+          </ac:spMkLst>
+        </pc:spChg>
+        <pc:spChg chg="add mod ord">
+          <ac:chgData name="Louis Weimer" userId="d11a7edd0da3a07d" providerId="LiveId" clId="{62ABD55E-F78F-4D84-A966-EEADE5A02CCB}" dt="2025-03-24T19:03:07.574" v="7294" actId="167"/>
+          <ac:spMkLst>
+            <pc:docMk/>
+            <pc:sldMk cId="191561861" sldId="297"/>
+            <ac:spMk id="8" creationId="{7D38649C-471F-6CFA-150B-11BAEDC63BB5}"/>
           </ac:spMkLst>
         </pc:spChg>
       </pc:sldChg>
-      <pc:sldChg chg="addSp modSp add mod">
-        <pc:chgData name="Louis Weimer" userId="d11a7edd0da3a07d" providerId="LiveId" clId="{62ABD55E-F78F-4D84-A966-EEADE5A02CCB}" dt="2025-03-19T04:07:35.329" v="6686" actId="12"/>
+      <pc:sldChg chg="addSp modSp add del mod">
+        <pc:chgData name="Louis Weimer" userId="d11a7edd0da3a07d" providerId="LiveId" clId="{62ABD55E-F78F-4D84-A966-EEADE5A02CCB}" dt="2025-03-24T21:46:32.611" v="7643" actId="47"/>
         <pc:sldMkLst>
           <pc:docMk/>
           <pc:sldMk cId="1431847223" sldId="298"/>
         </pc:sldMkLst>
         <pc:spChg chg="mod">
-          <ac:chgData name="Louis Weimer" userId="d11a7edd0da3a07d" providerId="LiveId" clId="{62ABD55E-F78F-4D84-A966-EEADE5A02CCB}" dt="2025-03-19T04:07:29.632" v="6685" actId="12"/>
+          <ac:chgData name="Louis Weimer" userId="d11a7edd0da3a07d" providerId="LiveId" clId="{62ABD55E-F78F-4D84-A966-EEADE5A02CCB}" dt="2025-03-24T19:03:41.252" v="7301" actId="207"/>
           <ac:spMkLst>
             <pc:docMk/>
             <pc:sldMk cId="1431847223" sldId="298"/>
-            <ac:spMk id="7" creationId="{A6BACDE3-E808-7FDB-2A4A-00A3F502D6D0}"/>
+            <ac:spMk id="2" creationId="{CD692927-B166-346F-AD83-851E644E4757}"/>
           </ac:spMkLst>
         </pc:spChg>
-        <pc:spChg chg="add mod">
-          <ac:chgData name="Louis Weimer" userId="d11a7edd0da3a07d" providerId="LiveId" clId="{62ABD55E-F78F-4D84-A966-EEADE5A02CCB}" dt="2025-03-19T04:07:35.329" v="6686" actId="12"/>
+        <pc:spChg chg="mod">
+          <ac:chgData name="Louis Weimer" userId="d11a7edd0da3a07d" providerId="LiveId" clId="{62ABD55E-F78F-4D84-A966-EEADE5A02CCB}" dt="2025-03-24T19:03:25.916" v="7297" actId="1076"/>
           <ac:spMkLst>
             <pc:docMk/>
             <pc:sldMk cId="1431847223" sldId="298"/>
-            <ac:spMk id="8" creationId="{54BF6609-D7C6-8BF3-1609-FEE2CEF83917}"/>
+            <ac:spMk id="3" creationId="{08C71FC8-0B5A-02C7-09ED-98D7FE5E7F7F}"/>
+          </ac:spMkLst>
+        </pc:spChg>
+        <pc:spChg chg="add mod ord">
+          <ac:chgData name="Louis Weimer" userId="d11a7edd0da3a07d" providerId="LiveId" clId="{62ABD55E-F78F-4D84-A966-EEADE5A02CCB}" dt="2025-03-24T19:03:37.018" v="7300" actId="167"/>
+          <ac:spMkLst>
+            <pc:docMk/>
+            <pc:sldMk cId="1431847223" sldId="298"/>
+            <ac:spMk id="9" creationId="{5CBD5676-A6A6-5B42-DE6C-382E2EB74AFC}"/>
           </ac:spMkLst>
         </pc:spChg>
       </pc:sldChg>
-      <pc:sldChg chg="delSp modSp add mod">
-        <pc:chgData name="Louis Weimer" userId="d11a7edd0da3a07d" providerId="LiveId" clId="{62ABD55E-F78F-4D84-A966-EEADE5A02CCB}" dt="2025-03-20T14:00:37.364" v="7017" actId="20577"/>
+      <pc:sldChg chg="addSp delSp modSp add mod">
+        <pc:chgData name="Louis Weimer" userId="d11a7edd0da3a07d" providerId="LiveId" clId="{62ABD55E-F78F-4D84-A966-EEADE5A02CCB}" dt="2025-03-24T19:04:06.307" v="7305" actId="207"/>
         <pc:sldMkLst>
           <pc:docMk/>
           <pc:sldMk cId="2606182187" sldId="299"/>
         </pc:sldMkLst>
         <pc:spChg chg="mod">
-          <ac:chgData name="Louis Weimer" userId="d11a7edd0da3a07d" providerId="LiveId" clId="{62ABD55E-F78F-4D84-A966-EEADE5A02CCB}" dt="2025-03-20T14:00:37.364" v="7017" actId="20577"/>
+          <ac:chgData name="Louis Weimer" userId="d11a7edd0da3a07d" providerId="LiveId" clId="{62ABD55E-F78F-4D84-A966-EEADE5A02CCB}" dt="2025-03-24T19:04:06.307" v="7305" actId="207"/>
+          <ac:spMkLst>
+            <pc:docMk/>
+            <pc:sldMk cId="2606182187" sldId="299"/>
+            <ac:spMk id="2" creationId="{94AD36A5-9390-80FF-D804-8E7636E25235}"/>
+          </ac:spMkLst>
+        </pc:spChg>
+        <pc:spChg chg="mod">
+          <ac:chgData name="Louis Weimer" userId="d11a7edd0da3a07d" providerId="LiveId" clId="{62ABD55E-F78F-4D84-A966-EEADE5A02CCB}" dt="2025-03-24T19:03:48.196" v="7302" actId="1076"/>
           <ac:spMkLst>
             <pc:docMk/>
             <pc:sldMk cId="2606182187" sldId="299"/>
             <ac:spMk id="3" creationId="{E21F5238-7D2D-F370-C1FC-D7167830A0B2}"/>
           </ac:spMkLst>
         </pc:spChg>
-        <pc:spChg chg="del">
-          <ac:chgData name="Louis Weimer" userId="d11a7edd0da3a07d" providerId="LiveId" clId="{62ABD55E-F78F-4D84-A966-EEADE5A02CCB}" dt="2025-03-20T13:56:25.183" v="6692" actId="478"/>
+        <pc:spChg chg="add mod ord">
+          <ac:chgData name="Louis Weimer" userId="d11a7edd0da3a07d" providerId="LiveId" clId="{62ABD55E-F78F-4D84-A966-EEADE5A02CCB}" dt="2025-03-24T19:04:02.132" v="7304" actId="167"/>
           <ac:spMkLst>
             <pc:docMk/>
             <pc:sldMk cId="2606182187" sldId="299"/>
-            <ac:spMk id="4" creationId="{FC113324-8378-99A0-5059-F3FA26F0E3BC}"/>
+            <ac:spMk id="4" creationId="{24D655F6-B457-E45D-FDF6-41EAB704BF85}"/>
+          </ac:spMkLst>
+        </pc:spChg>
+      </pc:sldChg>
+      <pc:sldChg chg="modSp add mod">
+        <pc:chgData name="Louis Weimer" userId="d11a7edd0da3a07d" providerId="LiveId" clId="{62ABD55E-F78F-4D84-A966-EEADE5A02CCB}" dt="2025-03-24T21:45:12.423" v="7573"/>
+        <pc:sldMkLst>
+          <pc:docMk/>
+          <pc:sldMk cId="497956691" sldId="300"/>
+        </pc:sldMkLst>
+        <pc:spChg chg="mod">
+          <ac:chgData name="Louis Weimer" userId="d11a7edd0da3a07d" providerId="LiveId" clId="{62ABD55E-F78F-4D84-A966-EEADE5A02CCB}" dt="2025-03-24T21:45:12.423" v="7573"/>
+          <ac:spMkLst>
+            <pc:docMk/>
+            <pc:sldMk cId="497956691" sldId="300"/>
+            <ac:spMk id="7" creationId="{086FE6F6-99F3-9510-47DF-3AF5A1F880C9}"/>
+          </ac:spMkLst>
+        </pc:spChg>
+      </pc:sldChg>
+      <pc:sldChg chg="modSp add mod">
+        <pc:chgData name="Louis Weimer" userId="d11a7edd0da3a07d" providerId="LiveId" clId="{62ABD55E-F78F-4D84-A966-EEADE5A02CCB}" dt="2025-03-24T21:45:40.431" v="7576"/>
+        <pc:sldMkLst>
+          <pc:docMk/>
+          <pc:sldMk cId="2838311989" sldId="301"/>
+        </pc:sldMkLst>
+        <pc:spChg chg="mod">
+          <ac:chgData name="Louis Weimer" userId="d11a7edd0da3a07d" providerId="LiveId" clId="{62ABD55E-F78F-4D84-A966-EEADE5A02CCB}" dt="2025-03-24T21:45:40.431" v="7576"/>
+          <ac:spMkLst>
+            <pc:docMk/>
+            <pc:sldMk cId="2838311989" sldId="301"/>
+            <ac:spMk id="7" creationId="{840E5CBD-5341-11F1-CC1A-E9243257FEC2}"/>
+          </ac:spMkLst>
+        </pc:spChg>
+      </pc:sldChg>
+      <pc:sldChg chg="addSp delSp modSp add mod">
+        <pc:chgData name="Louis Weimer" userId="d11a7edd0da3a07d" providerId="LiveId" clId="{62ABD55E-F78F-4D84-A966-EEADE5A02CCB}" dt="2025-03-24T21:46:29.819" v="7642" actId="1035"/>
+        <pc:sldMkLst>
+          <pc:docMk/>
+          <pc:sldMk cId="2335764738" sldId="302"/>
+        </pc:sldMkLst>
+        <pc:spChg chg="add mod">
+          <ac:chgData name="Louis Weimer" userId="d11a7edd0da3a07d" providerId="LiveId" clId="{62ABD55E-F78F-4D84-A966-EEADE5A02CCB}" dt="2025-03-24T21:46:25.406" v="7638" actId="1036"/>
+          <ac:spMkLst>
+            <pc:docMk/>
+            <pc:sldMk cId="2335764738" sldId="302"/>
+            <ac:spMk id="4" creationId="{68CBAB52-A555-BA1B-663E-C4E64D019C75}"/>
+          </ac:spMkLst>
+        </pc:spChg>
+        <pc:spChg chg="add mod">
+          <ac:chgData name="Louis Weimer" userId="d11a7edd0da3a07d" providerId="LiveId" clId="{62ABD55E-F78F-4D84-A966-EEADE5A02CCB}" dt="2025-03-24T21:46:29.819" v="7642" actId="1035"/>
+          <ac:spMkLst>
+            <pc:docMk/>
+            <pc:sldMk cId="2335764738" sldId="302"/>
+            <ac:spMk id="5" creationId="{23F63E24-AC41-7429-A2DD-75D32C7E9A59}"/>
           </ac:spMkLst>
         </pc:spChg>
         <pc:spChg chg="del">
-          <ac:chgData name="Louis Weimer" userId="d11a7edd0da3a07d" providerId="LiveId" clId="{62ABD55E-F78F-4D84-A966-EEADE5A02CCB}" dt="2025-03-20T13:56:21.919" v="6691" actId="478"/>
+          <ac:chgData name="Louis Weimer" userId="d11a7edd0da3a07d" providerId="LiveId" clId="{62ABD55E-F78F-4D84-A966-EEADE5A02CCB}" dt="2025-03-24T21:46:05.203" v="7579" actId="478"/>
           <ac:spMkLst>
             <pc:docMk/>
-            <pc:sldMk cId="2606182187" sldId="299"/>
-            <ac:spMk id="5" creationId="{4EE3742B-1AFB-1622-D729-03BE6155BA75}"/>
+            <pc:sldMk cId="2335764738" sldId="302"/>
+            <ac:spMk id="7" creationId="{11A8642F-9BC5-4B4A-DDC8-BC2D7E949FD2}"/>
+          </ac:spMkLst>
+        </pc:spChg>
+      </pc:sldChg>
+      <pc:sldChg chg="addSp delSp modSp add mod">
+        <pc:chgData name="Louis Weimer" userId="d11a7edd0da3a07d" providerId="LiveId" clId="{62ABD55E-F78F-4D84-A966-EEADE5A02CCB}" dt="2025-03-24T21:51:16.447" v="7703" actId="1076"/>
+        <pc:sldMkLst>
+          <pc:docMk/>
+          <pc:sldMk cId="3444135521" sldId="303"/>
+        </pc:sldMkLst>
+        <pc:spChg chg="add mod">
+          <ac:chgData name="Louis Weimer" userId="d11a7edd0da3a07d" providerId="LiveId" clId="{62ABD55E-F78F-4D84-A966-EEADE5A02CCB}" dt="2025-03-24T21:51:16.447" v="7703" actId="1076"/>
+          <ac:spMkLst>
+            <pc:docMk/>
+            <pc:sldMk cId="3444135521" sldId="303"/>
+            <ac:spMk id="4" creationId="{B4E0F4CE-1A17-8FA3-1A28-DA3D1B79278B}"/>
           </ac:spMkLst>
         </pc:spChg>
         <pc:spChg chg="del">
-          <ac:chgData name="Louis Weimer" userId="d11a7edd0da3a07d" providerId="LiveId" clId="{62ABD55E-F78F-4D84-A966-EEADE5A02CCB}" dt="2025-03-20T13:56:15.756" v="6690" actId="478"/>
+          <ac:chgData name="Louis Weimer" userId="d11a7edd0da3a07d" providerId="LiveId" clId="{62ABD55E-F78F-4D84-A966-EEADE5A02CCB}" dt="2025-03-24T21:51:12.448" v="7701" actId="478"/>
           <ac:spMkLst>
             <pc:docMk/>
-            <pc:sldMk cId="2606182187" sldId="299"/>
-            <ac:spMk id="6" creationId="{E6A33A4D-2E37-91BC-2DBF-32B3E687F7DB}"/>
+            <pc:sldMk cId="3444135521" sldId="303"/>
+            <ac:spMk id="7" creationId="{86CF19EF-DFE5-8A15-5DE1-DE90FEFDEC9A}"/>
           </ac:spMkLst>
         </pc:spChg>
+      </pc:sldChg>
+      <pc:sldChg chg="delSp add mod">
+        <pc:chgData name="Louis Weimer" userId="d11a7edd0da3a07d" providerId="LiveId" clId="{62ABD55E-F78F-4D84-A966-EEADE5A02CCB}" dt="2025-03-24T21:51:35.636" v="7706" actId="478"/>
+        <pc:sldMkLst>
+          <pc:docMk/>
+          <pc:sldMk cId="1519855797" sldId="304"/>
+        </pc:sldMkLst>
         <pc:spChg chg="del">
-          <ac:chgData name="Louis Weimer" userId="d11a7edd0da3a07d" providerId="LiveId" clId="{62ABD55E-F78F-4D84-A966-EEADE5A02CCB}" dt="2025-03-20T13:56:08.671" v="6688" actId="478"/>
+          <ac:chgData name="Louis Weimer" userId="d11a7edd0da3a07d" providerId="LiveId" clId="{62ABD55E-F78F-4D84-A966-EEADE5A02CCB}" dt="2025-03-24T21:51:35.636" v="7706" actId="478"/>
           <ac:spMkLst>
             <pc:docMk/>
-            <pc:sldMk cId="2606182187" sldId="299"/>
-            <ac:spMk id="7" creationId="{800FD173-559A-0CD2-8FEF-2AB0E11EE856}"/>
-          </ac:spMkLst>
-        </pc:spChg>
-        <pc:spChg chg="del">
-          <ac:chgData name="Louis Weimer" userId="d11a7edd0da3a07d" providerId="LiveId" clId="{62ABD55E-F78F-4D84-A966-EEADE5A02CCB}" dt="2025-03-20T13:56:12.523" v="6689" actId="478"/>
-          <ac:spMkLst>
-            <pc:docMk/>
-            <pc:sldMk cId="2606182187" sldId="299"/>
-            <ac:spMk id="8" creationId="{6B01B9B2-627B-3041-D63A-1B660138FFAC}"/>
+            <pc:sldMk cId="1519855797" sldId="304"/>
+            <ac:spMk id="4" creationId="{0A8D7F94-3D22-4BE0-3520-38F66D531EA9}"/>
           </ac:spMkLst>
         </pc:spChg>
       </pc:sldChg>
@@ -1194,7 +1787,7 @@
           <a:p>
             <a:fld id="{FC99AAC4-36EF-4F2C-9745-95DD9835E195}" type="datetimeFigureOut">
               <a:rPr lang="en-US" smtClean="0"/>
-              <a:t>3/21/2025</a:t>
+              <a:t>3/24/2025</a:t>
             </a:fld>
             <a:endParaRPr lang="en-US"/>
           </a:p>
@@ -1392,7 +1985,7 @@
           <a:p>
             <a:fld id="{FC99AAC4-36EF-4F2C-9745-95DD9835E195}" type="datetimeFigureOut">
               <a:rPr lang="en-US" smtClean="0"/>
-              <a:t>3/21/2025</a:t>
+              <a:t>3/24/2025</a:t>
             </a:fld>
             <a:endParaRPr lang="en-US"/>
           </a:p>
@@ -1600,7 +2193,7 @@
           <a:p>
             <a:fld id="{FC99AAC4-36EF-4F2C-9745-95DD9835E195}" type="datetimeFigureOut">
               <a:rPr lang="en-US" smtClean="0"/>
-              <a:t>3/21/2025</a:t>
+              <a:t>3/24/2025</a:t>
             </a:fld>
             <a:endParaRPr lang="en-US"/>
           </a:p>
@@ -1798,7 +2391,7 @@
           <a:p>
             <a:fld id="{FC99AAC4-36EF-4F2C-9745-95DD9835E195}" type="datetimeFigureOut">
               <a:rPr lang="en-US" smtClean="0"/>
-              <a:t>3/21/2025</a:t>
+              <a:t>3/24/2025</a:t>
             </a:fld>
             <a:endParaRPr lang="en-US"/>
           </a:p>
@@ -2073,7 +2666,7 @@
           <a:p>
             <a:fld id="{FC99AAC4-36EF-4F2C-9745-95DD9835E195}" type="datetimeFigureOut">
               <a:rPr lang="en-US" smtClean="0"/>
-              <a:t>3/21/2025</a:t>
+              <a:t>3/24/2025</a:t>
             </a:fld>
             <a:endParaRPr lang="en-US"/>
           </a:p>
@@ -2338,7 +2931,7 @@
           <a:p>
             <a:fld id="{FC99AAC4-36EF-4F2C-9745-95DD9835E195}" type="datetimeFigureOut">
               <a:rPr lang="en-US" smtClean="0"/>
-              <a:t>3/21/2025</a:t>
+              <a:t>3/24/2025</a:t>
             </a:fld>
             <a:endParaRPr lang="en-US"/>
           </a:p>
@@ -2750,7 +3343,7 @@
           <a:p>
             <a:fld id="{FC99AAC4-36EF-4F2C-9745-95DD9835E195}" type="datetimeFigureOut">
               <a:rPr lang="en-US" smtClean="0"/>
-              <a:t>3/21/2025</a:t>
+              <a:t>3/24/2025</a:t>
             </a:fld>
             <a:endParaRPr lang="en-US"/>
           </a:p>
@@ -2891,7 +3484,7 @@
           <a:p>
             <a:fld id="{FC99AAC4-36EF-4F2C-9745-95DD9835E195}" type="datetimeFigureOut">
               <a:rPr lang="en-US" smtClean="0"/>
-              <a:t>3/21/2025</a:t>
+              <a:t>3/24/2025</a:t>
             </a:fld>
             <a:endParaRPr lang="en-US"/>
           </a:p>
@@ -3004,7 +3597,7 @@
           <a:p>
             <a:fld id="{FC99AAC4-36EF-4F2C-9745-95DD9835E195}" type="datetimeFigureOut">
               <a:rPr lang="en-US" smtClean="0"/>
-              <a:t>3/21/2025</a:t>
+              <a:t>3/24/2025</a:t>
             </a:fld>
             <a:endParaRPr lang="en-US"/>
           </a:p>
@@ -3315,7 +3908,7 @@
           <a:p>
             <a:fld id="{FC99AAC4-36EF-4F2C-9745-95DD9835E195}" type="datetimeFigureOut">
               <a:rPr lang="en-US" smtClean="0"/>
-              <a:t>3/21/2025</a:t>
+              <a:t>3/24/2025</a:t>
             </a:fld>
             <a:endParaRPr lang="en-US"/>
           </a:p>
@@ -3603,7 +4196,7 @@
           <a:p>
             <a:fld id="{FC99AAC4-36EF-4F2C-9745-95DD9835E195}" type="datetimeFigureOut">
               <a:rPr lang="en-US" smtClean="0"/>
-              <a:t>3/21/2025</a:t>
+              <a:t>3/24/2025</a:t>
             </a:fld>
             <a:endParaRPr lang="en-US"/>
           </a:p>
@@ -3844,7 +4437,7 @@
           <a:p>
             <a:fld id="{FC99AAC4-36EF-4F2C-9745-95DD9835E195}" type="datetimeFigureOut">
               <a:rPr lang="en-US" smtClean="0"/>
-              <a:t>3/21/2025</a:t>
+              <a:t>3/24/2025</a:t>
             </a:fld>
             <a:endParaRPr lang="en-US"/>
           </a:p>
@@ -4263,6 +4856,55 @@
       </p:grpSpPr>
       <p:sp>
         <p:nvSpPr>
+          <p:cNvPr id="4" name="Rectangle 3">
+            <a:extLst>
+              <a:ext uri="{FF2B5EF4-FFF2-40B4-BE49-F238E27FC236}">
+                <a16:creationId xmlns:a16="http://schemas.microsoft.com/office/drawing/2014/main" id="{0947CC09-87EC-D697-82FE-3C7BDAA6DCD3}"/>
+              </a:ext>
+            </a:extLst>
+          </p:cNvPr>
+          <p:cNvSpPr/>
+          <p:nvPr/>
+        </p:nvSpPr>
+        <p:spPr>
+          <a:xfrm>
+            <a:off x="0" y="-1"/>
+            <a:ext cx="12192000" cy="3429001"/>
+          </a:xfrm>
+          <a:prstGeom prst="rect">
+            <a:avLst/>
+          </a:prstGeom>
+          <a:solidFill>
+            <a:schemeClr val="tx2"/>
+          </a:solidFill>
+        </p:spPr>
+        <p:style>
+          <a:lnRef idx="2">
+            <a:schemeClr val="dk1">
+              <a:shade val="15000"/>
+            </a:schemeClr>
+          </a:lnRef>
+          <a:fillRef idx="1">
+            <a:schemeClr val="dk1"/>
+          </a:fillRef>
+          <a:effectRef idx="0">
+            <a:schemeClr val="dk1"/>
+          </a:effectRef>
+          <a:fontRef idx="minor">
+            <a:schemeClr val="lt1"/>
+          </a:fontRef>
+        </p:style>
+        <p:txBody>
+          <a:bodyPr rtlCol="0" anchor="ctr"/>
+          <a:lstStyle/>
+          <a:p>
+            <a:pPr algn="ctr"/>
+            <a:endParaRPr lang="en-US"/>
+          </a:p>
+        </p:txBody>
+      </p:sp>
+      <p:sp>
+        <p:nvSpPr>
           <p:cNvPr id="2" name="Title 1">
             <a:extLst>
               <a:ext uri="{FF2B5EF4-FFF2-40B4-BE49-F238E27FC236}">
@@ -4279,7 +4921,7 @@
         </p:nvSpPr>
         <p:spPr>
           <a:xfrm>
-            <a:off x="1524000" y="1707579"/>
+            <a:off x="1524000" y="2345934"/>
             <a:ext cx="9144000" cy="2387600"/>
           </a:xfrm>
         </p:spPr>
@@ -4290,7 +4932,11 @@
           <a:lstStyle/>
           <a:p>
             <a:r>
-              <a:rPr lang="en-US" dirty="0"/>
+              <a:rPr lang="en-US" dirty="0">
+                <a:solidFill>
+                  <a:schemeClr val="bg1"/>
+                </a:solidFill>
+              </a:rPr>
               <a:t>Insurance in The Age of the Climate Crisis</a:t>
             </a:r>
             <a:br>
@@ -4324,7 +4970,7 @@
         </p:nvSpPr>
         <p:spPr>
           <a:xfrm>
-            <a:off x="1524000" y="4516438"/>
+            <a:off x="1524000" y="4802605"/>
             <a:ext cx="9144000" cy="1655762"/>
           </a:xfrm>
         </p:spPr>
@@ -4383,6 +5029,55 @@
       </p:grpSpPr>
       <p:sp>
         <p:nvSpPr>
+          <p:cNvPr id="3" name="Rectangle 2">
+            <a:extLst>
+              <a:ext uri="{FF2B5EF4-FFF2-40B4-BE49-F238E27FC236}">
+                <a16:creationId xmlns:a16="http://schemas.microsoft.com/office/drawing/2014/main" id="{937F0014-BC64-FCF4-9BC3-728A9F348F4E}"/>
+              </a:ext>
+            </a:extLst>
+          </p:cNvPr>
+          <p:cNvSpPr/>
+          <p:nvPr/>
+        </p:nvSpPr>
+        <p:spPr>
+          <a:xfrm>
+            <a:off x="0" y="0"/>
+            <a:ext cx="12192000" cy="1690688"/>
+          </a:xfrm>
+          <a:prstGeom prst="rect">
+            <a:avLst/>
+          </a:prstGeom>
+          <a:solidFill>
+            <a:schemeClr val="tx2"/>
+          </a:solidFill>
+        </p:spPr>
+        <p:style>
+          <a:lnRef idx="2">
+            <a:schemeClr val="dk1">
+              <a:shade val="15000"/>
+            </a:schemeClr>
+          </a:lnRef>
+          <a:fillRef idx="1">
+            <a:schemeClr val="dk1"/>
+          </a:fillRef>
+          <a:effectRef idx="0">
+            <a:schemeClr val="dk1"/>
+          </a:effectRef>
+          <a:fontRef idx="minor">
+            <a:schemeClr val="lt1"/>
+          </a:fontRef>
+        </p:style>
+        <p:txBody>
+          <a:bodyPr rtlCol="0" anchor="ctr"/>
+          <a:lstStyle/>
+          <a:p>
+            <a:pPr algn="ctr"/>
+            <a:endParaRPr lang="en-US"/>
+          </a:p>
+        </p:txBody>
+      </p:sp>
+      <p:sp>
+        <p:nvSpPr>
           <p:cNvPr id="2" name="Title 1">
             <a:extLst>
               <a:ext uri="{FF2B5EF4-FFF2-40B4-BE49-F238E27FC236}">
@@ -4403,14 +5098,26 @@
           <a:lstStyle/>
           <a:p>
             <a:r>
-              <a:rPr lang="en-US" dirty="0"/>
+              <a:rPr lang="en-US" dirty="0">
+                <a:solidFill>
+                  <a:schemeClr val="bg1"/>
+                </a:solidFill>
+              </a:rPr>
               <a:t>Climate Change’s Impact on Home Insurance</a:t>
             </a:r>
             <a:br>
-              <a:rPr lang="en-US" dirty="0"/>
+              <a:rPr lang="en-US" dirty="0">
+                <a:solidFill>
+                  <a:schemeClr val="bg1"/>
+                </a:solidFill>
+              </a:rPr>
             </a:br>
             <a:r>
-              <a:rPr lang="en-US" sz="3200" dirty="0"/>
+              <a:rPr lang="en-US" sz="3200" dirty="0">
+                <a:solidFill>
+                  <a:schemeClr val="bg1"/>
+                </a:solidFill>
+              </a:rPr>
               <a:t>Insurance Pricing 101: Harder to Match Price to Risk</a:t>
             </a:r>
           </a:p>
@@ -4430,8 +5137,8 @@
         </p:nvSpPr>
         <p:spPr>
           <a:xfrm>
-            <a:off x="1353312" y="5916168"/>
-            <a:ext cx="9119156" cy="646331"/>
+            <a:off x="1143248" y="6051575"/>
+            <a:ext cx="9895533" cy="646331"/>
           </a:xfrm>
           <a:prstGeom prst="rect">
             <a:avLst/>
@@ -4445,13 +5152,13 @@
           <a:lstStyle/>
           <a:p>
             <a:r>
-              <a:rPr lang="en-US" dirty="0"/>
+              <a:rPr lang="en-US" b="1" dirty="0"/>
               <a:t>We can think of this as a regression problem</a:t>
             </a:r>
           </a:p>
           <a:p>
             <a:r>
-              <a:rPr lang="en-US" dirty="0"/>
+              <a:rPr lang="en-US" b="1" dirty="0"/>
               <a:t>Chronically underpredicting high-risk policies shifts the burden of risk to lower risk policies</a:t>
             </a:r>
           </a:p>
@@ -4472,13 +5179,13 @@
           <p:nvPr>
             <p:extLst>
               <p:ext uri="{D42A27DB-BD31-4B8C-83A1-F6EECF244321}">
-                <p14:modId xmlns:p14="http://schemas.microsoft.com/office/powerpoint/2010/main" val="643753243"/>
+                <p14:modId xmlns:p14="http://schemas.microsoft.com/office/powerpoint/2010/main" val="3556883884"/>
               </p:ext>
             </p:extLst>
           </p:nvPr>
         </p:nvGraphicFramePr>
         <p:xfrm>
-          <a:off x="682257" y="1378819"/>
+          <a:off x="1143248" y="1560386"/>
           <a:ext cx="2147207" cy="4351341"/>
         </p:xfrm>
         <a:graphic>
@@ -5119,7 +5826,7 @@
                     <a:p>
                       <a:pPr algn="r" fontAlgn="b"/>
                       <a:r>
-                        <a:rPr lang="en-US" sz="2100" b="1" i="0" u="none" strike="noStrike">
+                        <a:rPr lang="en-US" sz="2100" b="1" i="0" u="none" strike="noStrike" dirty="0">
                           <a:solidFill>
                             <a:srgbClr val="196B24"/>
                           </a:solidFill>
@@ -5396,13 +6103,13 @@
           <p:nvPr>
             <p:extLst>
               <p:ext uri="{D42A27DB-BD31-4B8C-83A1-F6EECF244321}">
-                <p14:modId xmlns:p14="http://schemas.microsoft.com/office/powerpoint/2010/main" val="1608804130"/>
+                <p14:modId xmlns:p14="http://schemas.microsoft.com/office/powerpoint/2010/main" val="3515533451"/>
               </p:ext>
             </p:extLst>
           </p:nvPr>
         </p:nvGraphicFramePr>
         <p:xfrm>
-          <a:off x="4304809" y="1377411"/>
+          <a:off x="4679527" y="1560387"/>
           <a:ext cx="2622201" cy="4351341"/>
         </p:xfrm>
         <a:graphic>
@@ -5893,7 +6600,7 @@
                     <a:p>
                       <a:pPr algn="r" fontAlgn="b"/>
                       <a:r>
-                        <a:rPr lang="en-US" sz="2100" b="1" i="0" u="none" strike="noStrike">
+                        <a:rPr lang="en-US" sz="2100" b="1" i="0" u="none" strike="noStrike" dirty="0">
                           <a:solidFill>
                             <a:srgbClr val="196B24"/>
                           </a:solidFill>
@@ -6320,13 +7027,13 @@
           <p:nvPr>
             <p:extLst>
               <p:ext uri="{D42A27DB-BD31-4B8C-83A1-F6EECF244321}">
-                <p14:modId xmlns:p14="http://schemas.microsoft.com/office/powerpoint/2010/main" val="693880219"/>
+                <p14:modId xmlns:p14="http://schemas.microsoft.com/office/powerpoint/2010/main" val="2547285302"/>
               </p:ext>
             </p:extLst>
           </p:nvPr>
         </p:nvGraphicFramePr>
         <p:xfrm>
-          <a:off x="8259480" y="1413341"/>
+          <a:off x="8690800" y="1560388"/>
           <a:ext cx="2445901" cy="4351341"/>
         </p:xfrm>
         <a:graphic>
@@ -6858,7 +7565,7 @@
                     <a:p>
                       <a:pPr algn="r" fontAlgn="b"/>
                       <a:r>
-                        <a:rPr lang="en-US" sz="2100" b="1" i="0" u="none" strike="noStrike">
+                        <a:rPr lang="en-US" sz="2100" b="1" i="0" u="none" strike="noStrike" dirty="0">
                           <a:solidFill>
                             <a:srgbClr val="196B24"/>
                           </a:solidFill>
@@ -7267,6 +7974,55 @@
       </p:grpSpPr>
       <p:sp>
         <p:nvSpPr>
+          <p:cNvPr id="6" name="Rectangle 5">
+            <a:extLst>
+              <a:ext uri="{FF2B5EF4-FFF2-40B4-BE49-F238E27FC236}">
+                <a16:creationId xmlns:a16="http://schemas.microsoft.com/office/drawing/2014/main" id="{A28D9C68-8FF3-6F1A-B685-04D248BDE5AB}"/>
+              </a:ext>
+            </a:extLst>
+          </p:cNvPr>
+          <p:cNvSpPr/>
+          <p:nvPr/>
+        </p:nvSpPr>
+        <p:spPr>
+          <a:xfrm>
+            <a:off x="0" y="0"/>
+            <a:ext cx="12192000" cy="1690688"/>
+          </a:xfrm>
+          <a:prstGeom prst="rect">
+            <a:avLst/>
+          </a:prstGeom>
+          <a:solidFill>
+            <a:schemeClr val="tx2"/>
+          </a:solidFill>
+        </p:spPr>
+        <p:style>
+          <a:lnRef idx="2">
+            <a:schemeClr val="dk1">
+              <a:shade val="15000"/>
+            </a:schemeClr>
+          </a:lnRef>
+          <a:fillRef idx="1">
+            <a:schemeClr val="dk1"/>
+          </a:fillRef>
+          <a:effectRef idx="0">
+            <a:schemeClr val="dk1"/>
+          </a:effectRef>
+          <a:fontRef idx="minor">
+            <a:schemeClr val="lt1"/>
+          </a:fontRef>
+        </p:style>
+        <p:txBody>
+          <a:bodyPr rtlCol="0" anchor="ctr"/>
+          <a:lstStyle/>
+          <a:p>
+            <a:pPr algn="ctr"/>
+            <a:endParaRPr lang="en-US"/>
+          </a:p>
+        </p:txBody>
+      </p:sp>
+      <p:sp>
+        <p:nvSpPr>
           <p:cNvPr id="2" name="Title 1">
             <a:extLst>
               <a:ext uri="{FF2B5EF4-FFF2-40B4-BE49-F238E27FC236}">
@@ -7289,14 +8045,26 @@
           <a:lstStyle/>
           <a:p>
             <a:r>
-              <a:rPr lang="en-US" dirty="0"/>
+              <a:rPr lang="en-US" dirty="0">
+                <a:solidFill>
+                  <a:schemeClr val="bg1"/>
+                </a:solidFill>
+              </a:rPr>
               <a:t>Climate Change’s Impact on Home Insurance</a:t>
             </a:r>
             <a:br>
-              <a:rPr lang="en-US" dirty="0"/>
+              <a:rPr lang="en-US" dirty="0">
+                <a:solidFill>
+                  <a:schemeClr val="bg1"/>
+                </a:solidFill>
+              </a:rPr>
             </a:br>
             <a:r>
-              <a:rPr lang="en-US" sz="3100" dirty="0"/>
+              <a:rPr lang="en-US" sz="3100" dirty="0">
+                <a:solidFill>
+                  <a:schemeClr val="bg1"/>
+                </a:solidFill>
+              </a:rPr>
               <a:t>Several Factors Hamper our ability to Match Price to Risk</a:t>
             </a:r>
           </a:p>
@@ -8065,6 +8833,55 @@
       </p:grpSpPr>
       <p:sp>
         <p:nvSpPr>
+          <p:cNvPr id="4" name="Rectangle 3">
+            <a:extLst>
+              <a:ext uri="{FF2B5EF4-FFF2-40B4-BE49-F238E27FC236}">
+                <a16:creationId xmlns:a16="http://schemas.microsoft.com/office/drawing/2014/main" id="{F5A726DA-2C99-6066-20CC-AED3E9B07026}"/>
+              </a:ext>
+            </a:extLst>
+          </p:cNvPr>
+          <p:cNvSpPr/>
+          <p:nvPr/>
+        </p:nvSpPr>
+        <p:spPr>
+          <a:xfrm>
+            <a:off x="0" y="0"/>
+            <a:ext cx="12192000" cy="1690688"/>
+          </a:xfrm>
+          <a:prstGeom prst="rect">
+            <a:avLst/>
+          </a:prstGeom>
+          <a:solidFill>
+            <a:schemeClr val="tx2"/>
+          </a:solidFill>
+        </p:spPr>
+        <p:style>
+          <a:lnRef idx="2">
+            <a:schemeClr val="dk1">
+              <a:shade val="15000"/>
+            </a:schemeClr>
+          </a:lnRef>
+          <a:fillRef idx="1">
+            <a:schemeClr val="dk1"/>
+          </a:fillRef>
+          <a:effectRef idx="0">
+            <a:schemeClr val="dk1"/>
+          </a:effectRef>
+          <a:fontRef idx="minor">
+            <a:schemeClr val="lt1"/>
+          </a:fontRef>
+        </p:style>
+        <p:txBody>
+          <a:bodyPr rtlCol="0" anchor="ctr"/>
+          <a:lstStyle/>
+          <a:p>
+            <a:pPr algn="ctr"/>
+            <a:endParaRPr lang="en-US"/>
+          </a:p>
+        </p:txBody>
+      </p:sp>
+      <p:sp>
+        <p:nvSpPr>
           <p:cNvPr id="2" name="Title 1">
             <a:extLst>
               <a:ext uri="{FF2B5EF4-FFF2-40B4-BE49-F238E27FC236}">
@@ -8085,7 +8902,11 @@
           <a:lstStyle/>
           <a:p>
             <a:r>
-              <a:rPr lang="en-US" dirty="0"/>
+              <a:rPr lang="en-US" dirty="0">
+                <a:solidFill>
+                  <a:schemeClr val="bg1"/>
+                </a:solidFill>
+              </a:rPr>
               <a:t>Private Solutions</a:t>
             </a:r>
           </a:p>
@@ -8160,6 +8981,55 @@
       </p:grpSpPr>
       <p:sp>
         <p:nvSpPr>
+          <p:cNvPr id="4" name="Rectangle 3">
+            <a:extLst>
+              <a:ext uri="{FF2B5EF4-FFF2-40B4-BE49-F238E27FC236}">
+                <a16:creationId xmlns:a16="http://schemas.microsoft.com/office/drawing/2014/main" id="{A14010E0-6B9A-7A93-7949-8954AA6D0B30}"/>
+              </a:ext>
+            </a:extLst>
+          </p:cNvPr>
+          <p:cNvSpPr/>
+          <p:nvPr/>
+        </p:nvSpPr>
+        <p:spPr>
+          <a:xfrm>
+            <a:off x="0" y="0"/>
+            <a:ext cx="12192000" cy="1690688"/>
+          </a:xfrm>
+          <a:prstGeom prst="rect">
+            <a:avLst/>
+          </a:prstGeom>
+          <a:solidFill>
+            <a:schemeClr val="tx2"/>
+          </a:solidFill>
+        </p:spPr>
+        <p:style>
+          <a:lnRef idx="2">
+            <a:schemeClr val="dk1">
+              <a:shade val="15000"/>
+            </a:schemeClr>
+          </a:lnRef>
+          <a:fillRef idx="1">
+            <a:schemeClr val="dk1"/>
+          </a:fillRef>
+          <a:effectRef idx="0">
+            <a:schemeClr val="dk1"/>
+          </a:effectRef>
+          <a:fontRef idx="minor">
+            <a:schemeClr val="lt1"/>
+          </a:fontRef>
+        </p:style>
+        <p:txBody>
+          <a:bodyPr rtlCol="0" anchor="ctr"/>
+          <a:lstStyle/>
+          <a:p>
+            <a:pPr algn="ctr"/>
+            <a:endParaRPr lang="en-US"/>
+          </a:p>
+        </p:txBody>
+      </p:sp>
+      <p:sp>
+        <p:nvSpPr>
           <p:cNvPr id="2" name="Title 1">
             <a:extLst>
               <a:ext uri="{FF2B5EF4-FFF2-40B4-BE49-F238E27FC236}">
@@ -8180,7 +9050,11 @@
           <a:lstStyle/>
           <a:p>
             <a:r>
-              <a:rPr lang="en-US" dirty="0"/>
+              <a:rPr lang="en-US" dirty="0">
+                <a:solidFill>
+                  <a:schemeClr val="bg1"/>
+                </a:solidFill>
+              </a:rPr>
               <a:t>Private Solutions</a:t>
             </a:r>
           </a:p>
@@ -8374,6 +9248,55 @@
       </p:grpSpPr>
       <p:sp>
         <p:nvSpPr>
+          <p:cNvPr id="4" name="Rectangle 3">
+            <a:extLst>
+              <a:ext uri="{FF2B5EF4-FFF2-40B4-BE49-F238E27FC236}">
+                <a16:creationId xmlns:a16="http://schemas.microsoft.com/office/drawing/2014/main" id="{F7CEA782-3918-5DBC-E751-1600286DBE94}"/>
+              </a:ext>
+            </a:extLst>
+          </p:cNvPr>
+          <p:cNvSpPr/>
+          <p:nvPr/>
+        </p:nvSpPr>
+        <p:spPr>
+          <a:xfrm>
+            <a:off x="0" y="0"/>
+            <a:ext cx="12192000" cy="1690688"/>
+          </a:xfrm>
+          <a:prstGeom prst="rect">
+            <a:avLst/>
+          </a:prstGeom>
+          <a:solidFill>
+            <a:schemeClr val="tx2"/>
+          </a:solidFill>
+        </p:spPr>
+        <p:style>
+          <a:lnRef idx="2">
+            <a:schemeClr val="dk1">
+              <a:shade val="15000"/>
+            </a:schemeClr>
+          </a:lnRef>
+          <a:fillRef idx="1">
+            <a:schemeClr val="dk1"/>
+          </a:fillRef>
+          <a:effectRef idx="0">
+            <a:schemeClr val="dk1"/>
+          </a:effectRef>
+          <a:fontRef idx="minor">
+            <a:schemeClr val="lt1"/>
+          </a:fontRef>
+        </p:style>
+        <p:txBody>
+          <a:bodyPr rtlCol="0" anchor="ctr"/>
+          <a:lstStyle/>
+          <a:p>
+            <a:pPr algn="ctr"/>
+            <a:endParaRPr lang="en-US"/>
+          </a:p>
+        </p:txBody>
+      </p:sp>
+      <p:sp>
+        <p:nvSpPr>
           <p:cNvPr id="2" name="Title 1">
             <a:extLst>
               <a:ext uri="{FF2B5EF4-FFF2-40B4-BE49-F238E27FC236}">
@@ -8394,7 +9317,11 @@
           <a:lstStyle/>
           <a:p>
             <a:r>
-              <a:rPr lang="en-US" dirty="0"/>
+              <a:rPr lang="en-US" dirty="0">
+                <a:solidFill>
+                  <a:schemeClr val="bg1"/>
+                </a:solidFill>
+              </a:rPr>
               <a:t>Private Solutions</a:t>
             </a:r>
           </a:p>
@@ -8582,6 +9509,55 @@
       </p:grpSpPr>
       <p:sp>
         <p:nvSpPr>
+          <p:cNvPr id="4" name="Rectangle 3">
+            <a:extLst>
+              <a:ext uri="{FF2B5EF4-FFF2-40B4-BE49-F238E27FC236}">
+                <a16:creationId xmlns:a16="http://schemas.microsoft.com/office/drawing/2014/main" id="{6B217F20-06DE-29B6-922A-43A2D194E7AE}"/>
+              </a:ext>
+            </a:extLst>
+          </p:cNvPr>
+          <p:cNvSpPr/>
+          <p:nvPr/>
+        </p:nvSpPr>
+        <p:spPr>
+          <a:xfrm>
+            <a:off x="0" y="0"/>
+            <a:ext cx="12192000" cy="1690688"/>
+          </a:xfrm>
+          <a:prstGeom prst="rect">
+            <a:avLst/>
+          </a:prstGeom>
+          <a:solidFill>
+            <a:schemeClr val="tx2"/>
+          </a:solidFill>
+        </p:spPr>
+        <p:style>
+          <a:lnRef idx="2">
+            <a:schemeClr val="dk1">
+              <a:shade val="15000"/>
+            </a:schemeClr>
+          </a:lnRef>
+          <a:fillRef idx="1">
+            <a:schemeClr val="dk1"/>
+          </a:fillRef>
+          <a:effectRef idx="0">
+            <a:schemeClr val="dk1"/>
+          </a:effectRef>
+          <a:fontRef idx="minor">
+            <a:schemeClr val="lt1"/>
+          </a:fontRef>
+        </p:style>
+        <p:txBody>
+          <a:bodyPr rtlCol="0" anchor="ctr"/>
+          <a:lstStyle/>
+          <a:p>
+            <a:pPr algn="ctr"/>
+            <a:endParaRPr lang="en-US"/>
+          </a:p>
+        </p:txBody>
+      </p:sp>
+      <p:sp>
+        <p:nvSpPr>
           <p:cNvPr id="2" name="Title 1">
             <a:extLst>
               <a:ext uri="{FF2B5EF4-FFF2-40B4-BE49-F238E27FC236}">
@@ -8602,7 +9578,11 @@
           <a:lstStyle/>
           <a:p>
             <a:r>
-              <a:rPr lang="en-US" dirty="0"/>
+              <a:rPr lang="en-US" dirty="0">
+                <a:solidFill>
+                  <a:schemeClr val="bg1"/>
+                </a:solidFill>
+              </a:rPr>
               <a:t>Private Solutions</a:t>
             </a:r>
           </a:p>
@@ -8686,6 +9666,55 @@
       </p:grpSpPr>
       <p:sp>
         <p:nvSpPr>
+          <p:cNvPr id="4" name="Rectangle 3">
+            <a:extLst>
+              <a:ext uri="{FF2B5EF4-FFF2-40B4-BE49-F238E27FC236}">
+                <a16:creationId xmlns:a16="http://schemas.microsoft.com/office/drawing/2014/main" id="{B2682F44-84F6-5A94-DA60-E3D4A1B7D104}"/>
+              </a:ext>
+            </a:extLst>
+          </p:cNvPr>
+          <p:cNvSpPr/>
+          <p:nvPr/>
+        </p:nvSpPr>
+        <p:spPr>
+          <a:xfrm>
+            <a:off x="0" y="0"/>
+            <a:ext cx="12192000" cy="1690688"/>
+          </a:xfrm>
+          <a:prstGeom prst="rect">
+            <a:avLst/>
+          </a:prstGeom>
+          <a:solidFill>
+            <a:schemeClr val="tx2"/>
+          </a:solidFill>
+        </p:spPr>
+        <p:style>
+          <a:lnRef idx="2">
+            <a:schemeClr val="dk1">
+              <a:shade val="15000"/>
+            </a:schemeClr>
+          </a:lnRef>
+          <a:fillRef idx="1">
+            <a:schemeClr val="dk1"/>
+          </a:fillRef>
+          <a:effectRef idx="0">
+            <a:schemeClr val="dk1"/>
+          </a:effectRef>
+          <a:fontRef idx="minor">
+            <a:schemeClr val="lt1"/>
+          </a:fontRef>
+        </p:style>
+        <p:txBody>
+          <a:bodyPr rtlCol="0" anchor="ctr"/>
+          <a:lstStyle/>
+          <a:p>
+            <a:pPr algn="ctr"/>
+            <a:endParaRPr lang="en-US"/>
+          </a:p>
+        </p:txBody>
+      </p:sp>
+      <p:sp>
+        <p:nvSpPr>
           <p:cNvPr id="2" name="Title 1">
             <a:extLst>
               <a:ext uri="{FF2B5EF4-FFF2-40B4-BE49-F238E27FC236}">
@@ -8706,7 +9735,11 @@
           <a:lstStyle/>
           <a:p>
             <a:r>
-              <a:rPr lang="en-US" dirty="0"/>
+              <a:rPr lang="en-US" dirty="0">
+                <a:solidFill>
+                  <a:schemeClr val="bg1"/>
+                </a:solidFill>
+              </a:rPr>
               <a:t>Private Solutions</a:t>
             </a:r>
           </a:p>
@@ -8808,6 +9841,55 @@
       </p:grpSpPr>
       <p:sp>
         <p:nvSpPr>
+          <p:cNvPr id="4" name="Rectangle 3">
+            <a:extLst>
+              <a:ext uri="{FF2B5EF4-FFF2-40B4-BE49-F238E27FC236}">
+                <a16:creationId xmlns:a16="http://schemas.microsoft.com/office/drawing/2014/main" id="{0E2B3FA3-4797-61DC-E2BA-2AB3B2573454}"/>
+              </a:ext>
+            </a:extLst>
+          </p:cNvPr>
+          <p:cNvSpPr/>
+          <p:nvPr/>
+        </p:nvSpPr>
+        <p:spPr>
+          <a:xfrm>
+            <a:off x="0" y="0"/>
+            <a:ext cx="12192000" cy="1690688"/>
+          </a:xfrm>
+          <a:prstGeom prst="rect">
+            <a:avLst/>
+          </a:prstGeom>
+          <a:solidFill>
+            <a:schemeClr val="tx2"/>
+          </a:solidFill>
+        </p:spPr>
+        <p:style>
+          <a:lnRef idx="2">
+            <a:schemeClr val="dk1">
+              <a:shade val="15000"/>
+            </a:schemeClr>
+          </a:lnRef>
+          <a:fillRef idx="1">
+            <a:schemeClr val="dk1"/>
+          </a:fillRef>
+          <a:effectRef idx="0">
+            <a:schemeClr val="dk1"/>
+          </a:effectRef>
+          <a:fontRef idx="minor">
+            <a:schemeClr val="lt1"/>
+          </a:fontRef>
+        </p:style>
+        <p:txBody>
+          <a:bodyPr rtlCol="0" anchor="ctr"/>
+          <a:lstStyle/>
+          <a:p>
+            <a:pPr algn="ctr"/>
+            <a:endParaRPr lang="en-US"/>
+          </a:p>
+        </p:txBody>
+      </p:sp>
+      <p:sp>
+        <p:nvSpPr>
           <p:cNvPr id="2" name="Title 1">
             <a:extLst>
               <a:ext uri="{FF2B5EF4-FFF2-40B4-BE49-F238E27FC236}">
@@ -8828,7 +9910,11 @@
           <a:lstStyle/>
           <a:p>
             <a:r>
-              <a:rPr lang="en-US" dirty="0"/>
+              <a:rPr lang="en-US" dirty="0">
+                <a:solidFill>
+                  <a:schemeClr val="bg1"/>
+                </a:solidFill>
+              </a:rPr>
               <a:t>Private Solutions</a:t>
             </a:r>
           </a:p>
@@ -8933,6 +10019,55 @@
       </p:grpSpPr>
       <p:sp>
         <p:nvSpPr>
+          <p:cNvPr id="4" name="Rectangle 3">
+            <a:extLst>
+              <a:ext uri="{FF2B5EF4-FFF2-40B4-BE49-F238E27FC236}">
+                <a16:creationId xmlns:a16="http://schemas.microsoft.com/office/drawing/2014/main" id="{1BFD13F7-8A53-2351-DF27-8A1171995EA9}"/>
+              </a:ext>
+            </a:extLst>
+          </p:cNvPr>
+          <p:cNvSpPr/>
+          <p:nvPr/>
+        </p:nvSpPr>
+        <p:spPr>
+          <a:xfrm>
+            <a:off x="0" y="0"/>
+            <a:ext cx="12192000" cy="1690688"/>
+          </a:xfrm>
+          <a:prstGeom prst="rect">
+            <a:avLst/>
+          </a:prstGeom>
+          <a:solidFill>
+            <a:schemeClr val="tx2"/>
+          </a:solidFill>
+        </p:spPr>
+        <p:style>
+          <a:lnRef idx="2">
+            <a:schemeClr val="dk1">
+              <a:shade val="15000"/>
+            </a:schemeClr>
+          </a:lnRef>
+          <a:fillRef idx="1">
+            <a:schemeClr val="dk1"/>
+          </a:fillRef>
+          <a:effectRef idx="0">
+            <a:schemeClr val="dk1"/>
+          </a:effectRef>
+          <a:fontRef idx="minor">
+            <a:schemeClr val="lt1"/>
+          </a:fontRef>
+        </p:style>
+        <p:txBody>
+          <a:bodyPr rtlCol="0" anchor="ctr"/>
+          <a:lstStyle/>
+          <a:p>
+            <a:pPr algn="ctr"/>
+            <a:endParaRPr lang="en-US"/>
+          </a:p>
+        </p:txBody>
+      </p:sp>
+      <p:sp>
+        <p:nvSpPr>
           <p:cNvPr id="2" name="Title 1">
             <a:extLst>
               <a:ext uri="{FF2B5EF4-FFF2-40B4-BE49-F238E27FC236}">
@@ -8953,7 +10088,11 @@
           <a:lstStyle/>
           <a:p>
             <a:r>
-              <a:rPr lang="en-US" dirty="0"/>
+              <a:rPr lang="en-US" dirty="0">
+                <a:solidFill>
+                  <a:schemeClr val="bg1"/>
+                </a:solidFill>
+              </a:rPr>
               <a:t>Private Solutions</a:t>
             </a:r>
           </a:p>
@@ -9074,6 +10213,55 @@
       </p:grpSpPr>
       <p:sp>
         <p:nvSpPr>
+          <p:cNvPr id="4" name="Rectangle 3">
+            <a:extLst>
+              <a:ext uri="{FF2B5EF4-FFF2-40B4-BE49-F238E27FC236}">
+                <a16:creationId xmlns:a16="http://schemas.microsoft.com/office/drawing/2014/main" id="{97240288-309C-09EF-21C8-7DBF30E3E129}"/>
+              </a:ext>
+            </a:extLst>
+          </p:cNvPr>
+          <p:cNvSpPr/>
+          <p:nvPr/>
+        </p:nvSpPr>
+        <p:spPr>
+          <a:xfrm>
+            <a:off x="0" y="0"/>
+            <a:ext cx="12192000" cy="1690688"/>
+          </a:xfrm>
+          <a:prstGeom prst="rect">
+            <a:avLst/>
+          </a:prstGeom>
+          <a:solidFill>
+            <a:schemeClr val="tx2"/>
+          </a:solidFill>
+        </p:spPr>
+        <p:style>
+          <a:lnRef idx="2">
+            <a:schemeClr val="dk1">
+              <a:shade val="15000"/>
+            </a:schemeClr>
+          </a:lnRef>
+          <a:fillRef idx="1">
+            <a:schemeClr val="dk1"/>
+          </a:fillRef>
+          <a:effectRef idx="0">
+            <a:schemeClr val="dk1"/>
+          </a:effectRef>
+          <a:fontRef idx="minor">
+            <a:schemeClr val="lt1"/>
+          </a:fontRef>
+        </p:style>
+        <p:txBody>
+          <a:bodyPr rtlCol="0" anchor="ctr"/>
+          <a:lstStyle/>
+          <a:p>
+            <a:pPr algn="ctr"/>
+            <a:endParaRPr lang="en-US"/>
+          </a:p>
+        </p:txBody>
+      </p:sp>
+      <p:sp>
+        <p:nvSpPr>
           <p:cNvPr id="2" name="Title 1">
             <a:extLst>
               <a:ext uri="{FF2B5EF4-FFF2-40B4-BE49-F238E27FC236}">
@@ -9094,7 +10282,11 @@
           <a:lstStyle/>
           <a:p>
             <a:r>
-              <a:rPr lang="en-US" dirty="0"/>
+              <a:rPr lang="en-US" dirty="0">
+                <a:solidFill>
+                  <a:schemeClr val="bg1"/>
+                </a:solidFill>
+              </a:rPr>
               <a:t>Public Solutions</a:t>
             </a:r>
           </a:p>
@@ -9211,6 +10403,55 @@
       </p:grpSpPr>
       <p:sp>
         <p:nvSpPr>
+          <p:cNvPr id="4" name="Rectangle 3">
+            <a:extLst>
+              <a:ext uri="{FF2B5EF4-FFF2-40B4-BE49-F238E27FC236}">
+                <a16:creationId xmlns:a16="http://schemas.microsoft.com/office/drawing/2014/main" id="{74C03209-3EDF-A1E4-4089-1D691720F7CF}"/>
+              </a:ext>
+            </a:extLst>
+          </p:cNvPr>
+          <p:cNvSpPr/>
+          <p:nvPr/>
+        </p:nvSpPr>
+        <p:spPr>
+          <a:xfrm>
+            <a:off x="0" y="0"/>
+            <a:ext cx="12192000" cy="1690688"/>
+          </a:xfrm>
+          <a:prstGeom prst="rect">
+            <a:avLst/>
+          </a:prstGeom>
+          <a:solidFill>
+            <a:schemeClr val="tx2"/>
+          </a:solidFill>
+        </p:spPr>
+        <p:style>
+          <a:lnRef idx="2">
+            <a:schemeClr val="dk1">
+              <a:shade val="15000"/>
+            </a:schemeClr>
+          </a:lnRef>
+          <a:fillRef idx="1">
+            <a:schemeClr val="dk1"/>
+          </a:fillRef>
+          <a:effectRef idx="0">
+            <a:schemeClr val="dk1"/>
+          </a:effectRef>
+          <a:fontRef idx="minor">
+            <a:schemeClr val="lt1"/>
+          </a:fontRef>
+        </p:style>
+        <p:txBody>
+          <a:bodyPr rtlCol="0" anchor="ctr"/>
+          <a:lstStyle/>
+          <a:p>
+            <a:pPr algn="ctr"/>
+            <a:endParaRPr lang="en-US"/>
+          </a:p>
+        </p:txBody>
+      </p:sp>
+      <p:sp>
+        <p:nvSpPr>
           <p:cNvPr id="2" name="Title 1">
             <a:extLst>
               <a:ext uri="{FF2B5EF4-FFF2-40B4-BE49-F238E27FC236}">
@@ -9231,7 +10472,11 @@
           <a:lstStyle/>
           <a:p>
             <a:r>
-              <a:rPr lang="en-US" dirty="0"/>
+              <a:rPr lang="en-US" dirty="0">
+                <a:solidFill>
+                  <a:schemeClr val="bg1"/>
+                </a:solidFill>
+              </a:rPr>
               <a:t>Caveat</a:t>
             </a:r>
           </a:p>
@@ -9289,7 +10534,7 @@
         <p:cNvPr id="1" name="">
           <a:extLst>
             <a:ext uri="{FF2B5EF4-FFF2-40B4-BE49-F238E27FC236}">
-              <a16:creationId xmlns:a16="http://schemas.microsoft.com/office/drawing/2014/main" id="{A4663121-42A6-4DEB-9B71-AAD7DA87B3D9}"/>
+              <a16:creationId xmlns:a16="http://schemas.microsoft.com/office/drawing/2014/main" id="{75E4CFB3-9C80-A1E7-9DE5-9A86219E65B6}"/>
             </a:ext>
           </a:extLst>
         </p:cNvPr>
@@ -9306,10 +10551,59 @@
       </p:grpSpPr>
       <p:sp>
         <p:nvSpPr>
+          <p:cNvPr id="8" name="Rectangle 7">
+            <a:extLst>
+              <a:ext uri="{FF2B5EF4-FFF2-40B4-BE49-F238E27FC236}">
+                <a16:creationId xmlns:a16="http://schemas.microsoft.com/office/drawing/2014/main" id="{321B0668-9AE6-4FE9-FB7B-2F55CB6E76D5}"/>
+              </a:ext>
+            </a:extLst>
+          </p:cNvPr>
+          <p:cNvSpPr/>
+          <p:nvPr/>
+        </p:nvSpPr>
+        <p:spPr>
+          <a:xfrm>
+            <a:off x="0" y="0"/>
+            <a:ext cx="12192000" cy="1690688"/>
+          </a:xfrm>
+          <a:prstGeom prst="rect">
+            <a:avLst/>
+          </a:prstGeom>
+          <a:solidFill>
+            <a:schemeClr val="tx2"/>
+          </a:solidFill>
+        </p:spPr>
+        <p:style>
+          <a:lnRef idx="2">
+            <a:schemeClr val="dk1">
+              <a:shade val="15000"/>
+            </a:schemeClr>
+          </a:lnRef>
+          <a:fillRef idx="1">
+            <a:schemeClr val="dk1"/>
+          </a:fillRef>
+          <a:effectRef idx="0">
+            <a:schemeClr val="dk1"/>
+          </a:effectRef>
+          <a:fontRef idx="minor">
+            <a:schemeClr val="lt1"/>
+          </a:fontRef>
+        </p:style>
+        <p:txBody>
+          <a:bodyPr rtlCol="0" anchor="ctr"/>
+          <a:lstStyle/>
+          <a:p>
+            <a:pPr algn="ctr"/>
+            <a:endParaRPr lang="en-US"/>
+          </a:p>
+        </p:txBody>
+      </p:sp>
+      <p:sp>
+        <p:nvSpPr>
           <p:cNvPr id="2" name="Title 1">
             <a:extLst>
               <a:ext uri="{FF2B5EF4-FFF2-40B4-BE49-F238E27FC236}">
-                <a16:creationId xmlns:a16="http://schemas.microsoft.com/office/drawing/2014/main" id="{9AA8841E-B47F-7168-CD37-C41E8A6E23AC}"/>
+                <a16:creationId xmlns:a16="http://schemas.microsoft.com/office/drawing/2014/main" id="{C06989E8-D84C-3F31-7F0C-3D438C0FE298}"/>
               </a:ext>
             </a:extLst>
           </p:cNvPr>
@@ -9322,7 +10616,7 @@
         </p:nvSpPr>
         <p:spPr>
           <a:xfrm>
-            <a:off x="838200" y="80055"/>
+            <a:off x="838200" y="79049"/>
             <a:ext cx="10515600" cy="1325563"/>
           </a:xfrm>
         </p:spPr>
@@ -9331,7 +10625,11 @@
           <a:lstStyle/>
           <a:p>
             <a:r>
-              <a:rPr lang="en-US" dirty="0"/>
+              <a:rPr lang="en-US" dirty="0">
+                <a:solidFill>
+                  <a:schemeClr val="bg1"/>
+                </a:solidFill>
+              </a:rPr>
               <a:t>Bringing it all Home: How Insurance Can Incentivize Climate Resilience</a:t>
             </a:r>
           </a:p>
@@ -9342,7 +10640,7 @@
           <p:cNvPr id="3" name="TextBox 2">
             <a:extLst>
               <a:ext uri="{FF2B5EF4-FFF2-40B4-BE49-F238E27FC236}">
-                <a16:creationId xmlns:a16="http://schemas.microsoft.com/office/drawing/2014/main" id="{DC992DA0-DC43-B6D9-530E-CF25CBB72AF9}"/>
+                <a16:creationId xmlns:a16="http://schemas.microsoft.com/office/drawing/2014/main" id="{A615D1D3-BB8A-4D38-E7B6-0C31DC050D15}"/>
               </a:ext>
             </a:extLst>
           </p:cNvPr>
@@ -9351,7 +10649,7 @@
         </p:nvSpPr>
         <p:spPr>
           <a:xfrm>
-            <a:off x="838199" y="1571149"/>
+            <a:off x="838200" y="1901107"/>
             <a:ext cx="11170917" cy="830997"/>
           </a:xfrm>
           <a:prstGeom prst="rect">
@@ -9372,115 +10670,46 @@
           </a:p>
         </p:txBody>
       </p:sp>
-      <p:sp>
-        <p:nvSpPr>
-          <p:cNvPr id="4" name="TextBox 3">
-            <a:extLst>
-              <a:ext uri="{FF2B5EF4-FFF2-40B4-BE49-F238E27FC236}">
-                <a16:creationId xmlns:a16="http://schemas.microsoft.com/office/drawing/2014/main" id="{F7E0D945-278D-ECEF-C9C2-BA94E6097585}"/>
-              </a:ext>
-            </a:extLst>
-          </p:cNvPr>
-          <p:cNvSpPr txBox="1"/>
+      <p:pic>
+        <p:nvPicPr>
+          <p:cNvPr id="10" name="Picture 9" descr="A black arrow pointing to the left&#10;&#10;AI-generated content may be incorrect.">
+            <a:extLst>
+              <a:ext uri="{FF2B5EF4-FFF2-40B4-BE49-F238E27FC236}">
+                <a16:creationId xmlns:a16="http://schemas.microsoft.com/office/drawing/2014/main" id="{C3939056-296F-17E6-6BFC-CAA600DC7F0F}"/>
+              </a:ext>
+            </a:extLst>
+          </p:cNvPr>
+          <p:cNvPicPr>
+            <a:picLocks noChangeAspect="1"/>
+          </p:cNvPicPr>
           <p:nvPr/>
-        </p:nvSpPr>
+        </p:nvPicPr>
+        <p:blipFill>
+          <a:blip r:embed="rId2">
+            <a:extLst>
+              <a:ext uri="{28A0092B-C50C-407E-A947-70E740481C1C}">
+                <a14:useLocalDpi xmlns:a14="http://schemas.microsoft.com/office/drawing/2010/main" val="0"/>
+              </a:ext>
+            </a:extLst>
+          </a:blip>
+          <a:stretch>
+            <a:fillRect/>
+          </a:stretch>
+        </p:blipFill>
         <p:spPr>
           <a:xfrm>
-            <a:off x="2443343" y="3264668"/>
-            <a:ext cx="2075688" cy="1200329"/>
+            <a:off x="2551624" y="3092301"/>
+            <a:ext cx="5829300" cy="828675"/>
           </a:xfrm>
           <a:prstGeom prst="rect">
             <a:avLst/>
           </a:prstGeom>
-          <a:noFill/>
         </p:spPr>
-        <p:txBody>
-          <a:bodyPr wrap="square" rtlCol="0">
-            <a:spAutoFit/>
-          </a:bodyPr>
-          <a:lstStyle/>
-          <a:p>
-            <a:r>
-              <a:rPr lang="en-US" sz="2400" dirty="0"/>
-              <a:t>Discount From Home Hardening</a:t>
-            </a:r>
-          </a:p>
-        </p:txBody>
-      </p:sp>
-      <p:sp>
-        <p:nvSpPr>
-          <p:cNvPr id="5" name="TextBox 4">
-            <a:extLst>
-              <a:ext uri="{FF2B5EF4-FFF2-40B4-BE49-F238E27FC236}">
-                <a16:creationId xmlns:a16="http://schemas.microsoft.com/office/drawing/2014/main" id="{269630E7-0736-4FAA-947E-FCA1F98E402D}"/>
-              </a:ext>
-            </a:extLst>
-          </p:cNvPr>
-          <p:cNvSpPr txBox="1"/>
-          <p:nvPr/>
-        </p:nvSpPr>
-        <p:spPr>
-          <a:xfrm>
-            <a:off x="4787046" y="3709874"/>
-            <a:ext cx="412292" cy="461665"/>
-          </a:xfrm>
-          <a:prstGeom prst="rect">
-            <a:avLst/>
-          </a:prstGeom>
-          <a:noFill/>
-        </p:spPr>
-        <p:txBody>
-          <a:bodyPr wrap="none" rtlCol="0">
-            <a:spAutoFit/>
-          </a:bodyPr>
-          <a:lstStyle/>
-          <a:p>
-            <a:r>
-              <a:rPr lang="en-US" sz="2400" dirty="0"/>
-              <a:t>&gt; </a:t>
-            </a:r>
-          </a:p>
-        </p:txBody>
-      </p:sp>
-      <p:sp>
-        <p:nvSpPr>
-          <p:cNvPr id="6" name="TextBox 5">
-            <a:extLst>
-              <a:ext uri="{FF2B5EF4-FFF2-40B4-BE49-F238E27FC236}">
-                <a16:creationId xmlns:a16="http://schemas.microsoft.com/office/drawing/2014/main" id="{E501F9D8-2DA2-7973-87C5-EF28003EEBF2}"/>
-              </a:ext>
-            </a:extLst>
-          </p:cNvPr>
-          <p:cNvSpPr txBox="1"/>
-          <p:nvPr/>
-        </p:nvSpPr>
-        <p:spPr>
-          <a:xfrm>
-            <a:off x="5735951" y="3525207"/>
-            <a:ext cx="2267712" cy="830997"/>
-          </a:xfrm>
-          <a:prstGeom prst="rect">
-            <a:avLst/>
-          </a:prstGeom>
-          <a:noFill/>
-        </p:spPr>
-        <p:txBody>
-          <a:bodyPr wrap="square" rtlCol="0">
-            <a:spAutoFit/>
-          </a:bodyPr>
-          <a:lstStyle/>
-          <a:p>
-            <a:r>
-              <a:rPr lang="en-US" sz="2400" dirty="0"/>
-              <a:t>Cost of Home Hardening</a:t>
-            </a:r>
-          </a:p>
-        </p:txBody>
-      </p:sp>
+      </p:pic>
     </p:spTree>
     <p:extLst>
       <p:ext uri="{BB962C8B-B14F-4D97-AF65-F5344CB8AC3E}">
-        <p14:creationId xmlns:p14="http://schemas.microsoft.com/office/powerpoint/2010/main" val="806753495"/>
+        <p14:creationId xmlns:p14="http://schemas.microsoft.com/office/powerpoint/2010/main" val="1519855797"/>
       </p:ext>
     </p:extLst>
   </p:cSld>
@@ -9498,7 +10727,7 @@
         <p:cNvPr id="1" name="">
           <a:extLst>
             <a:ext uri="{FF2B5EF4-FFF2-40B4-BE49-F238E27FC236}">
-              <a16:creationId xmlns:a16="http://schemas.microsoft.com/office/drawing/2014/main" id="{EDB6E2C6-FF7B-07ED-D29C-D31E377C2AC1}"/>
+              <a16:creationId xmlns:a16="http://schemas.microsoft.com/office/drawing/2014/main" id="{A63E5CF8-5C97-CC85-016D-82E7F8B504BD}"/>
             </a:ext>
           </a:extLst>
         </p:cNvPr>
@@ -9515,10 +10744,59 @@
       </p:grpSpPr>
       <p:sp>
         <p:nvSpPr>
+          <p:cNvPr id="8" name="Rectangle 7">
+            <a:extLst>
+              <a:ext uri="{FF2B5EF4-FFF2-40B4-BE49-F238E27FC236}">
+                <a16:creationId xmlns:a16="http://schemas.microsoft.com/office/drawing/2014/main" id="{98047B34-25B6-7D95-A7C3-ADCF22F17721}"/>
+              </a:ext>
+            </a:extLst>
+          </p:cNvPr>
+          <p:cNvSpPr/>
+          <p:nvPr/>
+        </p:nvSpPr>
+        <p:spPr>
+          <a:xfrm>
+            <a:off x="0" y="0"/>
+            <a:ext cx="12192000" cy="1690688"/>
+          </a:xfrm>
+          <a:prstGeom prst="rect">
+            <a:avLst/>
+          </a:prstGeom>
+          <a:solidFill>
+            <a:schemeClr val="tx2"/>
+          </a:solidFill>
+        </p:spPr>
+        <p:style>
+          <a:lnRef idx="2">
+            <a:schemeClr val="dk1">
+              <a:shade val="15000"/>
+            </a:schemeClr>
+          </a:lnRef>
+          <a:fillRef idx="1">
+            <a:schemeClr val="dk1"/>
+          </a:fillRef>
+          <a:effectRef idx="0">
+            <a:schemeClr val="dk1"/>
+          </a:effectRef>
+          <a:fontRef idx="minor">
+            <a:schemeClr val="lt1"/>
+          </a:fontRef>
+        </p:style>
+        <p:txBody>
+          <a:bodyPr rtlCol="0" anchor="ctr"/>
+          <a:lstStyle/>
+          <a:p>
+            <a:pPr algn="ctr"/>
+            <a:endParaRPr lang="en-US"/>
+          </a:p>
+        </p:txBody>
+      </p:sp>
+      <p:sp>
+        <p:nvSpPr>
           <p:cNvPr id="2" name="Title 1">
             <a:extLst>
               <a:ext uri="{FF2B5EF4-FFF2-40B4-BE49-F238E27FC236}">
-                <a16:creationId xmlns:a16="http://schemas.microsoft.com/office/drawing/2014/main" id="{87AF22DA-991B-A3D8-0273-BDA6D977335F}"/>
+                <a16:creationId xmlns:a16="http://schemas.microsoft.com/office/drawing/2014/main" id="{1EBBC0B2-F5AB-2DF3-C797-5CB644FB6ACA}"/>
               </a:ext>
             </a:extLst>
           </p:cNvPr>
@@ -9531,7 +10809,7 @@
         </p:nvSpPr>
         <p:spPr>
           <a:xfrm>
-            <a:off x="838200" y="80055"/>
+            <a:off x="838200" y="79049"/>
             <a:ext cx="10515600" cy="1325563"/>
           </a:xfrm>
         </p:spPr>
@@ -9540,7 +10818,11 @@
           <a:lstStyle/>
           <a:p>
             <a:r>
-              <a:rPr lang="en-US" dirty="0"/>
+              <a:rPr lang="en-US" dirty="0">
+                <a:solidFill>
+                  <a:schemeClr val="bg1"/>
+                </a:solidFill>
+              </a:rPr>
               <a:t>Bringing it all Home: How Insurance Can Incentivize Climate Resilience</a:t>
             </a:r>
           </a:p>
@@ -9551,7 +10833,7 @@
           <p:cNvPr id="3" name="TextBox 2">
             <a:extLst>
               <a:ext uri="{FF2B5EF4-FFF2-40B4-BE49-F238E27FC236}">
-                <a16:creationId xmlns:a16="http://schemas.microsoft.com/office/drawing/2014/main" id="{20DF0E4E-7107-9686-181F-0A7AF4C0EEF5}"/>
+                <a16:creationId xmlns:a16="http://schemas.microsoft.com/office/drawing/2014/main" id="{791B3C05-BBF4-3D3F-31FC-5BB0F53880A3}"/>
               </a:ext>
             </a:extLst>
           </p:cNvPr>
@@ -9560,7 +10842,7 @@
         </p:nvSpPr>
         <p:spPr>
           <a:xfrm>
-            <a:off x="838200" y="1542082"/>
+            <a:off x="838200" y="1901107"/>
             <a:ext cx="11170917" cy="830997"/>
           </a:xfrm>
           <a:prstGeom prst="rect">
@@ -9581,47 +10863,48 @@
           </a:p>
         </p:txBody>
       </p:sp>
-      <p:sp>
-        <p:nvSpPr>
-          <p:cNvPr id="4" name="TextBox 3">
-            <a:extLst>
-              <a:ext uri="{FF2B5EF4-FFF2-40B4-BE49-F238E27FC236}">
-                <a16:creationId xmlns:a16="http://schemas.microsoft.com/office/drawing/2014/main" id="{2CAAA478-B3B6-4762-CF0A-61AE8FD030F8}"/>
-              </a:ext>
-            </a:extLst>
-          </p:cNvPr>
-          <p:cNvSpPr txBox="1"/>
+      <p:pic>
+        <p:nvPicPr>
+          <p:cNvPr id="10" name="Picture 9" descr="A black arrow pointing to the left&#10;&#10;AI-generated content may be incorrect.">
+            <a:extLst>
+              <a:ext uri="{FF2B5EF4-FFF2-40B4-BE49-F238E27FC236}">
+                <a16:creationId xmlns:a16="http://schemas.microsoft.com/office/drawing/2014/main" id="{3F217949-AA5C-45B0-98EF-BDD7EA5194F1}"/>
+              </a:ext>
+            </a:extLst>
+          </p:cNvPr>
+          <p:cNvPicPr>
+            <a:picLocks noChangeAspect="1"/>
+          </p:cNvPicPr>
           <p:nvPr/>
-        </p:nvSpPr>
+        </p:nvPicPr>
+        <p:blipFill>
+          <a:blip r:embed="rId2">
+            <a:extLst>
+              <a:ext uri="{28A0092B-C50C-407E-A947-70E740481C1C}">
+                <a14:useLocalDpi xmlns:a14="http://schemas.microsoft.com/office/drawing/2010/main" val="0"/>
+              </a:ext>
+            </a:extLst>
+          </a:blip>
+          <a:stretch>
+            <a:fillRect/>
+          </a:stretch>
+        </p:blipFill>
         <p:spPr>
           <a:xfrm>
-            <a:off x="2443052" y="2691690"/>
-            <a:ext cx="2075688" cy="1200329"/>
+            <a:off x="2551624" y="3092301"/>
+            <a:ext cx="5829300" cy="828675"/>
           </a:xfrm>
           <a:prstGeom prst="rect">
             <a:avLst/>
           </a:prstGeom>
-          <a:noFill/>
         </p:spPr>
-        <p:txBody>
-          <a:bodyPr wrap="square" rtlCol="0">
-            <a:spAutoFit/>
-          </a:bodyPr>
-          <a:lstStyle/>
-          <a:p>
-            <a:r>
-              <a:rPr lang="en-US" sz="2400" dirty="0"/>
-              <a:t>Discount From Home Hardening</a:t>
-            </a:r>
-          </a:p>
-        </p:txBody>
-      </p:sp>
-      <p:sp>
-        <p:nvSpPr>
-          <p:cNvPr id="5" name="TextBox 4">
-            <a:extLst>
-              <a:ext uri="{FF2B5EF4-FFF2-40B4-BE49-F238E27FC236}">
-                <a16:creationId xmlns:a16="http://schemas.microsoft.com/office/drawing/2014/main" id="{6736BE92-A690-941E-2E45-51A68F9A3FF5}"/>
+      </p:pic>
+      <p:sp>
+        <p:nvSpPr>
+          <p:cNvPr id="4" name="TextBox 3">
+            <a:extLst>
+              <a:ext uri="{FF2B5EF4-FFF2-40B4-BE49-F238E27FC236}">
+                <a16:creationId xmlns:a16="http://schemas.microsoft.com/office/drawing/2014/main" id="{B4E0F4CE-1A17-8FA3-1A28-DA3D1B79278B}"/>
               </a:ext>
             </a:extLst>
           </p:cNvPr>
@@ -9630,77 +10913,7 @@
         </p:nvSpPr>
         <p:spPr>
           <a:xfrm>
-            <a:off x="4804299" y="3061021"/>
-            <a:ext cx="412292" cy="461665"/>
-          </a:xfrm>
-          <a:prstGeom prst="rect">
-            <a:avLst/>
-          </a:prstGeom>
-          <a:noFill/>
-        </p:spPr>
-        <p:txBody>
-          <a:bodyPr wrap="none" rtlCol="0">
-            <a:spAutoFit/>
-          </a:bodyPr>
-          <a:lstStyle/>
-          <a:p>
-            <a:r>
-              <a:rPr lang="en-US" sz="2400" dirty="0"/>
-              <a:t>&gt; </a:t>
-            </a:r>
-          </a:p>
-        </p:txBody>
-      </p:sp>
-      <p:sp>
-        <p:nvSpPr>
-          <p:cNvPr id="6" name="TextBox 5">
-            <a:extLst>
-              <a:ext uri="{FF2B5EF4-FFF2-40B4-BE49-F238E27FC236}">
-                <a16:creationId xmlns:a16="http://schemas.microsoft.com/office/drawing/2014/main" id="{37D7A46E-E32D-9095-D520-063FEA184F71}"/>
-              </a:ext>
-            </a:extLst>
-          </p:cNvPr>
-          <p:cNvSpPr txBox="1"/>
-          <p:nvPr/>
-        </p:nvSpPr>
-        <p:spPr>
-          <a:xfrm>
-            <a:off x="5675566" y="2876354"/>
-            <a:ext cx="2267712" cy="830997"/>
-          </a:xfrm>
-          <a:prstGeom prst="rect">
-            <a:avLst/>
-          </a:prstGeom>
-          <a:noFill/>
-        </p:spPr>
-        <p:txBody>
-          <a:bodyPr wrap="square" rtlCol="0">
-            <a:spAutoFit/>
-          </a:bodyPr>
-          <a:lstStyle/>
-          <a:p>
-            <a:r>
-              <a:rPr lang="en-US" sz="2400" dirty="0"/>
-              <a:t>Cost of Home Hardening</a:t>
-            </a:r>
-          </a:p>
-        </p:txBody>
-      </p:sp>
-      <p:sp>
-        <p:nvSpPr>
-          <p:cNvPr id="7" name="TextBox 6">
-            <a:extLst>
-              <a:ext uri="{FF2B5EF4-FFF2-40B4-BE49-F238E27FC236}">
-                <a16:creationId xmlns:a16="http://schemas.microsoft.com/office/drawing/2014/main" id="{93015838-6F15-493E-AADC-C3E60B783192}"/>
-              </a:ext>
-            </a:extLst>
-          </p:cNvPr>
-          <p:cNvSpPr txBox="1"/>
-          <p:nvPr/>
-        </p:nvSpPr>
-        <p:spPr>
-          <a:xfrm>
-            <a:off x="838200" y="4859480"/>
+            <a:off x="838199" y="4868106"/>
             <a:ext cx="11170917" cy="830997"/>
           </a:xfrm>
           <a:prstGeom prst="rect">
@@ -9724,7 +10937,7 @@
     </p:spTree>
     <p:extLst>
       <p:ext uri="{BB962C8B-B14F-4D97-AF65-F5344CB8AC3E}">
-        <p14:creationId xmlns:p14="http://schemas.microsoft.com/office/powerpoint/2010/main" val="4134740117"/>
+        <p14:creationId xmlns:p14="http://schemas.microsoft.com/office/powerpoint/2010/main" val="3444135521"/>
       </p:ext>
     </p:extLst>
   </p:cSld>
@@ -9759,6 +10972,55 @@
       </p:grpSpPr>
       <p:sp>
         <p:nvSpPr>
+          <p:cNvPr id="8" name="Rectangle 7">
+            <a:extLst>
+              <a:ext uri="{FF2B5EF4-FFF2-40B4-BE49-F238E27FC236}">
+                <a16:creationId xmlns:a16="http://schemas.microsoft.com/office/drawing/2014/main" id="{BE451504-A0A6-876D-F448-339F2AFCE41F}"/>
+              </a:ext>
+            </a:extLst>
+          </p:cNvPr>
+          <p:cNvSpPr/>
+          <p:nvPr/>
+        </p:nvSpPr>
+        <p:spPr>
+          <a:xfrm>
+            <a:off x="0" y="0"/>
+            <a:ext cx="12192000" cy="1690688"/>
+          </a:xfrm>
+          <a:prstGeom prst="rect">
+            <a:avLst/>
+          </a:prstGeom>
+          <a:solidFill>
+            <a:schemeClr val="tx2"/>
+          </a:solidFill>
+        </p:spPr>
+        <p:style>
+          <a:lnRef idx="2">
+            <a:schemeClr val="dk1">
+              <a:shade val="15000"/>
+            </a:schemeClr>
+          </a:lnRef>
+          <a:fillRef idx="1">
+            <a:schemeClr val="dk1"/>
+          </a:fillRef>
+          <a:effectRef idx="0">
+            <a:schemeClr val="dk1"/>
+          </a:effectRef>
+          <a:fontRef idx="minor">
+            <a:schemeClr val="lt1"/>
+          </a:fontRef>
+        </p:style>
+        <p:txBody>
+          <a:bodyPr rtlCol="0" anchor="ctr"/>
+          <a:lstStyle/>
+          <a:p>
+            <a:pPr algn="ctr"/>
+            <a:endParaRPr lang="en-US"/>
+          </a:p>
+        </p:txBody>
+      </p:sp>
+      <p:sp>
+        <p:nvSpPr>
           <p:cNvPr id="2" name="Title 1">
             <a:extLst>
               <a:ext uri="{FF2B5EF4-FFF2-40B4-BE49-F238E27FC236}">
@@ -9775,7 +11037,7 @@
         </p:nvSpPr>
         <p:spPr>
           <a:xfrm>
-            <a:off x="838200" y="80055"/>
+            <a:off x="838200" y="79049"/>
             <a:ext cx="10515600" cy="1325563"/>
           </a:xfrm>
         </p:spPr>
@@ -9784,7 +11046,11 @@
           <a:lstStyle/>
           <a:p>
             <a:r>
-              <a:rPr lang="en-US" dirty="0"/>
+              <a:rPr lang="en-US" dirty="0">
+                <a:solidFill>
+                  <a:schemeClr val="bg1"/>
+                </a:solidFill>
+              </a:rPr>
               <a:t>Bringing it all Home: How Insurance Can Incentivize Climate Resilience</a:t>
             </a:r>
           </a:p>
@@ -9804,7 +11070,7 @@
         </p:nvSpPr>
         <p:spPr>
           <a:xfrm>
-            <a:off x="838200" y="1542082"/>
+            <a:off x="838200" y="1901107"/>
             <a:ext cx="11170917" cy="830997"/>
           </a:xfrm>
           <a:prstGeom prst="rect">
@@ -9821,111 +11087,6 @@
             <a:r>
               <a:rPr lang="en-US" sz="2400" dirty="0"/>
               <a:t>Homeowners will invest in home hardening when cost of doing so is less than the money they will save in Insurance premia:</a:t>
-            </a:r>
-          </a:p>
-        </p:txBody>
-      </p:sp>
-      <p:sp>
-        <p:nvSpPr>
-          <p:cNvPr id="4" name="TextBox 3">
-            <a:extLst>
-              <a:ext uri="{FF2B5EF4-FFF2-40B4-BE49-F238E27FC236}">
-                <a16:creationId xmlns:a16="http://schemas.microsoft.com/office/drawing/2014/main" id="{C448F934-3D47-25A1-DEF8-EFC4D606E2DC}"/>
-              </a:ext>
-            </a:extLst>
-          </p:cNvPr>
-          <p:cNvSpPr txBox="1"/>
-          <p:nvPr/>
-        </p:nvSpPr>
-        <p:spPr>
-          <a:xfrm>
-            <a:off x="2443052" y="2691690"/>
-            <a:ext cx="2075688" cy="1200329"/>
-          </a:xfrm>
-          <a:prstGeom prst="rect">
-            <a:avLst/>
-          </a:prstGeom>
-          <a:noFill/>
-        </p:spPr>
-        <p:txBody>
-          <a:bodyPr wrap="square" rtlCol="0">
-            <a:spAutoFit/>
-          </a:bodyPr>
-          <a:lstStyle/>
-          <a:p>
-            <a:r>
-              <a:rPr lang="en-US" sz="2400" dirty="0"/>
-              <a:t>Discount From Home Hardening</a:t>
-            </a:r>
-          </a:p>
-        </p:txBody>
-      </p:sp>
-      <p:sp>
-        <p:nvSpPr>
-          <p:cNvPr id="5" name="TextBox 4">
-            <a:extLst>
-              <a:ext uri="{FF2B5EF4-FFF2-40B4-BE49-F238E27FC236}">
-                <a16:creationId xmlns:a16="http://schemas.microsoft.com/office/drawing/2014/main" id="{9A05F708-4AFA-2F06-BD96-93D043C96DB9}"/>
-              </a:ext>
-            </a:extLst>
-          </p:cNvPr>
-          <p:cNvSpPr txBox="1"/>
-          <p:nvPr/>
-        </p:nvSpPr>
-        <p:spPr>
-          <a:xfrm>
-            <a:off x="4804299" y="3061021"/>
-            <a:ext cx="412292" cy="461665"/>
-          </a:xfrm>
-          <a:prstGeom prst="rect">
-            <a:avLst/>
-          </a:prstGeom>
-          <a:noFill/>
-        </p:spPr>
-        <p:txBody>
-          <a:bodyPr wrap="none" rtlCol="0">
-            <a:spAutoFit/>
-          </a:bodyPr>
-          <a:lstStyle/>
-          <a:p>
-            <a:r>
-              <a:rPr lang="en-US" sz="2400" dirty="0"/>
-              <a:t>&gt; </a:t>
-            </a:r>
-          </a:p>
-        </p:txBody>
-      </p:sp>
-      <p:sp>
-        <p:nvSpPr>
-          <p:cNvPr id="6" name="TextBox 5">
-            <a:extLst>
-              <a:ext uri="{FF2B5EF4-FFF2-40B4-BE49-F238E27FC236}">
-                <a16:creationId xmlns:a16="http://schemas.microsoft.com/office/drawing/2014/main" id="{CDD492FB-9BF3-BCEC-3A89-B09956A3340A}"/>
-              </a:ext>
-            </a:extLst>
-          </p:cNvPr>
-          <p:cNvSpPr txBox="1"/>
-          <p:nvPr/>
-        </p:nvSpPr>
-        <p:spPr>
-          <a:xfrm>
-            <a:off x="5675566" y="2876354"/>
-            <a:ext cx="2267712" cy="830997"/>
-          </a:xfrm>
-          <a:prstGeom prst="rect">
-            <a:avLst/>
-          </a:prstGeom>
-          <a:noFill/>
-        </p:spPr>
-        <p:txBody>
-          <a:bodyPr wrap="square" rtlCol="0">
-            <a:spAutoFit/>
-          </a:bodyPr>
-          <a:lstStyle/>
-          <a:p>
-            <a:r>
-              <a:rPr lang="en-US" sz="2400" dirty="0"/>
-              <a:t>Cost of Home Hardening</a:t>
             </a:r>
           </a:p>
         </p:txBody>
@@ -9991,6 +11152,42 @@
           </a:p>
         </p:txBody>
       </p:sp>
+      <p:pic>
+        <p:nvPicPr>
+          <p:cNvPr id="10" name="Picture 9" descr="A black arrow pointing to the left&#10;&#10;AI-generated content may be incorrect.">
+            <a:extLst>
+              <a:ext uri="{FF2B5EF4-FFF2-40B4-BE49-F238E27FC236}">
+                <a16:creationId xmlns:a16="http://schemas.microsoft.com/office/drawing/2014/main" id="{070EEDF0-181B-2BFD-E063-6F684D9B4496}"/>
+              </a:ext>
+            </a:extLst>
+          </p:cNvPr>
+          <p:cNvPicPr>
+            <a:picLocks noChangeAspect="1"/>
+          </p:cNvPicPr>
+          <p:nvPr/>
+        </p:nvPicPr>
+        <p:blipFill>
+          <a:blip r:embed="rId2">
+            <a:extLst>
+              <a:ext uri="{28A0092B-C50C-407E-A947-70E740481C1C}">
+                <a14:useLocalDpi xmlns:a14="http://schemas.microsoft.com/office/drawing/2010/main" val="0"/>
+              </a:ext>
+            </a:extLst>
+          </a:blip>
+          <a:stretch>
+            <a:fillRect/>
+          </a:stretch>
+        </p:blipFill>
+        <p:spPr>
+          <a:xfrm>
+            <a:off x="2551624" y="3092301"/>
+            <a:ext cx="5829300" cy="828675"/>
+          </a:xfrm>
+          <a:prstGeom prst="rect">
+            <a:avLst/>
+          </a:prstGeom>
+        </p:spPr>
+      </p:pic>
     </p:spTree>
     <p:extLst>
       <p:ext uri="{BB962C8B-B14F-4D97-AF65-F5344CB8AC3E}">
@@ -10012,7 +11209,7 @@
         <p:cNvPr id="1" name="">
           <a:extLst>
             <a:ext uri="{FF2B5EF4-FFF2-40B4-BE49-F238E27FC236}">
-              <a16:creationId xmlns:a16="http://schemas.microsoft.com/office/drawing/2014/main" id="{8ADF99F9-9A89-368B-4C63-CC3EA9621720}"/>
+              <a16:creationId xmlns:a16="http://schemas.microsoft.com/office/drawing/2014/main" id="{150A9215-46AB-6064-1656-0A7DFFA7108F}"/>
             </a:ext>
           </a:extLst>
         </p:cNvPr>
@@ -10029,10 +11226,59 @@
       </p:grpSpPr>
       <p:sp>
         <p:nvSpPr>
+          <p:cNvPr id="8" name="Rectangle 7">
+            <a:extLst>
+              <a:ext uri="{FF2B5EF4-FFF2-40B4-BE49-F238E27FC236}">
+                <a16:creationId xmlns:a16="http://schemas.microsoft.com/office/drawing/2014/main" id="{81BDDF37-902D-442B-23A4-40D61DB947AB}"/>
+              </a:ext>
+            </a:extLst>
+          </p:cNvPr>
+          <p:cNvSpPr/>
+          <p:nvPr/>
+        </p:nvSpPr>
+        <p:spPr>
+          <a:xfrm>
+            <a:off x="0" y="0"/>
+            <a:ext cx="12192000" cy="1690688"/>
+          </a:xfrm>
+          <a:prstGeom prst="rect">
+            <a:avLst/>
+          </a:prstGeom>
+          <a:solidFill>
+            <a:schemeClr val="tx2"/>
+          </a:solidFill>
+        </p:spPr>
+        <p:style>
+          <a:lnRef idx="2">
+            <a:schemeClr val="dk1">
+              <a:shade val="15000"/>
+            </a:schemeClr>
+          </a:lnRef>
+          <a:fillRef idx="1">
+            <a:schemeClr val="dk1"/>
+          </a:fillRef>
+          <a:effectRef idx="0">
+            <a:schemeClr val="dk1"/>
+          </a:effectRef>
+          <a:fontRef idx="minor">
+            <a:schemeClr val="lt1"/>
+          </a:fontRef>
+        </p:style>
+        <p:txBody>
+          <a:bodyPr rtlCol="0" anchor="ctr"/>
+          <a:lstStyle/>
+          <a:p>
+            <a:pPr algn="ctr"/>
+            <a:endParaRPr lang="en-US"/>
+          </a:p>
+        </p:txBody>
+      </p:sp>
+      <p:sp>
+        <p:nvSpPr>
           <p:cNvPr id="2" name="Title 1">
             <a:extLst>
               <a:ext uri="{FF2B5EF4-FFF2-40B4-BE49-F238E27FC236}">
-                <a16:creationId xmlns:a16="http://schemas.microsoft.com/office/drawing/2014/main" id="{FA0A0D18-C029-7559-E02B-FDD2A521B3C1}"/>
+                <a16:creationId xmlns:a16="http://schemas.microsoft.com/office/drawing/2014/main" id="{21AB2C0A-7FB8-62FC-CF6D-B378E872113B}"/>
               </a:ext>
             </a:extLst>
           </p:cNvPr>
@@ -10045,7 +11291,7 @@
         </p:nvSpPr>
         <p:spPr>
           <a:xfrm>
-            <a:off x="838200" y="80055"/>
+            <a:off x="838200" y="79049"/>
             <a:ext cx="10515600" cy="1325563"/>
           </a:xfrm>
         </p:spPr>
@@ -10054,7 +11300,11 @@
           <a:lstStyle/>
           <a:p>
             <a:r>
-              <a:rPr lang="en-US" dirty="0"/>
+              <a:rPr lang="en-US" dirty="0">
+                <a:solidFill>
+                  <a:schemeClr val="bg1"/>
+                </a:solidFill>
+              </a:rPr>
               <a:t>Bringing it all Home: How Insurance Can Incentivize Climate Resilience</a:t>
             </a:r>
           </a:p>
@@ -10065,7 +11315,7 @@
           <p:cNvPr id="3" name="TextBox 2">
             <a:extLst>
               <a:ext uri="{FF2B5EF4-FFF2-40B4-BE49-F238E27FC236}">
-                <a16:creationId xmlns:a16="http://schemas.microsoft.com/office/drawing/2014/main" id="{CC30CF72-7574-29B0-035F-B131824861E2}"/>
+                <a16:creationId xmlns:a16="http://schemas.microsoft.com/office/drawing/2014/main" id="{205C0D15-6EE0-DC7D-DA66-464E759C4828}"/>
               </a:ext>
             </a:extLst>
           </p:cNvPr>
@@ -10074,7 +11324,7 @@
         </p:nvSpPr>
         <p:spPr>
           <a:xfrm>
-            <a:off x="838200" y="1542082"/>
+            <a:off x="838200" y="1901107"/>
             <a:ext cx="11170917" cy="830997"/>
           </a:xfrm>
           <a:prstGeom prst="rect">
@@ -10097,10 +11347,10 @@
       </p:sp>
       <p:sp>
         <p:nvSpPr>
-          <p:cNvPr id="4" name="TextBox 3">
-            <a:extLst>
-              <a:ext uri="{FF2B5EF4-FFF2-40B4-BE49-F238E27FC236}">
-                <a16:creationId xmlns:a16="http://schemas.microsoft.com/office/drawing/2014/main" id="{1004C934-1EE0-A672-A286-D3ADE4FA8AAF}"/>
+          <p:cNvPr id="7" name="TextBox 6">
+            <a:extLst>
+              <a:ext uri="{FF2B5EF4-FFF2-40B4-BE49-F238E27FC236}">
+                <a16:creationId xmlns:a16="http://schemas.microsoft.com/office/drawing/2014/main" id="{086FE6F6-99F3-9510-47DF-3AF5A1F880C9}"/>
               </a:ext>
             </a:extLst>
           </p:cNvPr>
@@ -10109,112 +11359,7 @@
         </p:nvSpPr>
         <p:spPr>
           <a:xfrm>
-            <a:off x="2443052" y="2691690"/>
-            <a:ext cx="2075688" cy="1200329"/>
-          </a:xfrm>
-          <a:prstGeom prst="rect">
-            <a:avLst/>
-          </a:prstGeom>
-          <a:noFill/>
-        </p:spPr>
-        <p:txBody>
-          <a:bodyPr wrap="square" rtlCol="0">
-            <a:spAutoFit/>
-          </a:bodyPr>
-          <a:lstStyle/>
-          <a:p>
-            <a:r>
-              <a:rPr lang="en-US" sz="2400" dirty="0"/>
-              <a:t>Discount From Home Hardening</a:t>
-            </a:r>
-          </a:p>
-        </p:txBody>
-      </p:sp>
-      <p:sp>
-        <p:nvSpPr>
-          <p:cNvPr id="5" name="TextBox 4">
-            <a:extLst>
-              <a:ext uri="{FF2B5EF4-FFF2-40B4-BE49-F238E27FC236}">
-                <a16:creationId xmlns:a16="http://schemas.microsoft.com/office/drawing/2014/main" id="{D49DA191-FCFB-6FA0-8E1F-BB4BFC3DF806}"/>
-              </a:ext>
-            </a:extLst>
-          </p:cNvPr>
-          <p:cNvSpPr txBox="1"/>
-          <p:nvPr/>
-        </p:nvSpPr>
-        <p:spPr>
-          <a:xfrm>
-            <a:off x="4804299" y="3061021"/>
-            <a:ext cx="412292" cy="461665"/>
-          </a:xfrm>
-          <a:prstGeom prst="rect">
-            <a:avLst/>
-          </a:prstGeom>
-          <a:noFill/>
-        </p:spPr>
-        <p:txBody>
-          <a:bodyPr wrap="none" rtlCol="0">
-            <a:spAutoFit/>
-          </a:bodyPr>
-          <a:lstStyle/>
-          <a:p>
-            <a:r>
-              <a:rPr lang="en-US" sz="2400" dirty="0"/>
-              <a:t>&gt; </a:t>
-            </a:r>
-          </a:p>
-        </p:txBody>
-      </p:sp>
-      <p:sp>
-        <p:nvSpPr>
-          <p:cNvPr id="6" name="TextBox 5">
-            <a:extLst>
-              <a:ext uri="{FF2B5EF4-FFF2-40B4-BE49-F238E27FC236}">
-                <a16:creationId xmlns:a16="http://schemas.microsoft.com/office/drawing/2014/main" id="{58DB9199-32D8-659D-1298-33A0AF0989DC}"/>
-              </a:ext>
-            </a:extLst>
-          </p:cNvPr>
-          <p:cNvSpPr txBox="1"/>
-          <p:nvPr/>
-        </p:nvSpPr>
-        <p:spPr>
-          <a:xfrm>
-            <a:off x="5675566" y="2876354"/>
-            <a:ext cx="2267712" cy="830997"/>
-          </a:xfrm>
-          <a:prstGeom prst="rect">
-            <a:avLst/>
-          </a:prstGeom>
-          <a:noFill/>
-        </p:spPr>
-        <p:txBody>
-          <a:bodyPr wrap="square" rtlCol="0">
-            <a:spAutoFit/>
-          </a:bodyPr>
-          <a:lstStyle/>
-          <a:p>
-            <a:r>
-              <a:rPr lang="en-US" sz="2400" dirty="0"/>
-              <a:t>Cost of Home Hardening</a:t>
-            </a:r>
-          </a:p>
-        </p:txBody>
-      </p:sp>
-      <p:sp>
-        <p:nvSpPr>
-          <p:cNvPr id="7" name="TextBox 6">
-            <a:extLst>
-              <a:ext uri="{FF2B5EF4-FFF2-40B4-BE49-F238E27FC236}">
-                <a16:creationId xmlns:a16="http://schemas.microsoft.com/office/drawing/2014/main" id="{F1E281D6-ED05-8E17-A10D-2D997B781564}"/>
-              </a:ext>
-            </a:extLst>
-          </p:cNvPr>
-          <p:cNvSpPr txBox="1"/>
-          <p:nvPr/>
-        </p:nvSpPr>
-        <p:spPr>
-          <a:xfrm>
-            <a:off x="838200" y="4859480"/>
+            <a:off x="838200" y="4333269"/>
             <a:ext cx="11170917" cy="1569660"/>
           </a:xfrm>
           <a:prstGeom prst="rect">
@@ -10248,10 +11393,46 @@
           </a:p>
         </p:txBody>
       </p:sp>
+      <p:pic>
+        <p:nvPicPr>
+          <p:cNvPr id="10" name="Picture 9" descr="A black arrow pointing to the left&#10;&#10;AI-generated content may be incorrect.">
+            <a:extLst>
+              <a:ext uri="{FF2B5EF4-FFF2-40B4-BE49-F238E27FC236}">
+                <a16:creationId xmlns:a16="http://schemas.microsoft.com/office/drawing/2014/main" id="{C95B2573-C418-5885-3753-744B8CBFD243}"/>
+              </a:ext>
+            </a:extLst>
+          </p:cNvPr>
+          <p:cNvPicPr>
+            <a:picLocks noChangeAspect="1"/>
+          </p:cNvPicPr>
+          <p:nvPr/>
+        </p:nvPicPr>
+        <p:blipFill>
+          <a:blip r:embed="rId2">
+            <a:extLst>
+              <a:ext uri="{28A0092B-C50C-407E-A947-70E740481C1C}">
+                <a14:useLocalDpi xmlns:a14="http://schemas.microsoft.com/office/drawing/2010/main" val="0"/>
+              </a:ext>
+            </a:extLst>
+          </a:blip>
+          <a:stretch>
+            <a:fillRect/>
+          </a:stretch>
+        </p:blipFill>
+        <p:spPr>
+          <a:xfrm>
+            <a:off x="2551624" y="3092301"/>
+            <a:ext cx="5829300" cy="828675"/>
+          </a:xfrm>
+          <a:prstGeom prst="rect">
+            <a:avLst/>
+          </a:prstGeom>
+        </p:spPr>
+      </p:pic>
     </p:spTree>
     <p:extLst>
       <p:ext uri="{BB962C8B-B14F-4D97-AF65-F5344CB8AC3E}">
-        <p14:creationId xmlns:p14="http://schemas.microsoft.com/office/powerpoint/2010/main" val="899690560"/>
+        <p14:creationId xmlns:p14="http://schemas.microsoft.com/office/powerpoint/2010/main" val="497956691"/>
       </p:ext>
     </p:extLst>
   </p:cSld>
@@ -10269,7 +11450,7 @@
         <p:cNvPr id="1" name="">
           <a:extLst>
             <a:ext uri="{FF2B5EF4-FFF2-40B4-BE49-F238E27FC236}">
-              <a16:creationId xmlns:a16="http://schemas.microsoft.com/office/drawing/2014/main" id="{51BBF2FF-8746-3888-DDE2-3C0D26ACE7F3}"/>
+              <a16:creationId xmlns:a16="http://schemas.microsoft.com/office/drawing/2014/main" id="{FB1DD5C0-14E8-4603-9667-BDABFDB678A5}"/>
             </a:ext>
           </a:extLst>
         </p:cNvPr>
@@ -10286,10 +11467,59 @@
       </p:grpSpPr>
       <p:sp>
         <p:nvSpPr>
+          <p:cNvPr id="8" name="Rectangle 7">
+            <a:extLst>
+              <a:ext uri="{FF2B5EF4-FFF2-40B4-BE49-F238E27FC236}">
+                <a16:creationId xmlns:a16="http://schemas.microsoft.com/office/drawing/2014/main" id="{554A6243-8E13-086D-D086-7D98FD7DFDAE}"/>
+              </a:ext>
+            </a:extLst>
+          </p:cNvPr>
+          <p:cNvSpPr/>
+          <p:nvPr/>
+        </p:nvSpPr>
+        <p:spPr>
+          <a:xfrm>
+            <a:off x="0" y="0"/>
+            <a:ext cx="12192000" cy="1690688"/>
+          </a:xfrm>
+          <a:prstGeom prst="rect">
+            <a:avLst/>
+          </a:prstGeom>
+          <a:solidFill>
+            <a:schemeClr val="tx2"/>
+          </a:solidFill>
+        </p:spPr>
+        <p:style>
+          <a:lnRef idx="2">
+            <a:schemeClr val="dk1">
+              <a:shade val="15000"/>
+            </a:schemeClr>
+          </a:lnRef>
+          <a:fillRef idx="1">
+            <a:schemeClr val="dk1"/>
+          </a:fillRef>
+          <a:effectRef idx="0">
+            <a:schemeClr val="dk1"/>
+          </a:effectRef>
+          <a:fontRef idx="minor">
+            <a:schemeClr val="lt1"/>
+          </a:fontRef>
+        </p:style>
+        <p:txBody>
+          <a:bodyPr rtlCol="0" anchor="ctr"/>
+          <a:lstStyle/>
+          <a:p>
+            <a:pPr algn="ctr"/>
+            <a:endParaRPr lang="en-US"/>
+          </a:p>
+        </p:txBody>
+      </p:sp>
+      <p:sp>
+        <p:nvSpPr>
           <p:cNvPr id="2" name="Title 1">
             <a:extLst>
               <a:ext uri="{FF2B5EF4-FFF2-40B4-BE49-F238E27FC236}">
-                <a16:creationId xmlns:a16="http://schemas.microsoft.com/office/drawing/2014/main" id="{2C7E1945-A06C-BE98-A1BD-5C4D9869C161}"/>
+                <a16:creationId xmlns:a16="http://schemas.microsoft.com/office/drawing/2014/main" id="{2580A262-B1EE-9871-DCDF-9FE91FCBE9F1}"/>
               </a:ext>
             </a:extLst>
           </p:cNvPr>
@@ -10302,7 +11532,7 @@
         </p:nvSpPr>
         <p:spPr>
           <a:xfrm>
-            <a:off x="838200" y="80055"/>
+            <a:off x="838200" y="79049"/>
             <a:ext cx="10515600" cy="1325563"/>
           </a:xfrm>
         </p:spPr>
@@ -10311,7 +11541,11 @@
           <a:lstStyle/>
           <a:p>
             <a:r>
-              <a:rPr lang="en-US" dirty="0"/>
+              <a:rPr lang="en-US" dirty="0">
+                <a:solidFill>
+                  <a:schemeClr val="bg1"/>
+                </a:solidFill>
+              </a:rPr>
               <a:t>Bringing it all Home: How Insurance Can Incentivize Climate Resilience</a:t>
             </a:r>
           </a:p>
@@ -10322,7 +11556,7 @@
           <p:cNvPr id="3" name="TextBox 2">
             <a:extLst>
               <a:ext uri="{FF2B5EF4-FFF2-40B4-BE49-F238E27FC236}">
-                <a16:creationId xmlns:a16="http://schemas.microsoft.com/office/drawing/2014/main" id="{5C57E6ED-626E-ED3D-B02C-38937E375023}"/>
+                <a16:creationId xmlns:a16="http://schemas.microsoft.com/office/drawing/2014/main" id="{D65335F9-1828-A9B9-56BC-88D9DD6CE6B6}"/>
               </a:ext>
             </a:extLst>
           </p:cNvPr>
@@ -10331,7 +11565,7 @@
         </p:nvSpPr>
         <p:spPr>
           <a:xfrm>
-            <a:off x="838200" y="1542082"/>
+            <a:off x="838200" y="1901107"/>
             <a:ext cx="11170917" cy="830997"/>
           </a:xfrm>
           <a:prstGeom prst="rect">
@@ -10354,10 +11588,10 @@
       </p:sp>
       <p:sp>
         <p:nvSpPr>
-          <p:cNvPr id="4" name="TextBox 3">
-            <a:extLst>
-              <a:ext uri="{FF2B5EF4-FFF2-40B4-BE49-F238E27FC236}">
-                <a16:creationId xmlns:a16="http://schemas.microsoft.com/office/drawing/2014/main" id="{A11F0018-BC23-564A-6407-F46EDFF22F28}"/>
+          <p:cNvPr id="7" name="TextBox 6">
+            <a:extLst>
+              <a:ext uri="{FF2B5EF4-FFF2-40B4-BE49-F238E27FC236}">
+                <a16:creationId xmlns:a16="http://schemas.microsoft.com/office/drawing/2014/main" id="{840E5CBD-5341-11F1-CC1A-E9243257FEC2}"/>
               </a:ext>
             </a:extLst>
           </p:cNvPr>
@@ -10366,112 +11600,7 @@
         </p:nvSpPr>
         <p:spPr>
           <a:xfrm>
-            <a:off x="2443052" y="2691690"/>
-            <a:ext cx="2075688" cy="1200329"/>
-          </a:xfrm>
-          <a:prstGeom prst="rect">
-            <a:avLst/>
-          </a:prstGeom>
-          <a:noFill/>
-        </p:spPr>
-        <p:txBody>
-          <a:bodyPr wrap="square" rtlCol="0">
-            <a:spAutoFit/>
-          </a:bodyPr>
-          <a:lstStyle/>
-          <a:p>
-            <a:r>
-              <a:rPr lang="en-US" sz="2400" dirty="0"/>
-              <a:t>Discount From Home Hardening</a:t>
-            </a:r>
-          </a:p>
-        </p:txBody>
-      </p:sp>
-      <p:sp>
-        <p:nvSpPr>
-          <p:cNvPr id="5" name="TextBox 4">
-            <a:extLst>
-              <a:ext uri="{FF2B5EF4-FFF2-40B4-BE49-F238E27FC236}">
-                <a16:creationId xmlns:a16="http://schemas.microsoft.com/office/drawing/2014/main" id="{DC204773-B55D-5C7F-DD43-36DA977EE446}"/>
-              </a:ext>
-            </a:extLst>
-          </p:cNvPr>
-          <p:cNvSpPr txBox="1"/>
-          <p:nvPr/>
-        </p:nvSpPr>
-        <p:spPr>
-          <a:xfrm>
-            <a:off x="4804299" y="3061021"/>
-            <a:ext cx="412292" cy="461665"/>
-          </a:xfrm>
-          <a:prstGeom prst="rect">
-            <a:avLst/>
-          </a:prstGeom>
-          <a:noFill/>
-        </p:spPr>
-        <p:txBody>
-          <a:bodyPr wrap="none" rtlCol="0">
-            <a:spAutoFit/>
-          </a:bodyPr>
-          <a:lstStyle/>
-          <a:p>
-            <a:r>
-              <a:rPr lang="en-US" sz="2400" dirty="0"/>
-              <a:t>&gt; </a:t>
-            </a:r>
-          </a:p>
-        </p:txBody>
-      </p:sp>
-      <p:sp>
-        <p:nvSpPr>
-          <p:cNvPr id="6" name="TextBox 5">
-            <a:extLst>
-              <a:ext uri="{FF2B5EF4-FFF2-40B4-BE49-F238E27FC236}">
-                <a16:creationId xmlns:a16="http://schemas.microsoft.com/office/drawing/2014/main" id="{E0901010-24C5-1234-1989-83501CB194C5}"/>
-              </a:ext>
-            </a:extLst>
-          </p:cNvPr>
-          <p:cNvSpPr txBox="1"/>
-          <p:nvPr/>
-        </p:nvSpPr>
-        <p:spPr>
-          <a:xfrm>
-            <a:off x="5675566" y="2876354"/>
-            <a:ext cx="2267712" cy="830997"/>
-          </a:xfrm>
-          <a:prstGeom prst="rect">
-            <a:avLst/>
-          </a:prstGeom>
-          <a:noFill/>
-        </p:spPr>
-        <p:txBody>
-          <a:bodyPr wrap="square" rtlCol="0">
-            <a:spAutoFit/>
-          </a:bodyPr>
-          <a:lstStyle/>
-          <a:p>
-            <a:r>
-              <a:rPr lang="en-US" sz="2400" dirty="0"/>
-              <a:t>Cost of Home Hardening</a:t>
-            </a:r>
-          </a:p>
-        </p:txBody>
-      </p:sp>
-      <p:sp>
-        <p:nvSpPr>
-          <p:cNvPr id="7" name="TextBox 6">
-            <a:extLst>
-              <a:ext uri="{FF2B5EF4-FFF2-40B4-BE49-F238E27FC236}">
-                <a16:creationId xmlns:a16="http://schemas.microsoft.com/office/drawing/2014/main" id="{C33ECEEA-811D-CFF2-6349-4EDFF1314F2A}"/>
-              </a:ext>
-            </a:extLst>
-          </p:cNvPr>
-          <p:cNvSpPr txBox="1"/>
-          <p:nvPr/>
-        </p:nvSpPr>
-        <p:spPr>
-          <a:xfrm>
-            <a:off x="838200" y="4859480"/>
+            <a:off x="838200" y="4333269"/>
             <a:ext cx="11170917" cy="830997"/>
           </a:xfrm>
           <a:prstGeom prst="rect">
@@ -10492,10 +11621,46 @@
           </a:p>
         </p:txBody>
       </p:sp>
+      <p:pic>
+        <p:nvPicPr>
+          <p:cNvPr id="10" name="Picture 9" descr="A black arrow pointing to the left&#10;&#10;AI-generated content may be incorrect.">
+            <a:extLst>
+              <a:ext uri="{FF2B5EF4-FFF2-40B4-BE49-F238E27FC236}">
+                <a16:creationId xmlns:a16="http://schemas.microsoft.com/office/drawing/2014/main" id="{3168BDB3-96AE-E5E8-3401-C1146BDF0A03}"/>
+              </a:ext>
+            </a:extLst>
+          </p:cNvPr>
+          <p:cNvPicPr>
+            <a:picLocks noChangeAspect="1"/>
+          </p:cNvPicPr>
+          <p:nvPr/>
+        </p:nvPicPr>
+        <p:blipFill>
+          <a:blip r:embed="rId2">
+            <a:extLst>
+              <a:ext uri="{28A0092B-C50C-407E-A947-70E740481C1C}">
+                <a14:useLocalDpi xmlns:a14="http://schemas.microsoft.com/office/drawing/2010/main" val="0"/>
+              </a:ext>
+            </a:extLst>
+          </a:blip>
+          <a:stretch>
+            <a:fillRect/>
+          </a:stretch>
+        </p:blipFill>
+        <p:spPr>
+          <a:xfrm>
+            <a:off x="2551624" y="3092301"/>
+            <a:ext cx="5829300" cy="828675"/>
+          </a:xfrm>
+          <a:prstGeom prst="rect">
+            <a:avLst/>
+          </a:prstGeom>
+        </p:spPr>
+      </p:pic>
     </p:spTree>
     <p:extLst>
       <p:ext uri="{BB962C8B-B14F-4D97-AF65-F5344CB8AC3E}">
-        <p14:creationId xmlns:p14="http://schemas.microsoft.com/office/powerpoint/2010/main" val="191561861"/>
+        <p14:creationId xmlns:p14="http://schemas.microsoft.com/office/powerpoint/2010/main" val="2838311989"/>
       </p:ext>
     </p:extLst>
   </p:cSld>
@@ -10513,7 +11678,7 @@
         <p:cNvPr id="1" name="">
           <a:extLst>
             <a:ext uri="{FF2B5EF4-FFF2-40B4-BE49-F238E27FC236}">
-              <a16:creationId xmlns:a16="http://schemas.microsoft.com/office/drawing/2014/main" id="{D39FB0DC-34B1-4D7E-7307-62C4498DD3C1}"/>
+              <a16:creationId xmlns:a16="http://schemas.microsoft.com/office/drawing/2014/main" id="{EB23188C-6E49-5C9D-123F-73576014EDCA}"/>
             </a:ext>
           </a:extLst>
         </p:cNvPr>
@@ -10530,10 +11695,59 @@
       </p:grpSpPr>
       <p:sp>
         <p:nvSpPr>
+          <p:cNvPr id="8" name="Rectangle 7">
+            <a:extLst>
+              <a:ext uri="{FF2B5EF4-FFF2-40B4-BE49-F238E27FC236}">
+                <a16:creationId xmlns:a16="http://schemas.microsoft.com/office/drawing/2014/main" id="{34E7CF0B-37AB-3CD3-AED9-FFB2310E62E2}"/>
+              </a:ext>
+            </a:extLst>
+          </p:cNvPr>
+          <p:cNvSpPr/>
+          <p:nvPr/>
+        </p:nvSpPr>
+        <p:spPr>
+          <a:xfrm>
+            <a:off x="0" y="0"/>
+            <a:ext cx="12192000" cy="1690688"/>
+          </a:xfrm>
+          <a:prstGeom prst="rect">
+            <a:avLst/>
+          </a:prstGeom>
+          <a:solidFill>
+            <a:schemeClr val="tx2"/>
+          </a:solidFill>
+        </p:spPr>
+        <p:style>
+          <a:lnRef idx="2">
+            <a:schemeClr val="dk1">
+              <a:shade val="15000"/>
+            </a:schemeClr>
+          </a:lnRef>
+          <a:fillRef idx="1">
+            <a:schemeClr val="dk1"/>
+          </a:fillRef>
+          <a:effectRef idx="0">
+            <a:schemeClr val="dk1"/>
+          </a:effectRef>
+          <a:fontRef idx="minor">
+            <a:schemeClr val="lt1"/>
+          </a:fontRef>
+        </p:style>
+        <p:txBody>
+          <a:bodyPr rtlCol="0" anchor="ctr"/>
+          <a:lstStyle/>
+          <a:p>
+            <a:pPr algn="ctr"/>
+            <a:endParaRPr lang="en-US"/>
+          </a:p>
+        </p:txBody>
+      </p:sp>
+      <p:sp>
+        <p:nvSpPr>
           <p:cNvPr id="2" name="Title 1">
             <a:extLst>
               <a:ext uri="{FF2B5EF4-FFF2-40B4-BE49-F238E27FC236}">
-                <a16:creationId xmlns:a16="http://schemas.microsoft.com/office/drawing/2014/main" id="{CD692927-B166-346F-AD83-851E644E4757}"/>
+                <a16:creationId xmlns:a16="http://schemas.microsoft.com/office/drawing/2014/main" id="{2EEDE06F-B208-9AE1-B7A7-169B6EA59115}"/>
               </a:ext>
             </a:extLst>
           </p:cNvPr>
@@ -10546,7 +11760,7 @@
         </p:nvSpPr>
         <p:spPr>
           <a:xfrm>
-            <a:off x="838200" y="80055"/>
+            <a:off x="838200" y="79049"/>
             <a:ext cx="10515600" cy="1325563"/>
           </a:xfrm>
         </p:spPr>
@@ -10555,7 +11769,11 @@
           <a:lstStyle/>
           <a:p>
             <a:r>
-              <a:rPr lang="en-US" dirty="0"/>
+              <a:rPr lang="en-US" dirty="0">
+                <a:solidFill>
+                  <a:schemeClr val="bg1"/>
+                </a:solidFill>
+              </a:rPr>
               <a:t>Bringing it all Home: How Insurance Can Incentivize Climate Resilience</a:t>
             </a:r>
           </a:p>
@@ -10566,7 +11784,7 @@
           <p:cNvPr id="3" name="TextBox 2">
             <a:extLst>
               <a:ext uri="{FF2B5EF4-FFF2-40B4-BE49-F238E27FC236}">
-                <a16:creationId xmlns:a16="http://schemas.microsoft.com/office/drawing/2014/main" id="{08C71FC8-0B5A-02C7-09ED-98D7FE5E7F7F}"/>
+                <a16:creationId xmlns:a16="http://schemas.microsoft.com/office/drawing/2014/main" id="{926D4A43-4A79-8BB6-DA53-9D590E8C9A3B}"/>
               </a:ext>
             </a:extLst>
           </p:cNvPr>
@@ -10575,7 +11793,7 @@
         </p:nvSpPr>
         <p:spPr>
           <a:xfrm>
-            <a:off x="838200" y="1542082"/>
+            <a:off x="838200" y="1901107"/>
             <a:ext cx="11170917" cy="830997"/>
           </a:xfrm>
           <a:prstGeom prst="rect">
@@ -10596,47 +11814,48 @@
           </a:p>
         </p:txBody>
       </p:sp>
-      <p:sp>
-        <p:nvSpPr>
-          <p:cNvPr id="4" name="TextBox 3">
-            <a:extLst>
-              <a:ext uri="{FF2B5EF4-FFF2-40B4-BE49-F238E27FC236}">
-                <a16:creationId xmlns:a16="http://schemas.microsoft.com/office/drawing/2014/main" id="{2111F9FF-B387-3D3F-5A2A-6F8AC80B75B6}"/>
-              </a:ext>
-            </a:extLst>
-          </p:cNvPr>
-          <p:cNvSpPr txBox="1"/>
+      <p:pic>
+        <p:nvPicPr>
+          <p:cNvPr id="10" name="Picture 9" descr="A black arrow pointing to the left&#10;&#10;AI-generated content may be incorrect.">
+            <a:extLst>
+              <a:ext uri="{FF2B5EF4-FFF2-40B4-BE49-F238E27FC236}">
+                <a16:creationId xmlns:a16="http://schemas.microsoft.com/office/drawing/2014/main" id="{26B4FD86-A30D-BE4C-445A-D0023696B257}"/>
+              </a:ext>
+            </a:extLst>
+          </p:cNvPr>
+          <p:cNvPicPr>
+            <a:picLocks noChangeAspect="1"/>
+          </p:cNvPicPr>
           <p:nvPr/>
-        </p:nvSpPr>
+        </p:nvPicPr>
+        <p:blipFill>
+          <a:blip r:embed="rId2">
+            <a:extLst>
+              <a:ext uri="{28A0092B-C50C-407E-A947-70E740481C1C}">
+                <a14:useLocalDpi xmlns:a14="http://schemas.microsoft.com/office/drawing/2010/main" val="0"/>
+              </a:ext>
+            </a:extLst>
+          </a:blip>
+          <a:stretch>
+            <a:fillRect/>
+          </a:stretch>
+        </p:blipFill>
         <p:spPr>
           <a:xfrm>
-            <a:off x="2443052" y="2691690"/>
-            <a:ext cx="2075688" cy="1200329"/>
+            <a:off x="2551624" y="3092301"/>
+            <a:ext cx="5829300" cy="828675"/>
           </a:xfrm>
           <a:prstGeom prst="rect">
             <a:avLst/>
           </a:prstGeom>
-          <a:noFill/>
         </p:spPr>
-        <p:txBody>
-          <a:bodyPr wrap="square" rtlCol="0">
-            <a:spAutoFit/>
-          </a:bodyPr>
-          <a:lstStyle/>
-          <a:p>
-            <a:r>
-              <a:rPr lang="en-US" sz="2400" dirty="0"/>
-              <a:t>Discount From Home Hardening</a:t>
-            </a:r>
-          </a:p>
-        </p:txBody>
-      </p:sp>
-      <p:sp>
-        <p:nvSpPr>
-          <p:cNvPr id="5" name="TextBox 4">
-            <a:extLst>
-              <a:ext uri="{FF2B5EF4-FFF2-40B4-BE49-F238E27FC236}">
-                <a16:creationId xmlns:a16="http://schemas.microsoft.com/office/drawing/2014/main" id="{B16C8BB2-1649-1653-6960-516E251CE54A}"/>
+      </p:pic>
+      <p:sp>
+        <p:nvSpPr>
+          <p:cNvPr id="4" name="TextBox 3">
+            <a:extLst>
+              <a:ext uri="{FF2B5EF4-FFF2-40B4-BE49-F238E27FC236}">
+                <a16:creationId xmlns:a16="http://schemas.microsoft.com/office/drawing/2014/main" id="{68CBAB52-A555-BA1B-663E-C4E64D019C75}"/>
               </a:ext>
             </a:extLst>
           </p:cNvPr>
@@ -10645,77 +11864,7 @@
         </p:nvSpPr>
         <p:spPr>
           <a:xfrm>
-            <a:off x="4804299" y="3061021"/>
-            <a:ext cx="412292" cy="461665"/>
-          </a:xfrm>
-          <a:prstGeom prst="rect">
-            <a:avLst/>
-          </a:prstGeom>
-          <a:noFill/>
-        </p:spPr>
-        <p:txBody>
-          <a:bodyPr wrap="none" rtlCol="0">
-            <a:spAutoFit/>
-          </a:bodyPr>
-          <a:lstStyle/>
-          <a:p>
-            <a:r>
-              <a:rPr lang="en-US" sz="2400" dirty="0"/>
-              <a:t>&gt; </a:t>
-            </a:r>
-          </a:p>
-        </p:txBody>
-      </p:sp>
-      <p:sp>
-        <p:nvSpPr>
-          <p:cNvPr id="6" name="TextBox 5">
-            <a:extLst>
-              <a:ext uri="{FF2B5EF4-FFF2-40B4-BE49-F238E27FC236}">
-                <a16:creationId xmlns:a16="http://schemas.microsoft.com/office/drawing/2014/main" id="{07BDD476-F004-62EB-C207-5FFB8AD4AB5B}"/>
-              </a:ext>
-            </a:extLst>
-          </p:cNvPr>
-          <p:cNvSpPr txBox="1"/>
-          <p:nvPr/>
-        </p:nvSpPr>
-        <p:spPr>
-          <a:xfrm>
-            <a:off x="5675566" y="2876354"/>
-            <a:ext cx="2267712" cy="830997"/>
-          </a:xfrm>
-          <a:prstGeom prst="rect">
-            <a:avLst/>
-          </a:prstGeom>
-          <a:noFill/>
-        </p:spPr>
-        <p:txBody>
-          <a:bodyPr wrap="square" rtlCol="0">
-            <a:spAutoFit/>
-          </a:bodyPr>
-          <a:lstStyle/>
-          <a:p>
-            <a:r>
-              <a:rPr lang="en-US" sz="2400" dirty="0"/>
-              <a:t>Cost of Home Hardening</a:t>
-            </a:r>
-          </a:p>
-        </p:txBody>
-      </p:sp>
-      <p:sp>
-        <p:nvSpPr>
-          <p:cNvPr id="7" name="TextBox 6">
-            <a:extLst>
-              <a:ext uri="{FF2B5EF4-FFF2-40B4-BE49-F238E27FC236}">
-                <a16:creationId xmlns:a16="http://schemas.microsoft.com/office/drawing/2014/main" id="{A6BACDE3-E808-7FDB-2A4A-00A3F502D6D0}"/>
-              </a:ext>
-            </a:extLst>
-          </p:cNvPr>
-          <p:cNvSpPr txBox="1"/>
-          <p:nvPr/>
-        </p:nvSpPr>
-        <p:spPr>
-          <a:xfrm>
-            <a:off x="838200" y="4048597"/>
+            <a:off x="803696" y="4091727"/>
             <a:ext cx="4130615" cy="2677656"/>
           </a:xfrm>
           <a:prstGeom prst="rect">
@@ -10758,10 +11907,10 @@
       </p:sp>
       <p:sp>
         <p:nvSpPr>
-          <p:cNvPr id="8" name="TextBox 7">
-            <a:extLst>
-              <a:ext uri="{FF2B5EF4-FFF2-40B4-BE49-F238E27FC236}">
-                <a16:creationId xmlns:a16="http://schemas.microsoft.com/office/drawing/2014/main" id="{54BF6609-D7C6-8BF3-1609-FEE2CEF83917}"/>
+          <p:cNvPr id="5" name="TextBox 4">
+            <a:extLst>
+              <a:ext uri="{FF2B5EF4-FFF2-40B4-BE49-F238E27FC236}">
+                <a16:creationId xmlns:a16="http://schemas.microsoft.com/office/drawing/2014/main" id="{23F63E24-AC41-7429-A2DD-75D32C7E9A59}"/>
               </a:ext>
             </a:extLst>
           </p:cNvPr>
@@ -10770,7 +11919,7 @@
         </p:nvSpPr>
         <p:spPr>
           <a:xfrm>
-            <a:off x="5380493" y="4069423"/>
+            <a:off x="5863573" y="4103927"/>
             <a:ext cx="4130615" cy="1569660"/>
           </a:xfrm>
           <a:prstGeom prst="rect">
@@ -10814,7 +11963,7 @@
     </p:spTree>
     <p:extLst>
       <p:ext uri="{BB962C8B-B14F-4D97-AF65-F5344CB8AC3E}">
-        <p14:creationId xmlns:p14="http://schemas.microsoft.com/office/powerpoint/2010/main" val="1431847223"/>
+        <p14:creationId xmlns:p14="http://schemas.microsoft.com/office/powerpoint/2010/main" val="2335764738"/>
       </p:ext>
     </p:extLst>
   </p:cSld>
@@ -10849,6 +11998,55 @@
       </p:grpSpPr>
       <p:sp>
         <p:nvSpPr>
+          <p:cNvPr id="4" name="Rectangle 3">
+            <a:extLst>
+              <a:ext uri="{FF2B5EF4-FFF2-40B4-BE49-F238E27FC236}">
+                <a16:creationId xmlns:a16="http://schemas.microsoft.com/office/drawing/2014/main" id="{24D655F6-B457-E45D-FDF6-41EAB704BF85}"/>
+              </a:ext>
+            </a:extLst>
+          </p:cNvPr>
+          <p:cNvSpPr/>
+          <p:nvPr/>
+        </p:nvSpPr>
+        <p:spPr>
+          <a:xfrm>
+            <a:off x="0" y="0"/>
+            <a:ext cx="12192000" cy="1690688"/>
+          </a:xfrm>
+          <a:prstGeom prst="rect">
+            <a:avLst/>
+          </a:prstGeom>
+          <a:solidFill>
+            <a:schemeClr val="tx2"/>
+          </a:solidFill>
+        </p:spPr>
+        <p:style>
+          <a:lnRef idx="2">
+            <a:schemeClr val="dk1">
+              <a:shade val="15000"/>
+            </a:schemeClr>
+          </a:lnRef>
+          <a:fillRef idx="1">
+            <a:schemeClr val="dk1"/>
+          </a:fillRef>
+          <a:effectRef idx="0">
+            <a:schemeClr val="dk1"/>
+          </a:effectRef>
+          <a:fontRef idx="minor">
+            <a:schemeClr val="lt1"/>
+          </a:fontRef>
+        </p:style>
+        <p:txBody>
+          <a:bodyPr rtlCol="0" anchor="ctr"/>
+          <a:lstStyle/>
+          <a:p>
+            <a:pPr algn="ctr"/>
+            <a:endParaRPr lang="en-US"/>
+          </a:p>
+        </p:txBody>
+      </p:sp>
+      <p:sp>
+        <p:nvSpPr>
           <p:cNvPr id="2" name="Title 1">
             <a:extLst>
               <a:ext uri="{FF2B5EF4-FFF2-40B4-BE49-F238E27FC236}">
@@ -10874,7 +12072,11 @@
           <a:lstStyle/>
           <a:p>
             <a:r>
-              <a:rPr lang="en-US" dirty="0"/>
+              <a:rPr lang="en-US" dirty="0">
+                <a:solidFill>
+                  <a:schemeClr val="bg1"/>
+                </a:solidFill>
+              </a:rPr>
               <a:t>Bringing it all Home: How Insurance Can Incentivize Climate Resilience</a:t>
             </a:r>
           </a:p>
@@ -10894,7 +12096,7 @@
         </p:nvSpPr>
         <p:spPr>
           <a:xfrm>
-            <a:off x="838200" y="1542082"/>
+            <a:off x="838200" y="2007909"/>
             <a:ext cx="11170917" cy="2677656"/>
           </a:xfrm>
           <a:prstGeom prst="rect">
@@ -10965,6 +12167,55 @@
       </p:grpSpPr>
       <p:sp>
         <p:nvSpPr>
+          <p:cNvPr id="4" name="Rectangle 3">
+            <a:extLst>
+              <a:ext uri="{FF2B5EF4-FFF2-40B4-BE49-F238E27FC236}">
+                <a16:creationId xmlns:a16="http://schemas.microsoft.com/office/drawing/2014/main" id="{70C1C217-6EFD-80A6-5B4F-BF9B6527C900}"/>
+              </a:ext>
+            </a:extLst>
+          </p:cNvPr>
+          <p:cNvSpPr/>
+          <p:nvPr/>
+        </p:nvSpPr>
+        <p:spPr>
+          <a:xfrm>
+            <a:off x="0" y="0"/>
+            <a:ext cx="12192000" cy="1690688"/>
+          </a:xfrm>
+          <a:prstGeom prst="rect">
+            <a:avLst/>
+          </a:prstGeom>
+          <a:solidFill>
+            <a:schemeClr val="tx2"/>
+          </a:solidFill>
+        </p:spPr>
+        <p:style>
+          <a:lnRef idx="2">
+            <a:schemeClr val="dk1">
+              <a:shade val="15000"/>
+            </a:schemeClr>
+          </a:lnRef>
+          <a:fillRef idx="1">
+            <a:schemeClr val="dk1"/>
+          </a:fillRef>
+          <a:effectRef idx="0">
+            <a:schemeClr val="dk1"/>
+          </a:effectRef>
+          <a:fontRef idx="minor">
+            <a:schemeClr val="lt1"/>
+          </a:fontRef>
+        </p:style>
+        <p:txBody>
+          <a:bodyPr rtlCol="0" anchor="ctr"/>
+          <a:lstStyle/>
+          <a:p>
+            <a:pPr algn="ctr"/>
+            <a:endParaRPr lang="en-US"/>
+          </a:p>
+        </p:txBody>
+      </p:sp>
+      <p:sp>
+        <p:nvSpPr>
           <p:cNvPr id="2" name="Title 1">
             <a:extLst>
               <a:ext uri="{FF2B5EF4-FFF2-40B4-BE49-F238E27FC236}">
@@ -10985,7 +12236,11 @@
           <a:lstStyle/>
           <a:p>
             <a:r>
-              <a:rPr lang="en-US" dirty="0"/>
+              <a:rPr lang="en-US" dirty="0">
+                <a:solidFill>
+                  <a:schemeClr val="bg1"/>
+                </a:solidFill>
+              </a:rPr>
               <a:t>Concluding Thoughts</a:t>
             </a:r>
           </a:p>
@@ -11057,6 +12312,55 @@
       </p:grpSpPr>
       <p:sp>
         <p:nvSpPr>
+          <p:cNvPr id="4" name="Rectangle 3">
+            <a:extLst>
+              <a:ext uri="{FF2B5EF4-FFF2-40B4-BE49-F238E27FC236}">
+                <a16:creationId xmlns:a16="http://schemas.microsoft.com/office/drawing/2014/main" id="{F69946AB-C597-3332-2D28-46D850C32BA0}"/>
+              </a:ext>
+            </a:extLst>
+          </p:cNvPr>
+          <p:cNvSpPr/>
+          <p:nvPr/>
+        </p:nvSpPr>
+        <p:spPr>
+          <a:xfrm>
+            <a:off x="0" y="0"/>
+            <a:ext cx="12192000" cy="1690688"/>
+          </a:xfrm>
+          <a:prstGeom prst="rect">
+            <a:avLst/>
+          </a:prstGeom>
+          <a:solidFill>
+            <a:schemeClr val="tx2"/>
+          </a:solidFill>
+        </p:spPr>
+        <p:style>
+          <a:lnRef idx="2">
+            <a:schemeClr val="dk1">
+              <a:shade val="15000"/>
+            </a:schemeClr>
+          </a:lnRef>
+          <a:fillRef idx="1">
+            <a:schemeClr val="dk1"/>
+          </a:fillRef>
+          <a:effectRef idx="0">
+            <a:schemeClr val="dk1"/>
+          </a:effectRef>
+          <a:fontRef idx="minor">
+            <a:schemeClr val="lt1"/>
+          </a:fontRef>
+        </p:style>
+        <p:txBody>
+          <a:bodyPr rtlCol="0" anchor="ctr"/>
+          <a:lstStyle/>
+          <a:p>
+            <a:pPr algn="ctr"/>
+            <a:endParaRPr lang="en-US"/>
+          </a:p>
+        </p:txBody>
+      </p:sp>
+      <p:sp>
+        <p:nvSpPr>
           <p:cNvPr id="2" name="Title 1">
             <a:extLst>
               <a:ext uri="{FF2B5EF4-FFF2-40B4-BE49-F238E27FC236}">
@@ -11077,7 +12381,11 @@
           <a:lstStyle/>
           <a:p>
             <a:r>
-              <a:rPr lang="en-US" dirty="0"/>
+              <a:rPr lang="en-US" dirty="0">
+                <a:solidFill>
+                  <a:schemeClr val="bg1"/>
+                </a:solidFill>
+              </a:rPr>
               <a:t>Concluding Thoughts</a:t>
             </a:r>
           </a:p>
@@ -11197,6 +12505,55 @@
       </p:grpSpPr>
       <p:sp>
         <p:nvSpPr>
+          <p:cNvPr id="4" name="Rectangle 3">
+            <a:extLst>
+              <a:ext uri="{FF2B5EF4-FFF2-40B4-BE49-F238E27FC236}">
+                <a16:creationId xmlns:a16="http://schemas.microsoft.com/office/drawing/2014/main" id="{317E8CBD-5F2F-B1E0-2451-8FD899FE9B3E}"/>
+              </a:ext>
+            </a:extLst>
+          </p:cNvPr>
+          <p:cNvSpPr/>
+          <p:nvPr/>
+        </p:nvSpPr>
+        <p:spPr>
+          <a:xfrm>
+            <a:off x="0" y="0"/>
+            <a:ext cx="12192000" cy="1690688"/>
+          </a:xfrm>
+          <a:prstGeom prst="rect">
+            <a:avLst/>
+          </a:prstGeom>
+          <a:solidFill>
+            <a:schemeClr val="tx2"/>
+          </a:solidFill>
+        </p:spPr>
+        <p:style>
+          <a:lnRef idx="2">
+            <a:schemeClr val="dk1">
+              <a:shade val="15000"/>
+            </a:schemeClr>
+          </a:lnRef>
+          <a:fillRef idx="1">
+            <a:schemeClr val="dk1"/>
+          </a:fillRef>
+          <a:effectRef idx="0">
+            <a:schemeClr val="dk1"/>
+          </a:effectRef>
+          <a:fontRef idx="minor">
+            <a:schemeClr val="lt1"/>
+          </a:fontRef>
+        </p:style>
+        <p:txBody>
+          <a:bodyPr rtlCol="0" anchor="ctr"/>
+          <a:lstStyle/>
+          <a:p>
+            <a:pPr algn="ctr"/>
+            <a:endParaRPr lang="en-US"/>
+          </a:p>
+        </p:txBody>
+      </p:sp>
+      <p:sp>
+        <p:nvSpPr>
           <p:cNvPr id="2" name="Title 1">
             <a:extLst>
               <a:ext uri="{FF2B5EF4-FFF2-40B4-BE49-F238E27FC236}">
@@ -11217,7 +12574,11 @@
           <a:lstStyle/>
           <a:p>
             <a:r>
-              <a:rPr lang="en-US" dirty="0"/>
+              <a:rPr lang="en-US" dirty="0">
+                <a:solidFill>
+                  <a:schemeClr val="bg1"/>
+                </a:solidFill>
+              </a:rPr>
               <a:t>Concluding Thoughts</a:t>
             </a:r>
           </a:p>
@@ -11313,6 +12674,55 @@
       </p:grpSpPr>
       <p:sp>
         <p:nvSpPr>
+          <p:cNvPr id="4" name="Rectangle 3">
+            <a:extLst>
+              <a:ext uri="{FF2B5EF4-FFF2-40B4-BE49-F238E27FC236}">
+                <a16:creationId xmlns:a16="http://schemas.microsoft.com/office/drawing/2014/main" id="{0DEC56BD-5F8D-8FB6-8E97-695788F17344}"/>
+              </a:ext>
+            </a:extLst>
+          </p:cNvPr>
+          <p:cNvSpPr/>
+          <p:nvPr/>
+        </p:nvSpPr>
+        <p:spPr>
+          <a:xfrm>
+            <a:off x="0" y="0"/>
+            <a:ext cx="12192000" cy="1690688"/>
+          </a:xfrm>
+          <a:prstGeom prst="rect">
+            <a:avLst/>
+          </a:prstGeom>
+          <a:solidFill>
+            <a:schemeClr val="tx2"/>
+          </a:solidFill>
+        </p:spPr>
+        <p:style>
+          <a:lnRef idx="2">
+            <a:schemeClr val="dk1">
+              <a:shade val="15000"/>
+            </a:schemeClr>
+          </a:lnRef>
+          <a:fillRef idx="1">
+            <a:schemeClr val="dk1"/>
+          </a:fillRef>
+          <a:effectRef idx="0">
+            <a:schemeClr val="dk1"/>
+          </a:effectRef>
+          <a:fontRef idx="minor">
+            <a:schemeClr val="lt1"/>
+          </a:fontRef>
+        </p:style>
+        <p:txBody>
+          <a:bodyPr rtlCol="0" anchor="ctr"/>
+          <a:lstStyle/>
+          <a:p>
+            <a:pPr algn="ctr"/>
+            <a:endParaRPr lang="en-US"/>
+          </a:p>
+        </p:txBody>
+      </p:sp>
+      <p:sp>
+        <p:nvSpPr>
           <p:cNvPr id="2" name="Title 1">
             <a:extLst>
               <a:ext uri="{FF2B5EF4-FFF2-40B4-BE49-F238E27FC236}">
@@ -11333,7 +12743,11 @@
           <a:lstStyle/>
           <a:p>
             <a:r>
-              <a:rPr lang="en-US" dirty="0"/>
+              <a:rPr lang="en-US" dirty="0">
+                <a:solidFill>
+                  <a:schemeClr val="bg1"/>
+                </a:solidFill>
+              </a:rPr>
               <a:t>Outline</a:t>
             </a:r>
           </a:p>
@@ -11444,6 +12858,55 @@
       </p:grpSpPr>
       <p:sp>
         <p:nvSpPr>
+          <p:cNvPr id="4" name="Rectangle 3">
+            <a:extLst>
+              <a:ext uri="{FF2B5EF4-FFF2-40B4-BE49-F238E27FC236}">
+                <a16:creationId xmlns:a16="http://schemas.microsoft.com/office/drawing/2014/main" id="{FC312E43-7FE1-F08D-836A-FE3530089FDA}"/>
+              </a:ext>
+            </a:extLst>
+          </p:cNvPr>
+          <p:cNvSpPr/>
+          <p:nvPr/>
+        </p:nvSpPr>
+        <p:spPr>
+          <a:xfrm>
+            <a:off x="0" y="0"/>
+            <a:ext cx="12192000" cy="1690688"/>
+          </a:xfrm>
+          <a:prstGeom prst="rect">
+            <a:avLst/>
+          </a:prstGeom>
+          <a:solidFill>
+            <a:schemeClr val="tx2"/>
+          </a:solidFill>
+        </p:spPr>
+        <p:style>
+          <a:lnRef idx="2">
+            <a:schemeClr val="dk1">
+              <a:shade val="15000"/>
+            </a:schemeClr>
+          </a:lnRef>
+          <a:fillRef idx="1">
+            <a:schemeClr val="dk1"/>
+          </a:fillRef>
+          <a:effectRef idx="0">
+            <a:schemeClr val="dk1"/>
+          </a:effectRef>
+          <a:fontRef idx="minor">
+            <a:schemeClr val="lt1"/>
+          </a:fontRef>
+        </p:style>
+        <p:txBody>
+          <a:bodyPr rtlCol="0" anchor="ctr"/>
+          <a:lstStyle/>
+          <a:p>
+            <a:pPr algn="ctr"/>
+            <a:endParaRPr lang="en-US"/>
+          </a:p>
+        </p:txBody>
+      </p:sp>
+      <p:sp>
+        <p:nvSpPr>
           <p:cNvPr id="2" name="Title 1">
             <a:extLst>
               <a:ext uri="{FF2B5EF4-FFF2-40B4-BE49-F238E27FC236}">
@@ -11464,7 +12927,11 @@
           <a:lstStyle/>
           <a:p>
             <a:r>
-              <a:rPr lang="en-US" dirty="0"/>
+              <a:rPr lang="en-US" dirty="0">
+                <a:solidFill>
+                  <a:schemeClr val="bg1"/>
+                </a:solidFill>
+              </a:rPr>
               <a:t>Concluding Thoughts</a:t>
             </a:r>
           </a:p>
@@ -11542,7 +13009,7 @@
         </p:blipFill>
         <p:spPr>
           <a:xfrm>
-            <a:off x="5848399" y="1078991"/>
+            <a:off x="5848399" y="2402701"/>
             <a:ext cx="6343601" cy="4455299"/>
           </a:xfrm>
           <a:prstGeom prst="rect">
@@ -11564,7 +13031,7 @@
         </p:nvSpPr>
         <p:spPr>
           <a:xfrm>
-            <a:off x="6473952" y="365125"/>
+            <a:off x="6603348" y="1900069"/>
             <a:ext cx="5193792" cy="369332"/>
           </a:xfrm>
           <a:prstGeom prst="rect">
@@ -11623,6 +13090,55 @@
       </p:grpSpPr>
       <p:sp>
         <p:nvSpPr>
+          <p:cNvPr id="4" name="Rectangle 3">
+            <a:extLst>
+              <a:ext uri="{FF2B5EF4-FFF2-40B4-BE49-F238E27FC236}">
+                <a16:creationId xmlns:a16="http://schemas.microsoft.com/office/drawing/2014/main" id="{BEC6B48D-7981-7C99-06B0-B116C1B3ABE3}"/>
+              </a:ext>
+            </a:extLst>
+          </p:cNvPr>
+          <p:cNvSpPr/>
+          <p:nvPr/>
+        </p:nvSpPr>
+        <p:spPr>
+          <a:xfrm>
+            <a:off x="0" y="0"/>
+            <a:ext cx="12192000" cy="1690688"/>
+          </a:xfrm>
+          <a:prstGeom prst="rect">
+            <a:avLst/>
+          </a:prstGeom>
+          <a:solidFill>
+            <a:schemeClr val="tx2"/>
+          </a:solidFill>
+        </p:spPr>
+        <p:style>
+          <a:lnRef idx="2">
+            <a:schemeClr val="dk1">
+              <a:shade val="15000"/>
+            </a:schemeClr>
+          </a:lnRef>
+          <a:fillRef idx="1">
+            <a:schemeClr val="dk1"/>
+          </a:fillRef>
+          <a:effectRef idx="0">
+            <a:schemeClr val="dk1"/>
+          </a:effectRef>
+          <a:fontRef idx="minor">
+            <a:schemeClr val="lt1"/>
+          </a:fontRef>
+        </p:style>
+        <p:txBody>
+          <a:bodyPr rtlCol="0" anchor="ctr"/>
+          <a:lstStyle/>
+          <a:p>
+            <a:pPr algn="ctr"/>
+            <a:endParaRPr lang="en-US"/>
+          </a:p>
+        </p:txBody>
+      </p:sp>
+      <p:sp>
+        <p:nvSpPr>
           <p:cNvPr id="2" name="Title 1">
             <a:extLst>
               <a:ext uri="{FF2B5EF4-FFF2-40B4-BE49-F238E27FC236}">
@@ -11643,7 +13159,11 @@
           <a:lstStyle/>
           <a:p>
             <a:r>
-              <a:rPr lang="en-US" dirty="0"/>
+              <a:rPr lang="en-US" dirty="0">
+                <a:solidFill>
+                  <a:schemeClr val="bg1"/>
+                </a:solidFill>
+              </a:rPr>
               <a:t>Concluding Thoughts</a:t>
             </a:r>
           </a:p>
@@ -11771,6 +13291,55 @@
       </p:grpSpPr>
       <p:sp>
         <p:nvSpPr>
+          <p:cNvPr id="4" name="Rectangle 3">
+            <a:extLst>
+              <a:ext uri="{FF2B5EF4-FFF2-40B4-BE49-F238E27FC236}">
+                <a16:creationId xmlns:a16="http://schemas.microsoft.com/office/drawing/2014/main" id="{60B719D6-60CE-44C7-3101-91C624A33EED}"/>
+              </a:ext>
+            </a:extLst>
+          </p:cNvPr>
+          <p:cNvSpPr/>
+          <p:nvPr/>
+        </p:nvSpPr>
+        <p:spPr>
+          <a:xfrm>
+            <a:off x="0" y="0"/>
+            <a:ext cx="12192000" cy="1690688"/>
+          </a:xfrm>
+          <a:prstGeom prst="rect">
+            <a:avLst/>
+          </a:prstGeom>
+          <a:solidFill>
+            <a:schemeClr val="tx2"/>
+          </a:solidFill>
+        </p:spPr>
+        <p:style>
+          <a:lnRef idx="2">
+            <a:schemeClr val="dk1">
+              <a:shade val="15000"/>
+            </a:schemeClr>
+          </a:lnRef>
+          <a:fillRef idx="1">
+            <a:schemeClr val="dk1"/>
+          </a:fillRef>
+          <a:effectRef idx="0">
+            <a:schemeClr val="dk1"/>
+          </a:effectRef>
+          <a:fontRef idx="minor">
+            <a:schemeClr val="lt1"/>
+          </a:fontRef>
+        </p:style>
+        <p:txBody>
+          <a:bodyPr rtlCol="0" anchor="ctr"/>
+          <a:lstStyle/>
+          <a:p>
+            <a:pPr algn="ctr"/>
+            <a:endParaRPr lang="en-US"/>
+          </a:p>
+        </p:txBody>
+      </p:sp>
+      <p:sp>
+        <p:nvSpPr>
           <p:cNvPr id="2" name="Title 1">
             <a:extLst>
               <a:ext uri="{FF2B5EF4-FFF2-40B4-BE49-F238E27FC236}">
@@ -11791,7 +13360,11 @@
           <a:lstStyle/>
           <a:p>
             <a:r>
-              <a:rPr lang="en-US" dirty="0"/>
+              <a:rPr lang="en-US" dirty="0">
+                <a:solidFill>
+                  <a:schemeClr val="bg1"/>
+                </a:solidFill>
+              </a:rPr>
               <a:t>Discussion</a:t>
             </a:r>
           </a:p>
@@ -11882,6 +13455,55 @@
       </p:grpSpPr>
       <p:sp>
         <p:nvSpPr>
+          <p:cNvPr id="4" name="Rectangle 3">
+            <a:extLst>
+              <a:ext uri="{FF2B5EF4-FFF2-40B4-BE49-F238E27FC236}">
+                <a16:creationId xmlns:a16="http://schemas.microsoft.com/office/drawing/2014/main" id="{69508551-80CB-578D-198A-BF3AB3F0EEE5}"/>
+              </a:ext>
+            </a:extLst>
+          </p:cNvPr>
+          <p:cNvSpPr/>
+          <p:nvPr/>
+        </p:nvSpPr>
+        <p:spPr>
+          <a:xfrm>
+            <a:off x="0" y="0"/>
+            <a:ext cx="12192000" cy="1690688"/>
+          </a:xfrm>
+          <a:prstGeom prst="rect">
+            <a:avLst/>
+          </a:prstGeom>
+          <a:solidFill>
+            <a:schemeClr val="tx2"/>
+          </a:solidFill>
+        </p:spPr>
+        <p:style>
+          <a:lnRef idx="2">
+            <a:schemeClr val="dk1">
+              <a:shade val="15000"/>
+            </a:schemeClr>
+          </a:lnRef>
+          <a:fillRef idx="1">
+            <a:schemeClr val="dk1"/>
+          </a:fillRef>
+          <a:effectRef idx="0">
+            <a:schemeClr val="dk1"/>
+          </a:effectRef>
+          <a:fontRef idx="minor">
+            <a:schemeClr val="lt1"/>
+          </a:fontRef>
+        </p:style>
+        <p:txBody>
+          <a:bodyPr rtlCol="0" anchor="ctr"/>
+          <a:lstStyle/>
+          <a:p>
+            <a:pPr algn="ctr"/>
+            <a:endParaRPr lang="en-US"/>
+          </a:p>
+        </p:txBody>
+      </p:sp>
+      <p:sp>
+        <p:nvSpPr>
           <p:cNvPr id="2" name="Title 1">
             <a:extLst>
               <a:ext uri="{FF2B5EF4-FFF2-40B4-BE49-F238E27FC236}">
@@ -11902,7 +13524,11 @@
           <a:lstStyle/>
           <a:p>
             <a:r>
-              <a:rPr lang="en-US" dirty="0"/>
+              <a:rPr lang="en-US" dirty="0">
+                <a:solidFill>
+                  <a:schemeClr val="bg1"/>
+                </a:solidFill>
+              </a:rPr>
               <a:t>Works Cited</a:t>
             </a:r>
           </a:p>
@@ -12019,6 +13645,55 @@
       </p:grpSpPr>
       <p:sp>
         <p:nvSpPr>
+          <p:cNvPr id="4" name="Rectangle 3">
+            <a:extLst>
+              <a:ext uri="{FF2B5EF4-FFF2-40B4-BE49-F238E27FC236}">
+                <a16:creationId xmlns:a16="http://schemas.microsoft.com/office/drawing/2014/main" id="{2E6A15EA-AE3A-55DE-C4BB-59627A6BE010}"/>
+              </a:ext>
+            </a:extLst>
+          </p:cNvPr>
+          <p:cNvSpPr/>
+          <p:nvPr/>
+        </p:nvSpPr>
+        <p:spPr>
+          <a:xfrm>
+            <a:off x="0" y="0"/>
+            <a:ext cx="12192000" cy="1690688"/>
+          </a:xfrm>
+          <a:prstGeom prst="rect">
+            <a:avLst/>
+          </a:prstGeom>
+          <a:solidFill>
+            <a:schemeClr val="tx2"/>
+          </a:solidFill>
+        </p:spPr>
+        <p:style>
+          <a:lnRef idx="2">
+            <a:schemeClr val="dk1">
+              <a:shade val="15000"/>
+            </a:schemeClr>
+          </a:lnRef>
+          <a:fillRef idx="1">
+            <a:schemeClr val="dk1"/>
+          </a:fillRef>
+          <a:effectRef idx="0">
+            <a:schemeClr val="dk1"/>
+          </a:effectRef>
+          <a:fontRef idx="minor">
+            <a:schemeClr val="lt1"/>
+          </a:fontRef>
+        </p:style>
+        <p:txBody>
+          <a:bodyPr rtlCol="0" anchor="ctr"/>
+          <a:lstStyle/>
+          <a:p>
+            <a:pPr algn="ctr"/>
+            <a:endParaRPr lang="en-US"/>
+          </a:p>
+        </p:txBody>
+      </p:sp>
+      <p:sp>
+        <p:nvSpPr>
           <p:cNvPr id="2" name="Title 1">
             <a:extLst>
               <a:ext uri="{FF2B5EF4-FFF2-40B4-BE49-F238E27FC236}">
@@ -12039,7 +13714,11 @@
           <a:lstStyle/>
           <a:p>
             <a:r>
-              <a:rPr lang="en-US" dirty="0"/>
+              <a:rPr lang="en-US" dirty="0">
+                <a:solidFill>
+                  <a:schemeClr val="bg1"/>
+                </a:solidFill>
+              </a:rPr>
               <a:t>Causes of the Home Insurance Crisis</a:t>
             </a:r>
           </a:p>
@@ -12212,6 +13891,55 @@
       </p:grpSpPr>
       <p:sp>
         <p:nvSpPr>
+          <p:cNvPr id="4" name="Rectangle 3">
+            <a:extLst>
+              <a:ext uri="{FF2B5EF4-FFF2-40B4-BE49-F238E27FC236}">
+                <a16:creationId xmlns:a16="http://schemas.microsoft.com/office/drawing/2014/main" id="{5D982943-2436-F685-4AA6-60FFEF399B10}"/>
+              </a:ext>
+            </a:extLst>
+          </p:cNvPr>
+          <p:cNvSpPr/>
+          <p:nvPr/>
+        </p:nvSpPr>
+        <p:spPr>
+          <a:xfrm>
+            <a:off x="0" y="0"/>
+            <a:ext cx="12192000" cy="1690688"/>
+          </a:xfrm>
+          <a:prstGeom prst="rect">
+            <a:avLst/>
+          </a:prstGeom>
+          <a:solidFill>
+            <a:schemeClr val="tx2"/>
+          </a:solidFill>
+        </p:spPr>
+        <p:style>
+          <a:lnRef idx="2">
+            <a:schemeClr val="dk1">
+              <a:shade val="15000"/>
+            </a:schemeClr>
+          </a:lnRef>
+          <a:fillRef idx="1">
+            <a:schemeClr val="dk1"/>
+          </a:fillRef>
+          <a:effectRef idx="0">
+            <a:schemeClr val="dk1"/>
+          </a:effectRef>
+          <a:fontRef idx="minor">
+            <a:schemeClr val="lt1"/>
+          </a:fontRef>
+        </p:style>
+        <p:txBody>
+          <a:bodyPr rtlCol="0" anchor="ctr"/>
+          <a:lstStyle/>
+          <a:p>
+            <a:pPr algn="ctr"/>
+            <a:endParaRPr lang="en-US"/>
+          </a:p>
+        </p:txBody>
+      </p:sp>
+      <p:sp>
+        <p:nvSpPr>
           <p:cNvPr id="2" name="Title 1">
             <a:extLst>
               <a:ext uri="{FF2B5EF4-FFF2-40B4-BE49-F238E27FC236}">
@@ -12232,7 +13960,11 @@
           <a:lstStyle/>
           <a:p>
             <a:r>
-              <a:rPr lang="en-US" dirty="0"/>
+              <a:rPr lang="en-US" dirty="0">
+                <a:solidFill>
+                  <a:schemeClr val="bg1"/>
+                </a:solidFill>
+              </a:rPr>
               <a:t>State of the Home Insurance Market</a:t>
             </a:r>
           </a:p>
@@ -12415,6 +14147,55 @@
       </p:grpSpPr>
       <p:sp>
         <p:nvSpPr>
+          <p:cNvPr id="4" name="Rectangle 3">
+            <a:extLst>
+              <a:ext uri="{FF2B5EF4-FFF2-40B4-BE49-F238E27FC236}">
+                <a16:creationId xmlns:a16="http://schemas.microsoft.com/office/drawing/2014/main" id="{B6B6C0F5-B35D-F355-F9DA-DD256C078100}"/>
+              </a:ext>
+            </a:extLst>
+          </p:cNvPr>
+          <p:cNvSpPr/>
+          <p:nvPr/>
+        </p:nvSpPr>
+        <p:spPr>
+          <a:xfrm>
+            <a:off x="0" y="0"/>
+            <a:ext cx="12192000" cy="1690688"/>
+          </a:xfrm>
+          <a:prstGeom prst="rect">
+            <a:avLst/>
+          </a:prstGeom>
+          <a:solidFill>
+            <a:schemeClr val="tx2"/>
+          </a:solidFill>
+        </p:spPr>
+        <p:style>
+          <a:lnRef idx="2">
+            <a:schemeClr val="dk1">
+              <a:shade val="15000"/>
+            </a:schemeClr>
+          </a:lnRef>
+          <a:fillRef idx="1">
+            <a:schemeClr val="dk1"/>
+          </a:fillRef>
+          <a:effectRef idx="0">
+            <a:schemeClr val="dk1"/>
+          </a:effectRef>
+          <a:fontRef idx="minor">
+            <a:schemeClr val="lt1"/>
+          </a:fontRef>
+        </p:style>
+        <p:txBody>
+          <a:bodyPr rtlCol="0" anchor="ctr"/>
+          <a:lstStyle/>
+          <a:p>
+            <a:pPr algn="ctr"/>
+            <a:endParaRPr lang="en-US"/>
+          </a:p>
+        </p:txBody>
+      </p:sp>
+      <p:sp>
+        <p:nvSpPr>
           <p:cNvPr id="2" name="Title 1">
             <a:extLst>
               <a:ext uri="{FF2B5EF4-FFF2-40B4-BE49-F238E27FC236}">
@@ -12435,8 +14216,24 @@
           <a:lstStyle/>
           <a:p>
             <a:r>
+              <a:rPr lang="en-US" dirty="0">
+                <a:solidFill>
+                  <a:schemeClr val="bg1"/>
+                </a:solidFill>
+              </a:rPr>
+              <a:t>State</a:t>
+            </a:r>
+            <a:r>
               <a:rPr lang="en-US" dirty="0"/>
-              <a:t>State of the Catastrophic Weather</a:t>
+              <a:t> </a:t>
+            </a:r>
+            <a:r>
+              <a:rPr lang="en-US" dirty="0">
+                <a:solidFill>
+                  <a:schemeClr val="bg1"/>
+                </a:solidFill>
+              </a:rPr>
+              <a:t>of the Catastrophic Weather</a:t>
             </a:r>
           </a:p>
         </p:txBody>
@@ -12459,7 +14256,7 @@
         </p:nvSpPr>
         <p:spPr>
           <a:xfrm>
-            <a:off x="838200" y="1253331"/>
+            <a:off x="838200" y="1477617"/>
             <a:ext cx="10515600" cy="4351338"/>
           </a:xfrm>
         </p:spPr>
@@ -12612,6 +14409,55 @@
       </p:grpSpPr>
       <p:sp>
         <p:nvSpPr>
+          <p:cNvPr id="4" name="Rectangle 3">
+            <a:extLst>
+              <a:ext uri="{FF2B5EF4-FFF2-40B4-BE49-F238E27FC236}">
+                <a16:creationId xmlns:a16="http://schemas.microsoft.com/office/drawing/2014/main" id="{32EBA965-ABEA-79AF-F0BC-0A18B8A49648}"/>
+              </a:ext>
+            </a:extLst>
+          </p:cNvPr>
+          <p:cNvSpPr/>
+          <p:nvPr/>
+        </p:nvSpPr>
+        <p:spPr>
+          <a:xfrm>
+            <a:off x="0" y="0"/>
+            <a:ext cx="12192000" cy="1690688"/>
+          </a:xfrm>
+          <a:prstGeom prst="rect">
+            <a:avLst/>
+          </a:prstGeom>
+          <a:solidFill>
+            <a:schemeClr val="tx2"/>
+          </a:solidFill>
+        </p:spPr>
+        <p:style>
+          <a:lnRef idx="2">
+            <a:schemeClr val="dk1">
+              <a:shade val="15000"/>
+            </a:schemeClr>
+          </a:lnRef>
+          <a:fillRef idx="1">
+            <a:schemeClr val="dk1"/>
+          </a:fillRef>
+          <a:effectRef idx="0">
+            <a:schemeClr val="dk1"/>
+          </a:effectRef>
+          <a:fontRef idx="minor">
+            <a:schemeClr val="lt1"/>
+          </a:fontRef>
+        </p:style>
+        <p:txBody>
+          <a:bodyPr rtlCol="0" anchor="ctr"/>
+          <a:lstStyle/>
+          <a:p>
+            <a:pPr algn="ctr"/>
+            <a:endParaRPr lang="en-US"/>
+          </a:p>
+        </p:txBody>
+      </p:sp>
+      <p:sp>
+        <p:nvSpPr>
           <p:cNvPr id="2" name="Title 1">
             <a:extLst>
               <a:ext uri="{FF2B5EF4-FFF2-40B4-BE49-F238E27FC236}">
@@ -12632,7 +14478,11 @@
           <a:lstStyle/>
           <a:p>
             <a:r>
-              <a:rPr lang="en-US" dirty="0"/>
+              <a:rPr lang="en-US" dirty="0">
+                <a:solidFill>
+                  <a:schemeClr val="bg1"/>
+                </a:solidFill>
+              </a:rPr>
               <a:t>Climate Change’s Impact on Home Insurance</a:t>
             </a:r>
           </a:p>
@@ -12825,6 +14675,55 @@
       </p:grpSpPr>
       <p:sp>
         <p:nvSpPr>
+          <p:cNvPr id="4" name="Rectangle 3">
+            <a:extLst>
+              <a:ext uri="{FF2B5EF4-FFF2-40B4-BE49-F238E27FC236}">
+                <a16:creationId xmlns:a16="http://schemas.microsoft.com/office/drawing/2014/main" id="{05EFFCE0-C01E-1891-D2CD-AF38B4156308}"/>
+              </a:ext>
+            </a:extLst>
+          </p:cNvPr>
+          <p:cNvSpPr/>
+          <p:nvPr/>
+        </p:nvSpPr>
+        <p:spPr>
+          <a:xfrm>
+            <a:off x="0" y="0"/>
+            <a:ext cx="12192000" cy="1690688"/>
+          </a:xfrm>
+          <a:prstGeom prst="rect">
+            <a:avLst/>
+          </a:prstGeom>
+          <a:solidFill>
+            <a:schemeClr val="tx2"/>
+          </a:solidFill>
+        </p:spPr>
+        <p:style>
+          <a:lnRef idx="2">
+            <a:schemeClr val="dk1">
+              <a:shade val="15000"/>
+            </a:schemeClr>
+          </a:lnRef>
+          <a:fillRef idx="1">
+            <a:schemeClr val="dk1"/>
+          </a:fillRef>
+          <a:effectRef idx="0">
+            <a:schemeClr val="dk1"/>
+          </a:effectRef>
+          <a:fontRef idx="minor">
+            <a:schemeClr val="lt1"/>
+          </a:fontRef>
+        </p:style>
+        <p:txBody>
+          <a:bodyPr rtlCol="0" anchor="ctr"/>
+          <a:lstStyle/>
+          <a:p>
+            <a:pPr algn="ctr"/>
+            <a:endParaRPr lang="en-US"/>
+          </a:p>
+        </p:txBody>
+      </p:sp>
+      <p:sp>
+        <p:nvSpPr>
           <p:cNvPr id="2" name="Title 1">
             <a:extLst>
               <a:ext uri="{FF2B5EF4-FFF2-40B4-BE49-F238E27FC236}">
@@ -12845,14 +14744,26 @@
           <a:lstStyle/>
           <a:p>
             <a:r>
-              <a:rPr lang="en-US" dirty="0"/>
+              <a:rPr lang="en-US" dirty="0">
+                <a:solidFill>
+                  <a:schemeClr val="bg1"/>
+                </a:solidFill>
+              </a:rPr>
               <a:t>Climate Change’s Impact on Home Insurance</a:t>
             </a:r>
             <a:br>
-              <a:rPr lang="en-US" dirty="0"/>
+              <a:rPr lang="en-US" dirty="0">
+                <a:solidFill>
+                  <a:schemeClr val="bg1"/>
+                </a:solidFill>
+              </a:rPr>
             </a:br>
             <a:r>
-              <a:rPr lang="en-US" sz="3200" dirty="0"/>
+              <a:rPr lang="en-US" sz="3200" dirty="0">
+                <a:solidFill>
+                  <a:schemeClr val="bg1"/>
+                </a:solidFill>
+              </a:rPr>
               <a:t>Insurance Pricing 101</a:t>
             </a:r>
           </a:p>
@@ -12936,6 +14847,55 @@
       </p:grpSpPr>
       <p:sp>
         <p:nvSpPr>
+          <p:cNvPr id="3" name="Rectangle 2">
+            <a:extLst>
+              <a:ext uri="{FF2B5EF4-FFF2-40B4-BE49-F238E27FC236}">
+                <a16:creationId xmlns:a16="http://schemas.microsoft.com/office/drawing/2014/main" id="{74311A9C-F927-04EC-6B24-35AA2221DA4B}"/>
+              </a:ext>
+            </a:extLst>
+          </p:cNvPr>
+          <p:cNvSpPr/>
+          <p:nvPr/>
+        </p:nvSpPr>
+        <p:spPr>
+          <a:xfrm>
+            <a:off x="0" y="0"/>
+            <a:ext cx="12192000" cy="1690688"/>
+          </a:xfrm>
+          <a:prstGeom prst="rect">
+            <a:avLst/>
+          </a:prstGeom>
+          <a:solidFill>
+            <a:schemeClr val="tx2"/>
+          </a:solidFill>
+        </p:spPr>
+        <p:style>
+          <a:lnRef idx="2">
+            <a:schemeClr val="dk1">
+              <a:shade val="15000"/>
+            </a:schemeClr>
+          </a:lnRef>
+          <a:fillRef idx="1">
+            <a:schemeClr val="dk1"/>
+          </a:fillRef>
+          <a:effectRef idx="0">
+            <a:schemeClr val="dk1"/>
+          </a:effectRef>
+          <a:fontRef idx="minor">
+            <a:schemeClr val="lt1"/>
+          </a:fontRef>
+        </p:style>
+        <p:txBody>
+          <a:bodyPr rtlCol="0" anchor="ctr"/>
+          <a:lstStyle/>
+          <a:p>
+            <a:pPr algn="ctr"/>
+            <a:endParaRPr lang="en-US"/>
+          </a:p>
+        </p:txBody>
+      </p:sp>
+      <p:sp>
+        <p:nvSpPr>
           <p:cNvPr id="2" name="Title 1">
             <a:extLst>
               <a:ext uri="{FF2B5EF4-FFF2-40B4-BE49-F238E27FC236}">
@@ -12952,7 +14912,7 @@
         </p:nvSpPr>
         <p:spPr>
           <a:xfrm>
-            <a:off x="838200" y="166718"/>
+            <a:off x="698740" y="-57098"/>
             <a:ext cx="10515600" cy="1911731"/>
           </a:xfrm>
         </p:spPr>
@@ -12963,21 +14923,41 @@
           <a:lstStyle/>
           <a:p>
             <a:r>
-              <a:rPr lang="en-US" dirty="0"/>
+              <a:rPr lang="en-US" dirty="0">
+                <a:solidFill>
+                  <a:schemeClr val="bg1"/>
+                </a:solidFill>
+              </a:rPr>
               <a:t>Climate Change’s Impact on Home Insurance</a:t>
             </a:r>
             <a:br>
-              <a:rPr lang="en-US" dirty="0"/>
+              <a:rPr lang="en-US" dirty="0">
+                <a:solidFill>
+                  <a:schemeClr val="bg1"/>
+                </a:solidFill>
+              </a:rPr>
             </a:br>
             <a:r>
-              <a:rPr lang="en-US" sz="3200" dirty="0"/>
+              <a:rPr lang="en-US" sz="3200" dirty="0">
+                <a:solidFill>
+                  <a:schemeClr val="bg1"/>
+                </a:solidFill>
+              </a:rPr>
               <a:t>Insurance Pricing 101: Unstable Aggregate Claims</a:t>
             </a:r>
             <a:br>
-              <a:rPr lang="en-US" sz="3200" dirty="0"/>
+              <a:rPr lang="en-US" sz="3200" dirty="0">
+                <a:solidFill>
+                  <a:schemeClr val="bg1"/>
+                </a:solidFill>
+              </a:rPr>
             </a:br>
             <a:r>
-              <a:rPr lang="en-US" sz="3200" dirty="0"/>
+              <a:rPr lang="en-US" sz="3200" dirty="0">
+                <a:solidFill>
+                  <a:schemeClr val="bg1"/>
+                </a:solidFill>
+              </a:rPr>
               <a:t>In a warming world, Past no Longer Predicts Future </a:t>
             </a:r>
           </a:p>
@@ -12998,13 +14978,13 @@
           <p:nvPr>
             <p:extLst>
               <p:ext uri="{D42A27DB-BD31-4B8C-83A1-F6EECF244321}">
-                <p14:modId xmlns:p14="http://schemas.microsoft.com/office/powerpoint/2010/main" val="1205327296"/>
+                <p14:modId xmlns:p14="http://schemas.microsoft.com/office/powerpoint/2010/main" val="2594875883"/>
               </p:ext>
             </p:extLst>
           </p:nvPr>
         </p:nvGraphicFramePr>
         <p:xfrm>
-          <a:off x="4603809" y="2276856"/>
+          <a:off x="6682775" y="2191745"/>
           <a:ext cx="2297324" cy="4351338"/>
         </p:xfrm>
         <a:graphic>
@@ -13185,7 +15165,7 @@
                     <a:p>
                       <a:pPr algn="r" fontAlgn="b"/>
                       <a:r>
-                        <a:rPr lang="en-US" sz="1900" b="1" i="0" u="none" strike="noStrike">
+                        <a:rPr lang="en-US" sz="1900" b="1" i="0" u="none" strike="noStrike" dirty="0">
                           <a:solidFill>
                             <a:srgbClr val="196B24"/>
                           </a:solidFill>
@@ -14018,13 +15998,13 @@
           <p:nvPr>
             <p:extLst>
               <p:ext uri="{D42A27DB-BD31-4B8C-83A1-F6EECF244321}">
-                <p14:modId xmlns:p14="http://schemas.microsoft.com/office/powerpoint/2010/main" val="46221980"/>
+                <p14:modId xmlns:p14="http://schemas.microsoft.com/office/powerpoint/2010/main" val="228127437"/>
               </p:ext>
             </p:extLst>
           </p:nvPr>
         </p:nvGraphicFramePr>
         <p:xfrm>
-          <a:off x="808193" y="2291449"/>
+          <a:off x="2216989" y="2191745"/>
           <a:ext cx="2625120" cy="4351338"/>
         </p:xfrm>
         <a:graphic>
@@ -15037,7 +17017,7 @@
         </p:nvSpPr>
         <p:spPr>
           <a:xfrm>
-            <a:off x="698740" y="2018579"/>
+            <a:off x="2216989" y="1877043"/>
             <a:ext cx="3036498" cy="369332"/>
           </a:xfrm>
           <a:prstGeom prst="rect">
@@ -15072,7 +17052,7 @@
         </p:nvSpPr>
         <p:spPr>
           <a:xfrm>
-            <a:off x="4594998" y="2007079"/>
+            <a:off x="6622205" y="1877043"/>
             <a:ext cx="3036498" cy="369332"/>
           </a:xfrm>
           <a:prstGeom prst="rect">
@@ -15089,6 +17069,41 @@
             <a:r>
               <a:rPr lang="en-US" b="1" dirty="0"/>
               <a:t>Year 2</a:t>
+            </a:r>
+          </a:p>
+        </p:txBody>
+      </p:sp>
+      <p:sp>
+        <p:nvSpPr>
+          <p:cNvPr id="4" name="TextBox 3">
+            <a:extLst>
+              <a:ext uri="{FF2B5EF4-FFF2-40B4-BE49-F238E27FC236}">
+                <a16:creationId xmlns:a16="http://schemas.microsoft.com/office/drawing/2014/main" id="{2CCE30DA-6AA2-FD93-2BDA-C5771A011340}"/>
+              </a:ext>
+            </a:extLst>
+          </p:cNvPr>
+          <p:cNvSpPr txBox="1"/>
+          <p:nvPr/>
+        </p:nvSpPr>
+        <p:spPr>
+          <a:xfrm>
+            <a:off x="10041147" y="2475781"/>
+            <a:ext cx="1923691" cy="923330"/>
+          </a:xfrm>
+          <a:prstGeom prst="rect">
+            <a:avLst/>
+          </a:prstGeom>
+          <a:noFill/>
+        </p:spPr>
+        <p:txBody>
+          <a:bodyPr wrap="square" rtlCol="0">
+            <a:spAutoFit/>
+          </a:bodyPr>
+          <a:lstStyle/>
+          <a:p>
+            <a:r>
+              <a:rPr lang="en-US" dirty="0"/>
+              <a:t>Note: Volatility is worse than simple increase</a:t>
             </a:r>
           </a:p>
         </p:txBody>
